--- a/AprendizadoMaquina/Tópico 02 - Aprendizado Supervisionado/Dados Desbalanceados/Tópico 02 - Aprendizado-Dados Desbalanceados - Dados_Desbalanceados.pptx
+++ b/AprendizadoMaquina/Tópico 02 - Aprendizado Supervisionado/Dados Desbalanceados/Tópico 02 - Aprendizado-Dados Desbalanceados - Dados_Desbalanceados.pptx
@@ -307,7 +307,7 @@
             <a:pPr algn="r">
               <a:buNone/>
             </a:pPr>
-            <a:fld id="{2F003669-0911-4DAE-B55D-82C835D29A19}" type="slidenum">
+            <a:fld id="{642B9EFC-6B58-4633-BA77-1BE60978DCA2}" type="slidenum">
               <a:rPr b="0" lang="pt-BR" sz="1400" spc="-1" strike="noStrike">
                 <a:latin typeface="Times New Roman"/>
               </a:rPr>
@@ -355,7 +355,7 @@
         <p:spPr>
           <a:xfrm>
             <a:off x="1376280" y="1336680"/>
-            <a:ext cx="4800600" cy="3600360"/>
+            <a:ext cx="4800240" cy="3600000"/>
           </a:xfrm>
           <a:prstGeom prst="rect">
             <a:avLst/>
@@ -378,7 +378,7 @@
         <p:spPr>
           <a:xfrm>
             <a:off x="756000" y="5145120"/>
-            <a:ext cx="6040800" cy="4203000"/>
+            <a:ext cx="6040440" cy="4202640"/>
           </a:xfrm>
           <a:prstGeom prst="rect">
             <a:avLst/>
@@ -408,7 +408,7 @@
         <p:spPr>
           <a:xfrm>
             <a:off x="0" y="10155240"/>
-            <a:ext cx="3269160" cy="529560"/>
+            <a:ext cx="3268800" cy="529200"/>
           </a:xfrm>
           <a:prstGeom prst="rect">
             <a:avLst/>
@@ -486,7 +486,7 @@
         <p:spPr>
           <a:xfrm>
             <a:off x="1376280" y="1336680"/>
-            <a:ext cx="4794840" cy="3594600"/>
+            <a:ext cx="4794480" cy="3594240"/>
           </a:xfrm>
           <a:prstGeom prst="rect">
             <a:avLst/>
@@ -509,7 +509,7 @@
         <p:spPr>
           <a:xfrm>
             <a:off x="756000" y="5145120"/>
-            <a:ext cx="6034320" cy="4196520"/>
+            <a:ext cx="6033960" cy="4196160"/>
           </a:xfrm>
           <a:prstGeom prst="rect">
             <a:avLst/>
@@ -539,7 +539,7 @@
         <p:spPr>
           <a:xfrm>
             <a:off x="0" y="10155240"/>
-            <a:ext cx="3262680" cy="523080"/>
+            <a:ext cx="3262320" cy="522720"/>
           </a:xfrm>
           <a:prstGeom prst="rect">
             <a:avLst/>
@@ -617,7 +617,7 @@
         <p:spPr>
           <a:xfrm>
             <a:off x="1376280" y="1336680"/>
-            <a:ext cx="4794840" cy="3594600"/>
+            <a:ext cx="4794480" cy="3594240"/>
           </a:xfrm>
           <a:prstGeom prst="rect">
             <a:avLst/>
@@ -640,7 +640,7 @@
         <p:spPr>
           <a:xfrm>
             <a:off x="756000" y="5145120"/>
-            <a:ext cx="6034320" cy="4196520"/>
+            <a:ext cx="6033960" cy="4196160"/>
           </a:xfrm>
           <a:prstGeom prst="rect">
             <a:avLst/>
@@ -670,7 +670,7 @@
         <p:spPr>
           <a:xfrm>
             <a:off x="0" y="10155240"/>
-            <a:ext cx="3262680" cy="523080"/>
+            <a:ext cx="3262320" cy="522720"/>
           </a:xfrm>
           <a:prstGeom prst="rect">
             <a:avLst/>
@@ -748,7 +748,7 @@
         <p:spPr>
           <a:xfrm>
             <a:off x="1376280" y="1336680"/>
-            <a:ext cx="4794840" cy="3594600"/>
+            <a:ext cx="4794480" cy="3594240"/>
           </a:xfrm>
           <a:prstGeom prst="rect">
             <a:avLst/>
@@ -771,7 +771,7 @@
         <p:spPr>
           <a:xfrm>
             <a:off x="756000" y="5145120"/>
-            <a:ext cx="6034320" cy="4196520"/>
+            <a:ext cx="6033960" cy="4196160"/>
           </a:xfrm>
           <a:prstGeom prst="rect">
             <a:avLst/>
@@ -801,7 +801,7 @@
         <p:spPr>
           <a:xfrm>
             <a:off x="0" y="10155240"/>
-            <a:ext cx="3262680" cy="523080"/>
+            <a:ext cx="3262320" cy="522720"/>
           </a:xfrm>
           <a:prstGeom prst="rect">
             <a:avLst/>
@@ -879,7 +879,7 @@
         <p:spPr>
           <a:xfrm>
             <a:off x="1376280" y="1336680"/>
-            <a:ext cx="4800600" cy="3600360"/>
+            <a:ext cx="4800240" cy="3600000"/>
           </a:xfrm>
           <a:prstGeom prst="rect">
             <a:avLst/>
@@ -902,7 +902,7 @@
         <p:spPr>
           <a:xfrm>
             <a:off x="756000" y="5145120"/>
-            <a:ext cx="6040800" cy="4203000"/>
+            <a:ext cx="6040440" cy="4202640"/>
           </a:xfrm>
           <a:prstGeom prst="rect">
             <a:avLst/>
@@ -932,7 +932,7 @@
         <p:spPr>
           <a:xfrm>
             <a:off x="0" y="10155240"/>
-            <a:ext cx="3269160" cy="529560"/>
+            <a:ext cx="3268800" cy="529200"/>
           </a:xfrm>
           <a:prstGeom prst="rect">
             <a:avLst/>
@@ -1010,7 +1010,7 @@
         <p:spPr>
           <a:xfrm>
             <a:off x="1376280" y="1336680"/>
-            <a:ext cx="4800600" cy="3600360"/>
+            <a:ext cx="4800240" cy="3600000"/>
           </a:xfrm>
           <a:prstGeom prst="rect">
             <a:avLst/>
@@ -1033,7 +1033,7 @@
         <p:spPr>
           <a:xfrm>
             <a:off x="756000" y="5145120"/>
-            <a:ext cx="6040800" cy="4203000"/>
+            <a:ext cx="6040440" cy="4202640"/>
           </a:xfrm>
           <a:prstGeom prst="rect">
             <a:avLst/>
@@ -1063,7 +1063,7 @@
         <p:spPr>
           <a:xfrm>
             <a:off x="0" y="10155240"/>
-            <a:ext cx="3269160" cy="529560"/>
+            <a:ext cx="3268800" cy="529200"/>
           </a:xfrm>
           <a:prstGeom prst="rect">
             <a:avLst/>
@@ -1141,7 +1141,7 @@
         <p:spPr>
           <a:xfrm>
             <a:off x="1376280" y="1336680"/>
-            <a:ext cx="4794840" cy="3594600"/>
+            <a:ext cx="4794480" cy="3594240"/>
           </a:xfrm>
           <a:prstGeom prst="rect">
             <a:avLst/>
@@ -1164,7 +1164,7 @@
         <p:spPr>
           <a:xfrm>
             <a:off x="756000" y="5145120"/>
-            <a:ext cx="6034320" cy="4196520"/>
+            <a:ext cx="6033960" cy="4196160"/>
           </a:xfrm>
           <a:prstGeom prst="rect">
             <a:avLst/>
@@ -1194,7 +1194,7 @@
         <p:spPr>
           <a:xfrm>
             <a:off x="0" y="10155240"/>
-            <a:ext cx="3262680" cy="523080"/>
+            <a:ext cx="3262320" cy="522720"/>
           </a:xfrm>
           <a:prstGeom prst="rect">
             <a:avLst/>
@@ -1272,7 +1272,7 @@
         <p:spPr>
           <a:xfrm>
             <a:off x="1376280" y="1336680"/>
-            <a:ext cx="4794840" cy="3594600"/>
+            <a:ext cx="4794480" cy="3594240"/>
           </a:xfrm>
           <a:prstGeom prst="rect">
             <a:avLst/>
@@ -1295,7 +1295,7 @@
         <p:spPr>
           <a:xfrm>
             <a:off x="756000" y="5145120"/>
-            <a:ext cx="6034320" cy="4196520"/>
+            <a:ext cx="6033960" cy="4196160"/>
           </a:xfrm>
           <a:prstGeom prst="rect">
             <a:avLst/>
@@ -1325,7 +1325,7 @@
         <p:spPr>
           <a:xfrm>
             <a:off x="0" y="10155240"/>
-            <a:ext cx="3262680" cy="523080"/>
+            <a:ext cx="3262320" cy="522720"/>
           </a:xfrm>
           <a:prstGeom prst="rect">
             <a:avLst/>
@@ -1403,7 +1403,7 @@
         <p:spPr>
           <a:xfrm>
             <a:off x="1376280" y="1336680"/>
-            <a:ext cx="4794840" cy="3594600"/>
+            <a:ext cx="4794480" cy="3594240"/>
           </a:xfrm>
           <a:prstGeom prst="rect">
             <a:avLst/>
@@ -1426,7 +1426,7 @@
         <p:spPr>
           <a:xfrm>
             <a:off x="756000" y="5145120"/>
-            <a:ext cx="6034320" cy="4196520"/>
+            <a:ext cx="6033960" cy="4196160"/>
           </a:xfrm>
           <a:prstGeom prst="rect">
             <a:avLst/>
@@ -1456,7 +1456,7 @@
         <p:spPr>
           <a:xfrm>
             <a:off x="0" y="10155240"/>
-            <a:ext cx="3262680" cy="523080"/>
+            <a:ext cx="3262320" cy="522720"/>
           </a:xfrm>
           <a:prstGeom prst="rect">
             <a:avLst/>
@@ -1534,7 +1534,7 @@
         <p:spPr>
           <a:xfrm>
             <a:off x="1376280" y="1336680"/>
-            <a:ext cx="4794840" cy="3594600"/>
+            <a:ext cx="4794480" cy="3594240"/>
           </a:xfrm>
           <a:prstGeom prst="rect">
             <a:avLst/>
@@ -1557,7 +1557,7 @@
         <p:spPr>
           <a:xfrm>
             <a:off x="756000" y="5145120"/>
-            <a:ext cx="6034320" cy="4196520"/>
+            <a:ext cx="6033960" cy="4196160"/>
           </a:xfrm>
           <a:prstGeom prst="rect">
             <a:avLst/>
@@ -1587,7 +1587,7 @@
         <p:spPr>
           <a:xfrm>
             <a:off x="0" y="10155240"/>
-            <a:ext cx="3262680" cy="523080"/>
+            <a:ext cx="3262320" cy="522720"/>
           </a:xfrm>
           <a:prstGeom prst="rect">
             <a:avLst/>
@@ -1665,7 +1665,7 @@
         <p:spPr>
           <a:xfrm>
             <a:off x="1376280" y="1336680"/>
-            <a:ext cx="4794840" cy="3594600"/>
+            <a:ext cx="4794480" cy="3594240"/>
           </a:xfrm>
           <a:prstGeom prst="rect">
             <a:avLst/>
@@ -1688,7 +1688,7 @@
         <p:spPr>
           <a:xfrm>
             <a:off x="756000" y="5145120"/>
-            <a:ext cx="6034320" cy="4196520"/>
+            <a:ext cx="6033960" cy="4196160"/>
           </a:xfrm>
           <a:prstGeom prst="rect">
             <a:avLst/>
@@ -1718,7 +1718,7 @@
         <p:spPr>
           <a:xfrm>
             <a:off x="0" y="10155240"/>
-            <a:ext cx="3262680" cy="523080"/>
+            <a:ext cx="3262320" cy="522720"/>
           </a:xfrm>
           <a:prstGeom prst="rect">
             <a:avLst/>
@@ -1796,7 +1796,7 @@
         <p:spPr>
           <a:xfrm>
             <a:off x="1376280" y="1336680"/>
-            <a:ext cx="4794840" cy="3594600"/>
+            <a:ext cx="4794480" cy="3594240"/>
           </a:xfrm>
           <a:prstGeom prst="rect">
             <a:avLst/>
@@ -1819,7 +1819,7 @@
         <p:spPr>
           <a:xfrm>
             <a:off x="756000" y="5145120"/>
-            <a:ext cx="6034320" cy="4196520"/>
+            <a:ext cx="6033960" cy="4196160"/>
           </a:xfrm>
           <a:prstGeom prst="rect">
             <a:avLst/>
@@ -1849,7 +1849,7 @@
         <p:spPr>
           <a:xfrm>
             <a:off x="0" y="10155240"/>
-            <a:ext cx="3262680" cy="523080"/>
+            <a:ext cx="3262320" cy="522720"/>
           </a:xfrm>
           <a:prstGeom prst="rect">
             <a:avLst/>
@@ -9550,7 +9550,7 @@
         <p:spPr>
           <a:xfrm>
             <a:off x="0" y="3150000"/>
-            <a:ext cx="9713160" cy="1253160"/>
+            <a:ext cx="9712800" cy="1252800"/>
           </a:xfrm>
           <a:prstGeom prst="rect">
             <a:avLst/>
@@ -9848,7 +9848,7 @@
         <p:spPr>
           <a:xfrm>
             <a:off x="0" y="180000"/>
-            <a:ext cx="9713160" cy="1253160"/>
+            <a:ext cx="9712800" cy="1252800"/>
           </a:xfrm>
           <a:prstGeom prst="rect">
             <a:avLst/>
@@ -9876,7 +9876,7 @@
         <p:spPr>
           <a:xfrm>
             <a:off x="7560000" y="6840000"/>
-            <a:ext cx="2513160" cy="533160"/>
+            <a:ext cx="2512800" cy="532800"/>
           </a:xfrm>
           <a:prstGeom prst="rect">
             <a:avLst/>
@@ -9904,7 +9904,7 @@
         <p:spPr>
           <a:xfrm>
             <a:off x="900000" y="6840000"/>
-            <a:ext cx="6473160" cy="533160"/>
+            <a:ext cx="6472800" cy="532800"/>
           </a:xfrm>
           <a:prstGeom prst="rect">
             <a:avLst/>
@@ -9932,7 +9932,7 @@
         <p:spPr>
           <a:xfrm>
             <a:off x="180000" y="6840000"/>
-            <a:ext cx="533160" cy="533160"/>
+            <a:ext cx="532800" cy="532800"/>
           </a:xfrm>
           <a:prstGeom prst="rect">
             <a:avLst/>
@@ -10228,7 +10228,7 @@
         <p:spPr>
           <a:xfrm>
             <a:off x="0" y="180000"/>
-            <a:ext cx="9706680" cy="1246680"/>
+            <a:ext cx="9706320" cy="1246320"/>
           </a:xfrm>
           <a:prstGeom prst="rect">
             <a:avLst/>
@@ -10256,7 +10256,7 @@
         <p:spPr>
           <a:xfrm>
             <a:off x="7560000" y="6840000"/>
-            <a:ext cx="2506680" cy="526680"/>
+            <a:ext cx="2506320" cy="526320"/>
           </a:xfrm>
           <a:prstGeom prst="rect">
             <a:avLst/>
@@ -10284,7 +10284,7 @@
         <p:spPr>
           <a:xfrm>
             <a:off x="900000" y="6840000"/>
-            <a:ext cx="6466680" cy="526680"/>
+            <a:ext cx="6466320" cy="526320"/>
           </a:xfrm>
           <a:prstGeom prst="rect">
             <a:avLst/>
@@ -10312,7 +10312,7 @@
         <p:spPr>
           <a:xfrm>
             <a:off x="180000" y="6840000"/>
-            <a:ext cx="526680" cy="526680"/>
+            <a:ext cx="526320" cy="526320"/>
           </a:xfrm>
           <a:prstGeom prst="rect">
             <a:avLst/>
@@ -10608,7 +10608,7 @@
         <p:spPr>
           <a:xfrm>
             <a:off x="0" y="180000"/>
-            <a:ext cx="9706680" cy="1246680"/>
+            <a:ext cx="9706320" cy="1246320"/>
           </a:xfrm>
           <a:prstGeom prst="rect">
             <a:avLst/>
@@ -10636,7 +10636,7 @@
         <p:spPr>
           <a:xfrm>
             <a:off x="7560000" y="6840000"/>
-            <a:ext cx="2506680" cy="526680"/>
+            <a:ext cx="2506320" cy="526320"/>
           </a:xfrm>
           <a:prstGeom prst="rect">
             <a:avLst/>
@@ -10664,7 +10664,7 @@
         <p:spPr>
           <a:xfrm>
             <a:off x="900000" y="6840000"/>
-            <a:ext cx="6466680" cy="526680"/>
+            <a:ext cx="6466320" cy="526320"/>
           </a:xfrm>
           <a:prstGeom prst="rect">
             <a:avLst/>
@@ -10692,7 +10692,7 @@
         <p:spPr>
           <a:xfrm>
             <a:off x="180000" y="6840000"/>
-            <a:ext cx="526680" cy="526680"/>
+            <a:ext cx="526320" cy="526320"/>
           </a:xfrm>
           <a:prstGeom prst="rect">
             <a:avLst/>
@@ -10988,7 +10988,7 @@
         <p:spPr>
           <a:xfrm>
             <a:off x="0" y="180000"/>
-            <a:ext cx="9706680" cy="1246680"/>
+            <a:ext cx="9706320" cy="1246320"/>
           </a:xfrm>
           <a:prstGeom prst="rect">
             <a:avLst/>
@@ -11016,7 +11016,7 @@
         <p:spPr>
           <a:xfrm>
             <a:off x="7560000" y="6840000"/>
-            <a:ext cx="2506680" cy="526680"/>
+            <a:ext cx="2506320" cy="526320"/>
           </a:xfrm>
           <a:prstGeom prst="rect">
             <a:avLst/>
@@ -11044,7 +11044,7 @@
         <p:spPr>
           <a:xfrm>
             <a:off x="900000" y="6840000"/>
-            <a:ext cx="6466680" cy="526680"/>
+            <a:ext cx="6466320" cy="526320"/>
           </a:xfrm>
           <a:prstGeom prst="rect">
             <a:avLst/>
@@ -11072,7 +11072,7 @@
         <p:spPr>
           <a:xfrm>
             <a:off x="180000" y="6840000"/>
-            <a:ext cx="526680" cy="526680"/>
+            <a:ext cx="526320" cy="526320"/>
           </a:xfrm>
           <a:prstGeom prst="rect">
             <a:avLst/>
@@ -11361,7 +11361,7 @@
         <p:spPr>
           <a:xfrm>
             <a:off x="360000" y="3330000"/>
-            <a:ext cx="9353160" cy="893160"/>
+            <a:ext cx="9352800" cy="892800"/>
           </a:xfrm>
           <a:prstGeom prst="rect">
             <a:avLst/>
@@ -11413,7 +11413,7 @@
         <p:spPr>
           <a:xfrm>
             <a:off x="540000" y="4680000"/>
-            <a:ext cx="9173160" cy="2513160"/>
+            <a:ext cx="9172800" cy="2512800"/>
           </a:xfrm>
           <a:prstGeom prst="rect">
             <a:avLst/>
@@ -11652,7 +11652,7 @@
         <p:spPr>
           <a:xfrm>
             <a:off x="360000" y="360000"/>
-            <a:ext cx="9346680" cy="886680"/>
+            <a:ext cx="9346320" cy="886320"/>
           </a:xfrm>
           <a:prstGeom prst="rect">
             <a:avLst/>
@@ -11704,7 +11704,7 @@
         <p:spPr>
           <a:xfrm>
             <a:off x="897120" y="6886080"/>
-            <a:ext cx="6433920" cy="351720"/>
+            <a:ext cx="6433560" cy="351360"/>
           </a:xfrm>
           <a:prstGeom prst="rect">
             <a:avLst/>
@@ -11756,7 +11756,7 @@
         <p:spPr>
           <a:xfrm>
             <a:off x="7608600" y="6886080"/>
-            <a:ext cx="2271960" cy="351720"/>
+            <a:ext cx="2271600" cy="351360"/>
           </a:xfrm>
           <a:prstGeom prst="rect">
             <a:avLst/>
@@ -11782,7 +11782,7 @@
         <p:spPr>
           <a:xfrm>
             <a:off x="342720" y="1529280"/>
-            <a:ext cx="6776280" cy="384480"/>
+            <a:ext cx="6775920" cy="384120"/>
           </a:xfrm>
           <a:prstGeom prst="rect">
             <a:avLst/>
@@ -11808,7 +11808,7 @@
         <p:spPr>
           <a:xfrm>
             <a:off x="360000" y="1728000"/>
-            <a:ext cx="9173160" cy="4673160"/>
+            <a:ext cx="9172800" cy="4672800"/>
           </a:xfrm>
           <a:prstGeom prst="rect">
             <a:avLst/>
@@ -11851,477 +11851,7 @@
                 <a:latin typeface="Latin Modern Sans"/>
                 <a:ea typeface="DejaVu Sans"/>
               </a:rPr>
-              <a:t>B</a:t>
-            </a:r>
-            <a:r>
-              <a:rPr b="0" lang="pt-BR" sz="1600" spc="-1" strike="noStrike">
-                <a:solidFill>
-                  <a:srgbClr val="1c1c1c"/>
-                </a:solidFill>
-                <a:latin typeface="Latin Modern Sans"/>
-                <a:ea typeface="DejaVu Sans"/>
-              </a:rPr>
-              <a:t>a</a:t>
-            </a:r>
-            <a:r>
-              <a:rPr b="0" lang="pt-BR" sz="1600" spc="-1" strike="noStrike">
-                <a:solidFill>
-                  <a:srgbClr val="1c1c1c"/>
-                </a:solidFill>
-                <a:latin typeface="Latin Modern Sans"/>
-                <a:ea typeface="DejaVu Sans"/>
-              </a:rPr>
-              <a:t>l</a:t>
-            </a:r>
-            <a:r>
-              <a:rPr b="0" lang="pt-BR" sz="1600" spc="-1" strike="noStrike">
-                <a:solidFill>
-                  <a:srgbClr val="1c1c1c"/>
-                </a:solidFill>
-                <a:latin typeface="Latin Modern Sans"/>
-                <a:ea typeface="DejaVu Sans"/>
-              </a:rPr>
-              <a:t>a</a:t>
-            </a:r>
-            <a:r>
-              <a:rPr b="0" lang="pt-BR" sz="1600" spc="-1" strike="noStrike">
-                <a:solidFill>
-                  <a:srgbClr val="1c1c1c"/>
-                </a:solidFill>
-                <a:latin typeface="Latin Modern Sans"/>
-                <a:ea typeface="DejaVu Sans"/>
-              </a:rPr>
-              <a:t>n</a:t>
-            </a:r>
-            <a:r>
-              <a:rPr b="0" lang="pt-BR" sz="1600" spc="-1" strike="noStrike">
-                <a:solidFill>
-                  <a:srgbClr val="1c1c1c"/>
-                </a:solidFill>
-                <a:latin typeface="Latin Modern Sans"/>
-                <a:ea typeface="DejaVu Sans"/>
-              </a:rPr>
-              <a:t>c</a:t>
-            </a:r>
-            <a:r>
-              <a:rPr b="0" lang="pt-BR" sz="1600" spc="-1" strike="noStrike">
-                <a:solidFill>
-                  <a:srgbClr val="1c1c1c"/>
-                </a:solidFill>
-                <a:latin typeface="Latin Modern Sans"/>
-                <a:ea typeface="DejaVu Sans"/>
-              </a:rPr>
-              <a:t>e</a:t>
-            </a:r>
-            <a:r>
-              <a:rPr b="0" lang="pt-BR" sz="1600" spc="-1" strike="noStrike">
-                <a:solidFill>
-                  <a:srgbClr val="1c1c1c"/>
-                </a:solidFill>
-                <a:latin typeface="Latin Modern Sans"/>
-                <a:ea typeface="DejaVu Sans"/>
-              </a:rPr>
-              <a:t>a</a:t>
-            </a:r>
-            <a:r>
-              <a:rPr b="0" lang="pt-BR" sz="1600" spc="-1" strike="noStrike">
-                <a:solidFill>
-                  <a:srgbClr val="1c1c1c"/>
-                </a:solidFill>
-                <a:latin typeface="Latin Modern Sans"/>
-                <a:ea typeface="DejaVu Sans"/>
-              </a:rPr>
-              <a:t>r</a:t>
-            </a:r>
-            <a:r>
-              <a:rPr b="0" lang="pt-BR" sz="1600" spc="-1" strike="noStrike">
-                <a:solidFill>
-                  <a:srgbClr val="1c1c1c"/>
-                </a:solidFill>
-                <a:latin typeface="Latin Modern Sans"/>
-                <a:ea typeface="DejaVu Sans"/>
-              </a:rPr>
-              <a:t> </a:t>
-            </a:r>
-            <a:r>
-              <a:rPr b="0" lang="pt-BR" sz="1600" spc="-1" strike="noStrike">
-                <a:solidFill>
-                  <a:srgbClr val="1c1c1c"/>
-                </a:solidFill>
-                <a:latin typeface="Latin Modern Sans"/>
-                <a:ea typeface="DejaVu Sans"/>
-              </a:rPr>
-              <a:t>s</a:t>
-            </a:r>
-            <a:r>
-              <a:rPr b="0" lang="pt-BR" sz="1600" spc="-1" strike="noStrike">
-                <a:solidFill>
-                  <a:srgbClr val="1c1c1c"/>
-                </a:solidFill>
-                <a:latin typeface="Latin Modern Sans"/>
-                <a:ea typeface="DejaVu Sans"/>
-              </a:rPr>
-              <a:t>i</a:t>
-            </a:r>
-            <a:r>
-              <a:rPr b="0" lang="pt-BR" sz="1600" spc="-1" strike="noStrike">
-                <a:solidFill>
-                  <a:srgbClr val="1c1c1c"/>
-                </a:solidFill>
-                <a:latin typeface="Latin Modern Sans"/>
-                <a:ea typeface="DejaVu Sans"/>
-              </a:rPr>
-              <a:t>n</a:t>
-            </a:r>
-            <a:r>
-              <a:rPr b="0" lang="pt-BR" sz="1600" spc="-1" strike="noStrike">
-                <a:solidFill>
-                  <a:srgbClr val="1c1c1c"/>
-                </a:solidFill>
-                <a:latin typeface="Latin Modern Sans"/>
-                <a:ea typeface="DejaVu Sans"/>
-              </a:rPr>
-              <a:t>t</a:t>
-            </a:r>
-            <a:r>
-              <a:rPr b="0" lang="pt-BR" sz="1600" spc="-1" strike="noStrike">
-                <a:solidFill>
-                  <a:srgbClr val="1c1c1c"/>
-                </a:solidFill>
-                <a:latin typeface="Latin Modern Sans"/>
-                <a:ea typeface="DejaVu Sans"/>
-              </a:rPr>
-              <a:t>e</a:t>
-            </a:r>
-            <a:r>
-              <a:rPr b="0" lang="pt-BR" sz="1600" spc="-1" strike="noStrike">
-                <a:solidFill>
-                  <a:srgbClr val="1c1c1c"/>
-                </a:solidFill>
-                <a:latin typeface="Latin Modern Sans"/>
-                <a:ea typeface="DejaVu Sans"/>
-              </a:rPr>
-              <a:t>t</a:t>
-            </a:r>
-            <a:r>
-              <a:rPr b="0" lang="pt-BR" sz="1600" spc="-1" strike="noStrike">
-                <a:solidFill>
-                  <a:srgbClr val="1c1c1c"/>
-                </a:solidFill>
-                <a:latin typeface="Latin Modern Sans"/>
-                <a:ea typeface="DejaVu Sans"/>
-              </a:rPr>
-              <a:t>i</a:t>
-            </a:r>
-            <a:r>
-              <a:rPr b="0" lang="pt-BR" sz="1600" spc="-1" strike="noStrike">
-                <a:solidFill>
-                  <a:srgbClr val="1c1c1c"/>
-                </a:solidFill>
-                <a:latin typeface="Latin Modern Sans"/>
-                <a:ea typeface="DejaVu Sans"/>
-              </a:rPr>
-              <a:t>c</a:t>
-            </a:r>
-            <a:r>
-              <a:rPr b="0" lang="pt-BR" sz="1600" spc="-1" strike="noStrike">
-                <a:solidFill>
-                  <a:srgbClr val="1c1c1c"/>
-                </a:solidFill>
-                <a:latin typeface="Latin Modern Sans"/>
-                <a:ea typeface="DejaVu Sans"/>
-              </a:rPr>
-              <a:t>a</a:t>
-            </a:r>
-            <a:r>
-              <a:rPr b="0" lang="pt-BR" sz="1600" spc="-1" strike="noStrike">
-                <a:solidFill>
-                  <a:srgbClr val="1c1c1c"/>
-                </a:solidFill>
-                <a:latin typeface="Latin Modern Sans"/>
-                <a:ea typeface="DejaVu Sans"/>
-              </a:rPr>
-              <a:t>m</a:t>
-            </a:r>
-            <a:r>
-              <a:rPr b="0" lang="pt-BR" sz="1600" spc="-1" strike="noStrike">
-                <a:solidFill>
-                  <a:srgbClr val="1c1c1c"/>
-                </a:solidFill>
-                <a:latin typeface="Latin Modern Sans"/>
-                <a:ea typeface="DejaVu Sans"/>
-              </a:rPr>
-              <a:t>e</a:t>
-            </a:r>
-            <a:r>
-              <a:rPr b="0" lang="pt-BR" sz="1600" spc="-1" strike="noStrike">
-                <a:solidFill>
-                  <a:srgbClr val="1c1c1c"/>
-                </a:solidFill>
-                <a:latin typeface="Latin Modern Sans"/>
-                <a:ea typeface="DejaVu Sans"/>
-              </a:rPr>
-              <a:t>n</a:t>
-            </a:r>
-            <a:r>
-              <a:rPr b="0" lang="pt-BR" sz="1600" spc="-1" strike="noStrike">
-                <a:solidFill>
-                  <a:srgbClr val="1c1c1c"/>
-                </a:solidFill>
-                <a:latin typeface="Latin Modern Sans"/>
-                <a:ea typeface="DejaVu Sans"/>
-              </a:rPr>
-              <a:t>t</a:t>
-            </a:r>
-            <a:r>
-              <a:rPr b="0" lang="pt-BR" sz="1600" spc="-1" strike="noStrike">
-                <a:solidFill>
-                  <a:srgbClr val="1c1c1c"/>
-                </a:solidFill>
-                <a:latin typeface="Latin Modern Sans"/>
-                <a:ea typeface="DejaVu Sans"/>
-              </a:rPr>
-              <a:t>e</a:t>
-            </a:r>
-            <a:r>
-              <a:rPr b="0" lang="pt-BR" sz="1600" spc="-1" strike="noStrike">
-                <a:solidFill>
-                  <a:srgbClr val="1c1c1c"/>
-                </a:solidFill>
-                <a:latin typeface="Latin Modern Sans"/>
-                <a:ea typeface="DejaVu Sans"/>
-              </a:rPr>
-              <a:t> </a:t>
-            </a:r>
-            <a:r>
-              <a:rPr b="0" lang="pt-BR" sz="1600" spc="-1" strike="noStrike">
-                <a:solidFill>
-                  <a:srgbClr val="1c1c1c"/>
-                </a:solidFill>
-                <a:latin typeface="Latin Modern Sans"/>
-                <a:ea typeface="DejaVu Sans"/>
-              </a:rPr>
-              <a:t>n</a:t>
-            </a:r>
-            <a:r>
-              <a:rPr b="0" lang="pt-BR" sz="1600" spc="-1" strike="noStrike">
-                <a:solidFill>
-                  <a:srgbClr val="1c1c1c"/>
-                </a:solidFill>
-                <a:latin typeface="Latin Modern Sans"/>
-                <a:ea typeface="DejaVu Sans"/>
-              </a:rPr>
-              <a:t>e</a:t>
-            </a:r>
-            <a:r>
-              <a:rPr b="0" lang="pt-BR" sz="1600" spc="-1" strike="noStrike">
-                <a:solidFill>
-                  <a:srgbClr val="1c1c1c"/>
-                </a:solidFill>
-                <a:latin typeface="Latin Modern Sans"/>
-                <a:ea typeface="DejaVu Sans"/>
-              </a:rPr>
-              <a:t>m</a:t>
-            </a:r>
-            <a:r>
-              <a:rPr b="0" lang="pt-BR" sz="1600" spc="-1" strike="noStrike">
-                <a:solidFill>
-                  <a:srgbClr val="1c1c1c"/>
-                </a:solidFill>
-                <a:latin typeface="Latin Modern Sans"/>
-                <a:ea typeface="DejaVu Sans"/>
-              </a:rPr>
-              <a:t> </a:t>
-            </a:r>
-            <a:r>
-              <a:rPr b="0" lang="pt-BR" sz="1600" spc="-1" strike="noStrike">
-                <a:solidFill>
-                  <a:srgbClr val="1c1c1c"/>
-                </a:solidFill>
-                <a:latin typeface="Latin Modern Sans"/>
-                <a:ea typeface="DejaVu Sans"/>
-              </a:rPr>
-              <a:t>s</a:t>
-            </a:r>
-            <a:r>
-              <a:rPr b="0" lang="pt-BR" sz="1600" spc="-1" strike="noStrike">
-                <a:solidFill>
-                  <a:srgbClr val="1c1c1c"/>
-                </a:solidFill>
-                <a:latin typeface="Latin Modern Sans"/>
-                <a:ea typeface="DejaVu Sans"/>
-              </a:rPr>
-              <a:t>e</a:t>
-            </a:r>
-            <a:r>
-              <a:rPr b="0" lang="pt-BR" sz="1600" spc="-1" strike="noStrike">
-                <a:solidFill>
-                  <a:srgbClr val="1c1c1c"/>
-                </a:solidFill>
-                <a:latin typeface="Latin Modern Sans"/>
-                <a:ea typeface="DejaVu Sans"/>
-              </a:rPr>
-              <a:t>m</a:t>
-            </a:r>
-            <a:r>
-              <a:rPr b="0" lang="pt-BR" sz="1600" spc="-1" strike="noStrike">
-                <a:solidFill>
-                  <a:srgbClr val="1c1c1c"/>
-                </a:solidFill>
-                <a:latin typeface="Latin Modern Sans"/>
-                <a:ea typeface="DejaVu Sans"/>
-              </a:rPr>
-              <a:t>p</a:t>
-            </a:r>
-            <a:r>
-              <a:rPr b="0" lang="pt-BR" sz="1600" spc="-1" strike="noStrike">
-                <a:solidFill>
-                  <a:srgbClr val="1c1c1c"/>
-                </a:solidFill>
-                <a:latin typeface="Latin Modern Sans"/>
-                <a:ea typeface="DejaVu Sans"/>
-              </a:rPr>
-              <a:t>r</a:t>
-            </a:r>
-            <a:r>
-              <a:rPr b="0" lang="pt-BR" sz="1600" spc="-1" strike="noStrike">
-                <a:solidFill>
-                  <a:srgbClr val="1c1c1c"/>
-                </a:solidFill>
-                <a:latin typeface="Latin Modern Sans"/>
-                <a:ea typeface="DejaVu Sans"/>
-              </a:rPr>
-              <a:t>e</a:t>
-            </a:r>
-            <a:r>
-              <a:rPr b="0" lang="pt-BR" sz="1600" spc="-1" strike="noStrike">
-                <a:solidFill>
-                  <a:srgbClr val="1c1c1c"/>
-                </a:solidFill>
-                <a:latin typeface="Latin Modern Sans"/>
-                <a:ea typeface="DejaVu Sans"/>
-              </a:rPr>
-              <a:t> </a:t>
-            </a:r>
-            <a:r>
-              <a:rPr b="0" lang="pt-BR" sz="1600" spc="-1" strike="noStrike">
-                <a:solidFill>
-                  <a:srgbClr val="1c1c1c"/>
-                </a:solidFill>
-                <a:latin typeface="Latin Modern Sans"/>
-                <a:ea typeface="DejaVu Sans"/>
-              </a:rPr>
-              <a:t>é</a:t>
-            </a:r>
-            <a:r>
-              <a:rPr b="0" lang="pt-BR" sz="1600" spc="-1" strike="noStrike">
-                <a:solidFill>
-                  <a:srgbClr val="1c1c1c"/>
-                </a:solidFill>
-                <a:latin typeface="Latin Modern Sans"/>
-                <a:ea typeface="DejaVu Sans"/>
-              </a:rPr>
-              <a:t> </a:t>
-            </a:r>
-            <a:r>
-              <a:rPr b="0" lang="pt-BR" sz="1600" spc="-1" strike="noStrike">
-                <a:solidFill>
-                  <a:srgbClr val="1c1c1c"/>
-                </a:solidFill>
-                <a:latin typeface="Latin Modern Sans"/>
-                <a:ea typeface="DejaVu Sans"/>
-              </a:rPr>
-              <a:t>a</a:t>
-            </a:r>
-            <a:r>
-              <a:rPr b="0" lang="pt-BR" sz="1600" spc="-1" strike="noStrike">
-                <a:solidFill>
-                  <a:srgbClr val="1c1c1c"/>
-                </a:solidFill>
-                <a:latin typeface="Latin Modern Sans"/>
-                <a:ea typeface="DejaVu Sans"/>
-              </a:rPr>
-              <a:t> </a:t>
-            </a:r>
-            <a:r>
-              <a:rPr b="0" lang="pt-BR" sz="1600" spc="-1" strike="noStrike">
-                <a:solidFill>
-                  <a:srgbClr val="1c1c1c"/>
-                </a:solidFill>
-                <a:latin typeface="Latin Modern Sans"/>
-                <a:ea typeface="DejaVu Sans"/>
-              </a:rPr>
-              <a:t>s</a:t>
-            </a:r>
-            <a:r>
-              <a:rPr b="0" lang="pt-BR" sz="1600" spc="-1" strike="noStrike">
-                <a:solidFill>
-                  <a:srgbClr val="1c1c1c"/>
-                </a:solidFill>
-                <a:latin typeface="Latin Modern Sans"/>
-                <a:ea typeface="DejaVu Sans"/>
-              </a:rPr>
-              <a:t>o</a:t>
-            </a:r>
-            <a:r>
-              <a:rPr b="0" lang="pt-BR" sz="1600" spc="-1" strike="noStrike">
-                <a:solidFill>
-                  <a:srgbClr val="1c1c1c"/>
-                </a:solidFill>
-                <a:latin typeface="Latin Modern Sans"/>
-                <a:ea typeface="DejaVu Sans"/>
-              </a:rPr>
-              <a:t>l</a:t>
-            </a:r>
-            <a:r>
-              <a:rPr b="0" lang="pt-BR" sz="1600" spc="-1" strike="noStrike">
-                <a:solidFill>
-                  <a:srgbClr val="1c1c1c"/>
-                </a:solidFill>
-                <a:latin typeface="Latin Modern Sans"/>
-                <a:ea typeface="DejaVu Sans"/>
-              </a:rPr>
-              <a:t>u</a:t>
-            </a:r>
-            <a:r>
-              <a:rPr b="0" lang="pt-BR" sz="1600" spc="-1" strike="noStrike">
-                <a:solidFill>
-                  <a:srgbClr val="1c1c1c"/>
-                </a:solidFill>
-                <a:latin typeface="Latin Modern Sans"/>
-                <a:ea typeface="DejaVu Sans"/>
-              </a:rPr>
-              <a:t>ç</a:t>
-            </a:r>
-            <a:r>
-              <a:rPr b="0" lang="pt-BR" sz="1600" spc="-1" strike="noStrike">
-                <a:solidFill>
-                  <a:srgbClr val="1c1c1c"/>
-                </a:solidFill>
-                <a:latin typeface="Latin Modern Sans"/>
-                <a:ea typeface="DejaVu Sans"/>
-              </a:rPr>
-              <a:t>ã</a:t>
-            </a:r>
-            <a:r>
-              <a:rPr b="0" lang="pt-BR" sz="1600" spc="-1" strike="noStrike">
-                <a:solidFill>
-                  <a:srgbClr val="1c1c1c"/>
-                </a:solidFill>
-                <a:latin typeface="Latin Modern Sans"/>
-                <a:ea typeface="DejaVu Sans"/>
-              </a:rPr>
-              <a:t>o</a:t>
-            </a:r>
-            <a:r>
-              <a:rPr b="0" lang="pt-BR" sz="1600" spc="-1" strike="noStrike">
-                <a:solidFill>
-                  <a:srgbClr val="1c1c1c"/>
-                </a:solidFill>
-                <a:latin typeface="Latin Modern Sans"/>
-                <a:ea typeface="DejaVu Sans"/>
-              </a:rPr>
-              <a:t>:</a:t>
+              <a:t>Balancear sinteticamente nem sempre é a solução:</a:t>
             </a:r>
             <a:endParaRPr b="0" lang="pt-BR" sz="1600" spc="-1" strike="noStrike">
               <a:latin typeface="Arial"/>
@@ -12350,327 +11880,7 @@
                 <a:latin typeface="Latin Modern Sans"/>
                 <a:ea typeface="DejaVu Sans"/>
               </a:rPr>
-              <a:t>I</a:t>
-            </a:r>
-            <a:r>
-              <a:rPr b="0" lang="pt-BR" sz="1600" spc="-1" strike="noStrike">
-                <a:solidFill>
-                  <a:srgbClr val="1c1c1c"/>
-                </a:solidFill>
-                <a:latin typeface="Latin Modern Sans"/>
-                <a:ea typeface="DejaVu Sans"/>
-              </a:rPr>
-              <a:t>n</a:t>
-            </a:r>
-            <a:r>
-              <a:rPr b="0" lang="pt-BR" sz="1600" spc="-1" strike="noStrike">
-                <a:solidFill>
-                  <a:srgbClr val="1c1c1c"/>
-                </a:solidFill>
-                <a:latin typeface="Latin Modern Sans"/>
-                <a:ea typeface="DejaVu Sans"/>
-              </a:rPr>
-              <a:t>t</a:t>
-            </a:r>
-            <a:r>
-              <a:rPr b="0" lang="pt-BR" sz="1600" spc="-1" strike="noStrike">
-                <a:solidFill>
-                  <a:srgbClr val="1c1c1c"/>
-                </a:solidFill>
-                <a:latin typeface="Latin Modern Sans"/>
-                <a:ea typeface="DejaVu Sans"/>
-              </a:rPr>
-              <a:t>r</a:t>
-            </a:r>
-            <a:r>
-              <a:rPr b="0" lang="pt-BR" sz="1600" spc="-1" strike="noStrike">
-                <a:solidFill>
-                  <a:srgbClr val="1c1c1c"/>
-                </a:solidFill>
-                <a:latin typeface="Latin Modern Sans"/>
-                <a:ea typeface="DejaVu Sans"/>
-              </a:rPr>
-              <a:t>o</a:t>
-            </a:r>
-            <a:r>
-              <a:rPr b="0" lang="pt-BR" sz="1600" spc="-1" strike="noStrike">
-                <a:solidFill>
-                  <a:srgbClr val="1c1c1c"/>
-                </a:solidFill>
-                <a:latin typeface="Latin Modern Sans"/>
-                <a:ea typeface="DejaVu Sans"/>
-              </a:rPr>
-              <a:t>d</a:t>
-            </a:r>
-            <a:r>
-              <a:rPr b="0" lang="pt-BR" sz="1600" spc="-1" strike="noStrike">
-                <a:solidFill>
-                  <a:srgbClr val="1c1c1c"/>
-                </a:solidFill>
-                <a:latin typeface="Latin Modern Sans"/>
-                <a:ea typeface="DejaVu Sans"/>
-              </a:rPr>
-              <a:t>u</a:t>
-            </a:r>
-            <a:r>
-              <a:rPr b="0" lang="pt-BR" sz="1600" spc="-1" strike="noStrike">
-                <a:solidFill>
-                  <a:srgbClr val="1c1c1c"/>
-                </a:solidFill>
-                <a:latin typeface="Latin Modern Sans"/>
-                <a:ea typeface="DejaVu Sans"/>
-              </a:rPr>
-              <a:t>ç</a:t>
-            </a:r>
-            <a:r>
-              <a:rPr b="0" lang="pt-BR" sz="1600" spc="-1" strike="noStrike">
-                <a:solidFill>
-                  <a:srgbClr val="1c1c1c"/>
-                </a:solidFill>
-                <a:latin typeface="Latin Modern Sans"/>
-                <a:ea typeface="DejaVu Sans"/>
-              </a:rPr>
-              <a:t>ã</a:t>
-            </a:r>
-            <a:r>
-              <a:rPr b="0" lang="pt-BR" sz="1600" spc="-1" strike="noStrike">
-                <a:solidFill>
-                  <a:srgbClr val="1c1c1c"/>
-                </a:solidFill>
-                <a:latin typeface="Latin Modern Sans"/>
-                <a:ea typeface="DejaVu Sans"/>
-              </a:rPr>
-              <a:t>o</a:t>
-            </a:r>
-            <a:r>
-              <a:rPr b="0" lang="pt-BR" sz="1600" spc="-1" strike="noStrike">
-                <a:solidFill>
-                  <a:srgbClr val="1c1c1c"/>
-                </a:solidFill>
-                <a:latin typeface="Latin Modern Sans"/>
-                <a:ea typeface="DejaVu Sans"/>
-              </a:rPr>
-              <a:t> </a:t>
-            </a:r>
-            <a:r>
-              <a:rPr b="0" lang="pt-BR" sz="1600" spc="-1" strike="noStrike">
-                <a:solidFill>
-                  <a:srgbClr val="1c1c1c"/>
-                </a:solidFill>
-                <a:latin typeface="Latin Modern Sans"/>
-                <a:ea typeface="DejaVu Sans"/>
-              </a:rPr>
-              <a:t>d</a:t>
-            </a:r>
-            <a:r>
-              <a:rPr b="0" lang="pt-BR" sz="1600" spc="-1" strike="noStrike">
-                <a:solidFill>
-                  <a:srgbClr val="1c1c1c"/>
-                </a:solidFill>
-                <a:latin typeface="Latin Modern Sans"/>
-                <a:ea typeface="DejaVu Sans"/>
-              </a:rPr>
-              <a:t>e</a:t>
-            </a:r>
-            <a:r>
-              <a:rPr b="0" lang="pt-BR" sz="1600" spc="-1" strike="noStrike">
-                <a:solidFill>
-                  <a:srgbClr val="1c1c1c"/>
-                </a:solidFill>
-                <a:latin typeface="Latin Modern Sans"/>
-                <a:ea typeface="DejaVu Sans"/>
-              </a:rPr>
-              <a:t> </a:t>
-            </a:r>
-            <a:r>
-              <a:rPr b="0" lang="pt-BR" sz="1600" spc="-1" strike="noStrike">
-                <a:solidFill>
-                  <a:srgbClr val="1c1c1c"/>
-                </a:solidFill>
-                <a:latin typeface="Latin Modern Sans"/>
-                <a:ea typeface="DejaVu Sans"/>
-              </a:rPr>
-              <a:t>p</a:t>
-            </a:r>
-            <a:r>
-              <a:rPr b="0" lang="pt-BR" sz="1600" spc="-1" strike="noStrike">
-                <a:solidFill>
-                  <a:srgbClr val="1c1c1c"/>
-                </a:solidFill>
-                <a:latin typeface="Latin Modern Sans"/>
-                <a:ea typeface="DejaVu Sans"/>
-              </a:rPr>
-              <a:t>a</a:t>
-            </a:r>
-            <a:r>
-              <a:rPr b="0" lang="pt-BR" sz="1600" spc="-1" strike="noStrike">
-                <a:solidFill>
-                  <a:srgbClr val="1c1c1c"/>
-                </a:solidFill>
-                <a:latin typeface="Latin Modern Sans"/>
-                <a:ea typeface="DejaVu Sans"/>
-              </a:rPr>
-              <a:t>d</a:t>
-            </a:r>
-            <a:r>
-              <a:rPr b="0" lang="pt-BR" sz="1600" spc="-1" strike="noStrike">
-                <a:solidFill>
-                  <a:srgbClr val="1c1c1c"/>
-                </a:solidFill>
-                <a:latin typeface="Latin Modern Sans"/>
-                <a:ea typeface="DejaVu Sans"/>
-              </a:rPr>
-              <a:t>r</a:t>
-            </a:r>
-            <a:r>
-              <a:rPr b="0" lang="pt-BR" sz="1600" spc="-1" strike="noStrike">
-                <a:solidFill>
-                  <a:srgbClr val="1c1c1c"/>
-                </a:solidFill>
-                <a:latin typeface="Latin Modern Sans"/>
-                <a:ea typeface="DejaVu Sans"/>
-              </a:rPr>
-              <a:t>õ</a:t>
-            </a:r>
-            <a:r>
-              <a:rPr b="0" lang="pt-BR" sz="1600" spc="-1" strike="noStrike">
-                <a:solidFill>
-                  <a:srgbClr val="1c1c1c"/>
-                </a:solidFill>
-                <a:latin typeface="Latin Modern Sans"/>
-                <a:ea typeface="DejaVu Sans"/>
-              </a:rPr>
-              <a:t>e</a:t>
-            </a:r>
-            <a:r>
-              <a:rPr b="0" lang="pt-BR" sz="1600" spc="-1" strike="noStrike">
-                <a:solidFill>
-                  <a:srgbClr val="1c1c1c"/>
-                </a:solidFill>
-                <a:latin typeface="Latin Modern Sans"/>
-                <a:ea typeface="DejaVu Sans"/>
-              </a:rPr>
-              <a:t>s</a:t>
-            </a:r>
-            <a:r>
-              <a:rPr b="0" lang="pt-BR" sz="1600" spc="-1" strike="noStrike">
-                <a:solidFill>
-                  <a:srgbClr val="1c1c1c"/>
-                </a:solidFill>
-                <a:latin typeface="Latin Modern Sans"/>
-                <a:ea typeface="DejaVu Sans"/>
-              </a:rPr>
-              <a:t> </a:t>
-            </a:r>
-            <a:r>
-              <a:rPr b="0" lang="pt-BR" sz="1600" spc="-1" strike="noStrike">
-                <a:solidFill>
-                  <a:srgbClr val="1c1c1c"/>
-                </a:solidFill>
-                <a:latin typeface="Latin Modern Sans"/>
-                <a:ea typeface="DejaVu Sans"/>
-              </a:rPr>
-              <a:t>a</a:t>
-            </a:r>
-            <a:r>
-              <a:rPr b="0" lang="pt-BR" sz="1600" spc="-1" strike="noStrike">
-                <a:solidFill>
-                  <a:srgbClr val="1c1c1c"/>
-                </a:solidFill>
-                <a:latin typeface="Latin Modern Sans"/>
-                <a:ea typeface="DejaVu Sans"/>
-              </a:rPr>
-              <a:t>r</a:t>
-            </a:r>
-            <a:r>
-              <a:rPr b="0" lang="pt-BR" sz="1600" spc="-1" strike="noStrike">
-                <a:solidFill>
-                  <a:srgbClr val="1c1c1c"/>
-                </a:solidFill>
-                <a:latin typeface="Latin Modern Sans"/>
-                <a:ea typeface="DejaVu Sans"/>
-              </a:rPr>
-              <a:t>t</a:t>
-            </a:r>
-            <a:r>
-              <a:rPr b="0" lang="pt-BR" sz="1600" spc="-1" strike="noStrike">
-                <a:solidFill>
-                  <a:srgbClr val="1c1c1c"/>
-                </a:solidFill>
-                <a:latin typeface="Latin Modern Sans"/>
-                <a:ea typeface="DejaVu Sans"/>
-              </a:rPr>
-              <a:t>i</a:t>
-            </a:r>
-            <a:r>
-              <a:rPr b="0" lang="pt-BR" sz="1600" spc="-1" strike="noStrike">
-                <a:solidFill>
-                  <a:srgbClr val="1c1c1c"/>
-                </a:solidFill>
-                <a:latin typeface="Latin Modern Sans"/>
-                <a:ea typeface="DejaVu Sans"/>
-              </a:rPr>
-              <a:t>f</a:t>
-            </a:r>
-            <a:r>
-              <a:rPr b="0" lang="pt-BR" sz="1600" spc="-1" strike="noStrike">
-                <a:solidFill>
-                  <a:srgbClr val="1c1c1c"/>
-                </a:solidFill>
-                <a:latin typeface="Latin Modern Sans"/>
-                <a:ea typeface="DejaVu Sans"/>
-              </a:rPr>
-              <a:t>i</a:t>
-            </a:r>
-            <a:r>
-              <a:rPr b="0" lang="pt-BR" sz="1600" spc="-1" strike="noStrike">
-                <a:solidFill>
-                  <a:srgbClr val="1c1c1c"/>
-                </a:solidFill>
-                <a:latin typeface="Latin Modern Sans"/>
-                <a:ea typeface="DejaVu Sans"/>
-              </a:rPr>
-              <a:t>c</a:t>
-            </a:r>
-            <a:r>
-              <a:rPr b="0" lang="pt-BR" sz="1600" spc="-1" strike="noStrike">
-                <a:solidFill>
-                  <a:srgbClr val="1c1c1c"/>
-                </a:solidFill>
-                <a:latin typeface="Latin Modern Sans"/>
-                <a:ea typeface="DejaVu Sans"/>
-              </a:rPr>
-              <a:t>i</a:t>
-            </a:r>
-            <a:r>
-              <a:rPr b="0" lang="pt-BR" sz="1600" spc="-1" strike="noStrike">
-                <a:solidFill>
-                  <a:srgbClr val="1c1c1c"/>
-                </a:solidFill>
-                <a:latin typeface="Latin Modern Sans"/>
-                <a:ea typeface="DejaVu Sans"/>
-              </a:rPr>
-              <a:t>a</a:t>
-            </a:r>
-            <a:r>
-              <a:rPr b="0" lang="pt-BR" sz="1600" spc="-1" strike="noStrike">
-                <a:solidFill>
-                  <a:srgbClr val="1c1c1c"/>
-                </a:solidFill>
-                <a:latin typeface="Latin Modern Sans"/>
-                <a:ea typeface="DejaVu Sans"/>
-              </a:rPr>
-              <a:t>i</a:t>
-            </a:r>
-            <a:r>
-              <a:rPr b="0" lang="pt-BR" sz="1600" spc="-1" strike="noStrike">
-                <a:solidFill>
-                  <a:srgbClr val="1c1c1c"/>
-                </a:solidFill>
-                <a:latin typeface="Latin Modern Sans"/>
-                <a:ea typeface="DejaVu Sans"/>
-              </a:rPr>
-              <a:t>s</a:t>
+              <a:t>Introdução de padrões artificiais</a:t>
             </a:r>
             <a:endParaRPr b="0" lang="pt-BR" sz="1600" spc="-1" strike="noStrike">
               <a:latin typeface="Arial"/>
@@ -12699,197 +11909,7 @@
                 <a:latin typeface="Latin Modern Sans"/>
                 <a:ea typeface="DejaVu Sans"/>
               </a:rPr>
-              <a:t>R</a:t>
-            </a:r>
-            <a:r>
-              <a:rPr b="0" lang="pt-BR" sz="1600" spc="-1" strike="noStrike">
-                <a:solidFill>
-                  <a:srgbClr val="1c1c1c"/>
-                </a:solidFill>
-                <a:latin typeface="Latin Modern Sans"/>
-                <a:ea typeface="DejaVu Sans"/>
-              </a:rPr>
-              <a:t>i</a:t>
-            </a:r>
-            <a:r>
-              <a:rPr b="0" lang="pt-BR" sz="1600" spc="-1" strike="noStrike">
-                <a:solidFill>
-                  <a:srgbClr val="1c1c1c"/>
-                </a:solidFill>
-                <a:latin typeface="Latin Modern Sans"/>
-                <a:ea typeface="DejaVu Sans"/>
-              </a:rPr>
-              <a:t>s</a:t>
-            </a:r>
-            <a:r>
-              <a:rPr b="0" lang="pt-BR" sz="1600" spc="-1" strike="noStrike">
-                <a:solidFill>
-                  <a:srgbClr val="1c1c1c"/>
-                </a:solidFill>
-                <a:latin typeface="Latin Modern Sans"/>
-                <a:ea typeface="DejaVu Sans"/>
-              </a:rPr>
-              <a:t>c</a:t>
-            </a:r>
-            <a:r>
-              <a:rPr b="0" lang="pt-BR" sz="1600" spc="-1" strike="noStrike">
-                <a:solidFill>
-                  <a:srgbClr val="1c1c1c"/>
-                </a:solidFill>
-                <a:latin typeface="Latin Modern Sans"/>
-                <a:ea typeface="DejaVu Sans"/>
-              </a:rPr>
-              <a:t>o</a:t>
-            </a:r>
-            <a:r>
-              <a:rPr b="0" lang="pt-BR" sz="1600" spc="-1" strike="noStrike">
-                <a:solidFill>
-                  <a:srgbClr val="1c1c1c"/>
-                </a:solidFill>
-                <a:latin typeface="Latin Modern Sans"/>
-                <a:ea typeface="DejaVu Sans"/>
-              </a:rPr>
-              <a:t> </a:t>
-            </a:r>
-            <a:r>
-              <a:rPr b="0" lang="pt-BR" sz="1600" spc="-1" strike="noStrike">
-                <a:solidFill>
-                  <a:srgbClr val="1c1c1c"/>
-                </a:solidFill>
-                <a:latin typeface="Latin Modern Sans"/>
-                <a:ea typeface="DejaVu Sans"/>
-              </a:rPr>
-              <a:t>d</a:t>
-            </a:r>
-            <a:r>
-              <a:rPr b="0" lang="pt-BR" sz="1600" spc="-1" strike="noStrike">
-                <a:solidFill>
-                  <a:srgbClr val="1c1c1c"/>
-                </a:solidFill>
-                <a:latin typeface="Latin Modern Sans"/>
-                <a:ea typeface="DejaVu Sans"/>
-              </a:rPr>
-              <a:t>e</a:t>
-            </a:r>
-            <a:r>
-              <a:rPr b="0" lang="pt-BR" sz="1600" spc="-1" strike="noStrike">
-                <a:solidFill>
-                  <a:srgbClr val="1c1c1c"/>
-                </a:solidFill>
-                <a:latin typeface="Latin Modern Sans"/>
-                <a:ea typeface="DejaVu Sans"/>
-              </a:rPr>
-              <a:t> </a:t>
-            </a:r>
-            <a:r>
-              <a:rPr b="0" lang="pt-BR" sz="1600" spc="-1" strike="noStrike">
-                <a:solidFill>
-                  <a:srgbClr val="1c1c1c"/>
-                </a:solidFill>
-                <a:latin typeface="Latin Modern Sans"/>
-                <a:ea typeface="DejaVu Sans"/>
-              </a:rPr>
-              <a:t>o</a:t>
-            </a:r>
-            <a:r>
-              <a:rPr b="0" lang="pt-BR" sz="1600" spc="-1" strike="noStrike">
-                <a:solidFill>
-                  <a:srgbClr val="1c1c1c"/>
-                </a:solidFill>
-                <a:latin typeface="Latin Modern Sans"/>
-                <a:ea typeface="DejaVu Sans"/>
-              </a:rPr>
-              <a:t>v</a:t>
-            </a:r>
-            <a:r>
-              <a:rPr b="0" lang="pt-BR" sz="1600" spc="-1" strike="noStrike">
-                <a:solidFill>
-                  <a:srgbClr val="1c1c1c"/>
-                </a:solidFill>
-                <a:latin typeface="Latin Modern Sans"/>
-                <a:ea typeface="DejaVu Sans"/>
-              </a:rPr>
-              <a:t>e</a:t>
-            </a:r>
-            <a:r>
-              <a:rPr b="0" lang="pt-BR" sz="1600" spc="-1" strike="noStrike">
-                <a:solidFill>
-                  <a:srgbClr val="1c1c1c"/>
-                </a:solidFill>
-                <a:latin typeface="Latin Modern Sans"/>
-                <a:ea typeface="DejaVu Sans"/>
-              </a:rPr>
-              <a:t>r</a:t>
-            </a:r>
-            <a:r>
-              <a:rPr b="0" lang="pt-BR" sz="1600" spc="-1" strike="noStrike">
-                <a:solidFill>
-                  <a:srgbClr val="1c1c1c"/>
-                </a:solidFill>
-                <a:latin typeface="Latin Modern Sans"/>
-                <a:ea typeface="DejaVu Sans"/>
-              </a:rPr>
-              <a:t>f</a:t>
-            </a:r>
-            <a:r>
-              <a:rPr b="0" lang="pt-BR" sz="1600" spc="-1" strike="noStrike">
-                <a:solidFill>
-                  <a:srgbClr val="1c1c1c"/>
-                </a:solidFill>
-                <a:latin typeface="Latin Modern Sans"/>
-                <a:ea typeface="DejaVu Sans"/>
-              </a:rPr>
-              <a:t>i</a:t>
-            </a:r>
-            <a:r>
-              <a:rPr b="0" lang="pt-BR" sz="1600" spc="-1" strike="noStrike">
-                <a:solidFill>
-                  <a:srgbClr val="1c1c1c"/>
-                </a:solidFill>
-                <a:latin typeface="Latin Modern Sans"/>
-                <a:ea typeface="DejaVu Sans"/>
-              </a:rPr>
-              <a:t>t</a:t>
-            </a:r>
-            <a:r>
-              <a:rPr b="0" lang="pt-BR" sz="1600" spc="-1" strike="noStrike">
-                <a:solidFill>
-                  <a:srgbClr val="1c1c1c"/>
-                </a:solidFill>
-                <a:latin typeface="Latin Modern Sans"/>
-                <a:ea typeface="DejaVu Sans"/>
-              </a:rPr>
-              <a:t>t</a:t>
-            </a:r>
-            <a:r>
-              <a:rPr b="0" lang="pt-BR" sz="1600" spc="-1" strike="noStrike">
-                <a:solidFill>
-                  <a:srgbClr val="1c1c1c"/>
-                </a:solidFill>
-                <a:latin typeface="Latin Modern Sans"/>
-                <a:ea typeface="DejaVu Sans"/>
-              </a:rPr>
-              <a:t>i</a:t>
-            </a:r>
-            <a:r>
-              <a:rPr b="0" lang="pt-BR" sz="1600" spc="-1" strike="noStrike">
-                <a:solidFill>
-                  <a:srgbClr val="1c1c1c"/>
-                </a:solidFill>
-                <a:latin typeface="Latin Modern Sans"/>
-                <a:ea typeface="DejaVu Sans"/>
-              </a:rPr>
-              <a:t>n</a:t>
-            </a:r>
-            <a:r>
-              <a:rPr b="0" lang="pt-BR" sz="1600" spc="-1" strike="noStrike">
-                <a:solidFill>
-                  <a:srgbClr val="1c1c1c"/>
-                </a:solidFill>
-                <a:latin typeface="Latin Modern Sans"/>
-                <a:ea typeface="DejaVu Sans"/>
-              </a:rPr>
-              <a:t>g</a:t>
+              <a:t>Risco de overfitting</a:t>
             </a:r>
             <a:endParaRPr b="0" lang="pt-BR" sz="1600" spc="-1" strike="noStrike">
               <a:latin typeface="Arial"/>
@@ -12918,177 +11938,7 @@
                 <a:latin typeface="Latin Modern Sans"/>
                 <a:ea typeface="DejaVu Sans"/>
               </a:rPr>
-              <a:t>A</a:t>
-            </a:r>
-            <a:r>
-              <a:rPr b="0" lang="pt-BR" sz="1600" spc="-1" strike="noStrike">
-                <a:solidFill>
-                  <a:srgbClr val="1c1c1c"/>
-                </a:solidFill>
-                <a:latin typeface="Latin Modern Sans"/>
-                <a:ea typeface="DejaVu Sans"/>
-              </a:rPr>
-              <a:t>v</a:t>
-            </a:r>
-            <a:r>
-              <a:rPr b="0" lang="pt-BR" sz="1600" spc="-1" strike="noStrike">
-                <a:solidFill>
-                  <a:srgbClr val="1c1c1c"/>
-                </a:solidFill>
-                <a:latin typeface="Latin Modern Sans"/>
-                <a:ea typeface="DejaVu Sans"/>
-              </a:rPr>
-              <a:t>a</a:t>
-            </a:r>
-            <a:r>
-              <a:rPr b="0" lang="pt-BR" sz="1600" spc="-1" strike="noStrike">
-                <a:solidFill>
-                  <a:srgbClr val="1c1c1c"/>
-                </a:solidFill>
-                <a:latin typeface="Latin Modern Sans"/>
-                <a:ea typeface="DejaVu Sans"/>
-              </a:rPr>
-              <a:t>l</a:t>
-            </a:r>
-            <a:r>
-              <a:rPr b="0" lang="pt-BR" sz="1600" spc="-1" strike="noStrike">
-                <a:solidFill>
-                  <a:srgbClr val="1c1c1c"/>
-                </a:solidFill>
-                <a:latin typeface="Latin Modern Sans"/>
-                <a:ea typeface="DejaVu Sans"/>
-              </a:rPr>
-              <a:t>i</a:t>
-            </a:r>
-            <a:r>
-              <a:rPr b="0" lang="pt-BR" sz="1600" spc="-1" strike="noStrike">
-                <a:solidFill>
-                  <a:srgbClr val="1c1c1c"/>
-                </a:solidFill>
-                <a:latin typeface="Latin Modern Sans"/>
-                <a:ea typeface="DejaVu Sans"/>
-              </a:rPr>
-              <a:t>a</a:t>
-            </a:r>
-            <a:r>
-              <a:rPr b="0" lang="pt-BR" sz="1600" spc="-1" strike="noStrike">
-                <a:solidFill>
-                  <a:srgbClr val="1c1c1c"/>
-                </a:solidFill>
-                <a:latin typeface="Latin Modern Sans"/>
-                <a:ea typeface="DejaVu Sans"/>
-              </a:rPr>
-              <a:t>r</a:t>
-            </a:r>
-            <a:r>
-              <a:rPr b="0" lang="pt-BR" sz="1600" spc="-1" strike="noStrike">
-                <a:solidFill>
-                  <a:srgbClr val="1c1c1c"/>
-                </a:solidFill>
-                <a:latin typeface="Latin Modern Sans"/>
-                <a:ea typeface="DejaVu Sans"/>
-              </a:rPr>
-              <a:t> </a:t>
-            </a:r>
-            <a:r>
-              <a:rPr b="0" lang="pt-BR" sz="1600" spc="-1" strike="noStrike">
-                <a:solidFill>
-                  <a:srgbClr val="1c1c1c"/>
-                </a:solidFill>
-                <a:latin typeface="Latin Modern Sans"/>
-                <a:ea typeface="DejaVu Sans"/>
-              </a:rPr>
-              <a:t>C</a:t>
-            </a:r>
-            <a:r>
-              <a:rPr b="0" lang="pt-BR" sz="1600" spc="-1" strike="noStrike">
-                <a:solidFill>
-                  <a:srgbClr val="1c1c1c"/>
-                </a:solidFill>
-                <a:latin typeface="Latin Modern Sans"/>
-                <a:ea typeface="DejaVu Sans"/>
-              </a:rPr>
-              <a:t>o</a:t>
-            </a:r>
-            <a:r>
-              <a:rPr b="0" lang="pt-BR" sz="1600" spc="-1" strike="noStrike">
-                <a:solidFill>
-                  <a:srgbClr val="1c1c1c"/>
-                </a:solidFill>
-                <a:latin typeface="Latin Modern Sans"/>
-                <a:ea typeface="DejaVu Sans"/>
-              </a:rPr>
-              <a:t>r</a:t>
-            </a:r>
-            <a:r>
-              <a:rPr b="0" lang="pt-BR" sz="1600" spc="-1" strike="noStrike">
-                <a:solidFill>
-                  <a:srgbClr val="1c1c1c"/>
-                </a:solidFill>
-                <a:latin typeface="Latin Modern Sans"/>
-                <a:ea typeface="DejaVu Sans"/>
-              </a:rPr>
-              <a:t>r</a:t>
-            </a:r>
-            <a:r>
-              <a:rPr b="0" lang="pt-BR" sz="1600" spc="-1" strike="noStrike">
-                <a:solidFill>
-                  <a:srgbClr val="1c1c1c"/>
-                </a:solidFill>
-                <a:latin typeface="Latin Modern Sans"/>
-                <a:ea typeface="DejaVu Sans"/>
-              </a:rPr>
-              <a:t>e</a:t>
-            </a:r>
-            <a:r>
-              <a:rPr b="0" lang="pt-BR" sz="1600" spc="-1" strike="noStrike">
-                <a:solidFill>
-                  <a:srgbClr val="1c1c1c"/>
-                </a:solidFill>
-                <a:latin typeface="Latin Modern Sans"/>
-                <a:ea typeface="DejaVu Sans"/>
-              </a:rPr>
-              <a:t>l</a:t>
-            </a:r>
-            <a:r>
-              <a:rPr b="0" lang="pt-BR" sz="1600" spc="-1" strike="noStrike">
-                <a:solidFill>
-                  <a:srgbClr val="1c1c1c"/>
-                </a:solidFill>
-                <a:latin typeface="Latin Modern Sans"/>
-                <a:ea typeface="DejaVu Sans"/>
-              </a:rPr>
-              <a:t>a</a:t>
-            </a:r>
-            <a:r>
-              <a:rPr b="0" lang="pt-BR" sz="1600" spc="-1" strike="noStrike">
-                <a:solidFill>
-                  <a:srgbClr val="1c1c1c"/>
-                </a:solidFill>
-                <a:latin typeface="Latin Modern Sans"/>
-                <a:ea typeface="DejaVu Sans"/>
-              </a:rPr>
-              <a:t>ç</a:t>
-            </a:r>
-            <a:r>
-              <a:rPr b="0" lang="pt-BR" sz="1600" spc="-1" strike="noStrike">
-                <a:solidFill>
-                  <a:srgbClr val="1c1c1c"/>
-                </a:solidFill>
-                <a:latin typeface="Latin Modern Sans"/>
-                <a:ea typeface="DejaVu Sans"/>
-              </a:rPr>
-              <a:t>ã</a:t>
-            </a:r>
-            <a:r>
-              <a:rPr b="0" lang="pt-BR" sz="1600" spc="-1" strike="noStrike">
-                <a:solidFill>
-                  <a:srgbClr val="1c1c1c"/>
-                </a:solidFill>
-                <a:latin typeface="Latin Modern Sans"/>
-                <a:ea typeface="DejaVu Sans"/>
-              </a:rPr>
-              <a:t>o</a:t>
+              <a:t>Avaliar Correlação</a:t>
             </a:r>
             <a:endParaRPr b="0" lang="pt-BR" sz="1600" spc="-1" strike="noStrike">
               <a:latin typeface="Arial"/>
@@ -13117,318 +11967,22 @@
                 <a:latin typeface="Latin Modern Sans"/>
                 <a:ea typeface="DejaVu Sans"/>
               </a:rPr>
-              <a:t>N</a:t>
+              <a:t>Não aumenta a representatividade</a:t>
             </a:r>
-            <a:r>
-              <a:rPr b="0" lang="pt-BR" sz="1600" spc="-1" strike="noStrike">
-                <a:solidFill>
-                  <a:srgbClr val="1c1c1c"/>
-                </a:solidFill>
-                <a:latin typeface="Latin Modern Sans"/>
-                <a:ea typeface="DejaVu Sans"/>
-              </a:rPr>
-              <a:t>ã</a:t>
-            </a:r>
-            <a:r>
-              <a:rPr b="0" lang="pt-BR" sz="1600" spc="-1" strike="noStrike">
-                <a:solidFill>
-                  <a:srgbClr val="1c1c1c"/>
-                </a:solidFill>
-                <a:latin typeface="Latin Modern Sans"/>
-                <a:ea typeface="DejaVu Sans"/>
-              </a:rPr>
-              <a:t>o</a:t>
-            </a:r>
-            <a:r>
-              <a:rPr b="0" lang="pt-BR" sz="1600" spc="-1" strike="noStrike">
-                <a:solidFill>
-                  <a:srgbClr val="1c1c1c"/>
-                </a:solidFill>
-                <a:latin typeface="Latin Modern Sans"/>
-                <a:ea typeface="DejaVu Sans"/>
-              </a:rPr>
-              <a:t> </a:t>
-            </a:r>
-            <a:r>
-              <a:rPr b="0" lang="pt-BR" sz="1600" spc="-1" strike="noStrike">
-                <a:solidFill>
-                  <a:srgbClr val="1c1c1c"/>
-                </a:solidFill>
-                <a:latin typeface="Latin Modern Sans"/>
-                <a:ea typeface="DejaVu Sans"/>
-              </a:rPr>
-              <a:t>a</a:t>
-            </a:r>
-            <a:r>
-              <a:rPr b="0" lang="pt-BR" sz="1600" spc="-1" strike="noStrike">
-                <a:solidFill>
-                  <a:srgbClr val="1c1c1c"/>
-                </a:solidFill>
-                <a:latin typeface="Latin Modern Sans"/>
-                <a:ea typeface="DejaVu Sans"/>
-              </a:rPr>
-              <a:t>u</a:t>
-            </a:r>
-            <a:r>
-              <a:rPr b="0" lang="pt-BR" sz="1600" spc="-1" strike="noStrike">
-                <a:solidFill>
-                  <a:srgbClr val="1c1c1c"/>
-                </a:solidFill>
-                <a:latin typeface="Latin Modern Sans"/>
-                <a:ea typeface="DejaVu Sans"/>
-              </a:rPr>
-              <a:t>m</a:t>
-            </a:r>
-            <a:r>
-              <a:rPr b="0" lang="pt-BR" sz="1600" spc="-1" strike="noStrike">
-                <a:solidFill>
-                  <a:srgbClr val="1c1c1c"/>
-                </a:solidFill>
-                <a:latin typeface="Latin Modern Sans"/>
-                <a:ea typeface="DejaVu Sans"/>
-              </a:rPr>
-              <a:t>e</a:t>
-            </a:r>
-            <a:r>
-              <a:rPr b="0" lang="pt-BR" sz="1600" spc="-1" strike="noStrike">
-                <a:solidFill>
-                  <a:srgbClr val="1c1c1c"/>
-                </a:solidFill>
-                <a:latin typeface="Latin Modern Sans"/>
-                <a:ea typeface="DejaVu Sans"/>
-              </a:rPr>
-              <a:t>n</a:t>
-            </a:r>
-            <a:r>
-              <a:rPr b="0" lang="pt-BR" sz="1600" spc="-1" strike="noStrike">
-                <a:solidFill>
-                  <a:srgbClr val="1c1c1c"/>
-                </a:solidFill>
-                <a:latin typeface="Latin Modern Sans"/>
-                <a:ea typeface="DejaVu Sans"/>
-              </a:rPr>
-              <a:t>t</a:t>
-            </a:r>
-            <a:r>
-              <a:rPr b="0" lang="pt-BR" sz="1600" spc="-1" strike="noStrike">
-                <a:solidFill>
-                  <a:srgbClr val="1c1c1c"/>
-                </a:solidFill>
-                <a:latin typeface="Latin Modern Sans"/>
-                <a:ea typeface="DejaVu Sans"/>
-              </a:rPr>
-              <a:t>a</a:t>
-            </a:r>
-            <a:r>
-              <a:rPr b="0" lang="pt-BR" sz="1600" spc="-1" strike="noStrike">
-                <a:solidFill>
-                  <a:srgbClr val="1c1c1c"/>
-                </a:solidFill>
-                <a:latin typeface="Latin Modern Sans"/>
-                <a:ea typeface="DejaVu Sans"/>
-              </a:rPr>
-              <a:t> </a:t>
-            </a:r>
-            <a:r>
-              <a:rPr b="0" lang="pt-BR" sz="1600" spc="-1" strike="noStrike">
-                <a:solidFill>
-                  <a:srgbClr val="1c1c1c"/>
-                </a:solidFill>
-                <a:latin typeface="Latin Modern Sans"/>
-                <a:ea typeface="DejaVu Sans"/>
-              </a:rPr>
-              <a:t>a</a:t>
-            </a:r>
-            <a:r>
-              <a:rPr b="0" lang="pt-BR" sz="1600" spc="-1" strike="noStrike">
-                <a:solidFill>
-                  <a:srgbClr val="1c1c1c"/>
-                </a:solidFill>
-                <a:latin typeface="Latin Modern Sans"/>
-                <a:ea typeface="DejaVu Sans"/>
-              </a:rPr>
-              <a:t> </a:t>
-            </a:r>
-            <a:r>
-              <a:rPr b="0" lang="pt-BR" sz="1600" spc="-1" strike="noStrike">
-                <a:solidFill>
-                  <a:srgbClr val="1c1c1c"/>
-                </a:solidFill>
-                <a:latin typeface="Latin Modern Sans"/>
-                <a:ea typeface="DejaVu Sans"/>
-              </a:rPr>
-              <a:t>r</a:t>
-            </a:r>
-            <a:r>
-              <a:rPr b="0" lang="pt-BR" sz="1600" spc="-1" strike="noStrike">
-                <a:solidFill>
-                  <a:srgbClr val="1c1c1c"/>
-                </a:solidFill>
-                <a:latin typeface="Latin Modern Sans"/>
-                <a:ea typeface="DejaVu Sans"/>
-              </a:rPr>
-              <a:t>e</a:t>
-            </a:r>
-            <a:r>
-              <a:rPr b="0" lang="pt-BR" sz="1600" spc="-1" strike="noStrike">
-                <a:solidFill>
-                  <a:srgbClr val="1c1c1c"/>
-                </a:solidFill>
-                <a:latin typeface="Latin Modern Sans"/>
-                <a:ea typeface="DejaVu Sans"/>
-              </a:rPr>
-              <a:t>p</a:t>
-            </a:r>
-            <a:r>
-              <a:rPr b="0" lang="pt-BR" sz="1600" spc="-1" strike="noStrike">
-                <a:solidFill>
-                  <a:srgbClr val="1c1c1c"/>
-                </a:solidFill>
-                <a:latin typeface="Latin Modern Sans"/>
-                <a:ea typeface="DejaVu Sans"/>
-              </a:rPr>
-              <a:t>r</a:t>
-            </a:r>
-            <a:r>
-              <a:rPr b="0" lang="pt-BR" sz="1600" spc="-1" strike="noStrike">
-                <a:solidFill>
-                  <a:srgbClr val="1c1c1c"/>
-                </a:solidFill>
-                <a:latin typeface="Latin Modern Sans"/>
-                <a:ea typeface="DejaVu Sans"/>
-              </a:rPr>
-              <a:t>e</a:t>
-            </a:r>
-            <a:r>
-              <a:rPr b="0" lang="pt-BR" sz="1600" spc="-1" strike="noStrike">
-                <a:solidFill>
-                  <a:srgbClr val="1c1c1c"/>
-                </a:solidFill>
-                <a:latin typeface="Latin Modern Sans"/>
-                <a:ea typeface="DejaVu Sans"/>
-              </a:rPr>
-              <a:t>s</a:t>
-            </a:r>
-            <a:r>
-              <a:rPr b="0" lang="pt-BR" sz="1600" spc="-1" strike="noStrike">
-                <a:solidFill>
-                  <a:srgbClr val="1c1c1c"/>
-                </a:solidFill>
-                <a:latin typeface="Latin Modern Sans"/>
-                <a:ea typeface="DejaVu Sans"/>
-              </a:rPr>
-              <a:t>e</a:t>
-            </a:r>
-            <a:r>
-              <a:rPr b="0" lang="pt-BR" sz="1600" spc="-1" strike="noStrike">
-                <a:solidFill>
-                  <a:srgbClr val="1c1c1c"/>
-                </a:solidFill>
-                <a:latin typeface="Latin Modern Sans"/>
-                <a:ea typeface="DejaVu Sans"/>
-              </a:rPr>
-              <a:t>n</a:t>
-            </a:r>
-            <a:r>
-              <a:rPr b="0" lang="pt-BR" sz="1600" spc="-1" strike="noStrike">
-                <a:solidFill>
-                  <a:srgbClr val="1c1c1c"/>
-                </a:solidFill>
-                <a:latin typeface="Latin Modern Sans"/>
-                <a:ea typeface="DejaVu Sans"/>
-              </a:rPr>
-              <a:t>t</a:t>
-            </a:r>
-            <a:r>
-              <a:rPr b="0" lang="pt-BR" sz="1600" spc="-1" strike="noStrike">
-                <a:solidFill>
-                  <a:srgbClr val="1c1c1c"/>
-                </a:solidFill>
-                <a:latin typeface="Latin Modern Sans"/>
-                <a:ea typeface="DejaVu Sans"/>
-              </a:rPr>
-              <a:t>a</a:t>
-            </a:r>
-            <a:r>
-              <a:rPr b="0" lang="pt-BR" sz="1600" spc="-1" strike="noStrike">
-                <a:solidFill>
-                  <a:srgbClr val="1c1c1c"/>
-                </a:solidFill>
-                <a:latin typeface="Latin Modern Sans"/>
-                <a:ea typeface="DejaVu Sans"/>
-              </a:rPr>
-              <a:t>t</a:t>
-            </a:r>
-            <a:r>
-              <a:rPr b="0" lang="pt-BR" sz="1600" spc="-1" strike="noStrike">
-                <a:solidFill>
-                  <a:srgbClr val="1c1c1c"/>
-                </a:solidFill>
-                <a:latin typeface="Latin Modern Sans"/>
-                <a:ea typeface="DejaVu Sans"/>
-              </a:rPr>
-              <a:t>i</a:t>
-            </a:r>
-            <a:r>
-              <a:rPr b="0" lang="pt-BR" sz="1600" spc="-1" strike="noStrike">
-                <a:solidFill>
-                  <a:srgbClr val="1c1c1c"/>
-                </a:solidFill>
-                <a:latin typeface="Latin Modern Sans"/>
-                <a:ea typeface="DejaVu Sans"/>
-              </a:rPr>
-              <a:t>v</a:t>
-            </a:r>
-            <a:r>
-              <a:rPr b="0" lang="pt-BR" sz="1600" spc="-1" strike="noStrike">
-                <a:solidFill>
-                  <a:srgbClr val="1c1c1c"/>
-                </a:solidFill>
-                <a:latin typeface="Latin Modern Sans"/>
-                <a:ea typeface="DejaVu Sans"/>
-              </a:rPr>
-              <a:t>i</a:t>
-            </a:r>
-            <a:r>
-              <a:rPr b="0" lang="pt-BR" sz="1600" spc="-1" strike="noStrike">
-                <a:solidFill>
-                  <a:srgbClr val="1c1c1c"/>
-                </a:solidFill>
-                <a:latin typeface="Latin Modern Sans"/>
-                <a:ea typeface="DejaVu Sans"/>
-              </a:rPr>
-              <a:t>d</a:t>
-            </a:r>
-            <a:r>
-              <a:rPr b="0" lang="pt-BR" sz="1600" spc="-1" strike="noStrike">
-                <a:solidFill>
-                  <a:srgbClr val="1c1c1c"/>
-                </a:solidFill>
-                <a:latin typeface="Latin Modern Sans"/>
-                <a:ea typeface="DejaVu Sans"/>
-              </a:rPr>
-              <a:t>a</a:t>
-            </a:r>
-            <a:r>
-              <a:rPr b="0" lang="pt-BR" sz="1600" spc="-1" strike="noStrike">
-                <a:solidFill>
-                  <a:srgbClr val="1c1c1c"/>
-                </a:solidFill>
-                <a:latin typeface="Latin Modern Sans"/>
-                <a:ea typeface="DejaVu Sans"/>
-              </a:rPr>
-              <a:t>d</a:t>
-            </a:r>
-            <a:r>
-              <a:rPr b="0" lang="pt-BR" sz="1600" spc="-1" strike="noStrike">
-                <a:solidFill>
-                  <a:srgbClr val="1c1c1c"/>
-                </a:solidFill>
-                <a:latin typeface="Latin Modern Sans"/>
-                <a:ea typeface="DejaVu Sans"/>
-              </a:rPr>
-              <a:t>e</a:t>
-            </a:r>
+            <a:endParaRPr b="0" lang="pt-BR" sz="1600" spc="-1" strike="noStrike">
+              <a:latin typeface="Arial"/>
+            </a:endParaRPr>
+          </a:p>
+          <a:p>
+            <a:pPr>
+              <a:lnSpc>
+                <a:spcPct val="100000"/>
+              </a:lnSpc>
+              <a:spcAft>
+                <a:spcPts val="1140"/>
+              </a:spcAft>
+              <a:buNone/>
+            </a:pPr>
             <a:endParaRPr b="0" lang="pt-BR" sz="1600" spc="-1" strike="noStrike">
               <a:latin typeface="Arial"/>
             </a:endParaRPr>
@@ -13448,25 +12002,6 @@
               <a:buFont typeface="Wingdings" charset="2"/>
               <a:buChar char=""/>
             </a:pPr>
-            <a:endParaRPr b="0" lang="pt-BR" sz="1600" spc="-1" strike="noStrike">
-              <a:latin typeface="Arial"/>
-            </a:endParaRPr>
-          </a:p>
-          <a:p>
-            <a:pPr marL="216000" indent="-212400">
-              <a:lnSpc>
-                <a:spcPct val="100000"/>
-              </a:lnSpc>
-              <a:spcAft>
-                <a:spcPts val="1140"/>
-              </a:spcAft>
-              <a:buClr>
-                <a:srgbClr val="000000"/>
-              </a:buClr>
-              <a:buSzPct val="45000"/>
-              <a:buFont typeface="Wingdings" charset="2"/>
-              <a:buChar char=""/>
-            </a:pPr>
             <a:r>
               <a:rPr b="0" lang="pt-BR" sz="1600" spc="-1" strike="noStrike">
                 <a:solidFill>
@@ -13475,67 +12010,7 @@
                 <a:latin typeface="Latin Modern Sans"/>
                 <a:ea typeface="DejaVu Sans"/>
               </a:rPr>
-              <a:t>S</a:t>
-            </a:r>
-            <a:r>
-              <a:rPr b="0" lang="pt-BR" sz="1600" spc="-1" strike="noStrike">
-                <a:solidFill>
-                  <a:srgbClr val="1c1c1c"/>
-                </a:solidFill>
-                <a:latin typeface="Latin Modern Sans"/>
-                <a:ea typeface="DejaVu Sans"/>
-              </a:rPr>
-              <a:t>o</a:t>
-            </a:r>
-            <a:r>
-              <a:rPr b="0" lang="pt-BR" sz="1600" spc="-1" strike="noStrike">
-                <a:solidFill>
-                  <a:srgbClr val="1c1c1c"/>
-                </a:solidFill>
-                <a:latin typeface="Latin Modern Sans"/>
-                <a:ea typeface="DejaVu Sans"/>
-              </a:rPr>
-              <a:t>l</a:t>
-            </a:r>
-            <a:r>
-              <a:rPr b="0" lang="pt-BR" sz="1600" spc="-1" strike="noStrike">
-                <a:solidFill>
-                  <a:srgbClr val="1c1c1c"/>
-                </a:solidFill>
-                <a:latin typeface="Latin Modern Sans"/>
-                <a:ea typeface="DejaVu Sans"/>
-              </a:rPr>
-              <a:t>u</a:t>
-            </a:r>
-            <a:r>
-              <a:rPr b="0" lang="pt-BR" sz="1600" spc="-1" strike="noStrike">
-                <a:solidFill>
-                  <a:srgbClr val="1c1c1c"/>
-                </a:solidFill>
-                <a:latin typeface="Latin Modern Sans"/>
-                <a:ea typeface="DejaVu Sans"/>
-              </a:rPr>
-              <a:t>ç</a:t>
-            </a:r>
-            <a:r>
-              <a:rPr b="0" lang="pt-BR" sz="1600" spc="-1" strike="noStrike">
-                <a:solidFill>
-                  <a:srgbClr val="1c1c1c"/>
-                </a:solidFill>
-                <a:latin typeface="Latin Modern Sans"/>
-                <a:ea typeface="DejaVu Sans"/>
-              </a:rPr>
-              <a:t>ã</a:t>
-            </a:r>
-            <a:r>
-              <a:rPr b="0" lang="pt-BR" sz="1600" spc="-1" strike="noStrike">
-                <a:solidFill>
-                  <a:srgbClr val="1c1c1c"/>
-                </a:solidFill>
-                <a:latin typeface="Latin Modern Sans"/>
-                <a:ea typeface="DejaVu Sans"/>
-              </a:rPr>
-              <a:t>o</a:t>
+              <a:t>Solução</a:t>
             </a:r>
             <a:endParaRPr b="0" lang="pt-BR" sz="1600" spc="-1" strike="noStrike">
               <a:latin typeface="Arial"/>
@@ -13564,177 +12039,7 @@
                 <a:latin typeface="Latin Modern Sans"/>
                 <a:ea typeface="DejaVu Sans"/>
               </a:rPr>
-              <a:t>C</a:t>
-            </a:r>
-            <a:r>
-              <a:rPr b="0" lang="pt-BR" sz="1600" spc="-1" strike="noStrike">
-                <a:solidFill>
-                  <a:srgbClr val="1c1c1c"/>
-                </a:solidFill>
-                <a:latin typeface="Latin Modern Sans"/>
-                <a:ea typeface="DejaVu Sans"/>
-              </a:rPr>
-              <a:t>o</a:t>
-            </a:r>
-            <a:r>
-              <a:rPr b="0" lang="pt-BR" sz="1600" spc="-1" strike="noStrike">
-                <a:solidFill>
-                  <a:srgbClr val="1c1c1c"/>
-                </a:solidFill>
-                <a:latin typeface="Latin Modern Sans"/>
-                <a:ea typeface="DejaVu Sans"/>
-              </a:rPr>
-              <a:t>l</a:t>
-            </a:r>
-            <a:r>
-              <a:rPr b="0" lang="pt-BR" sz="1600" spc="-1" strike="noStrike">
-                <a:solidFill>
-                  <a:srgbClr val="1c1c1c"/>
-                </a:solidFill>
-                <a:latin typeface="Latin Modern Sans"/>
-                <a:ea typeface="DejaVu Sans"/>
-              </a:rPr>
-              <a:t>e</a:t>
-            </a:r>
-            <a:r>
-              <a:rPr b="0" lang="pt-BR" sz="1600" spc="-1" strike="noStrike">
-                <a:solidFill>
-                  <a:srgbClr val="1c1c1c"/>
-                </a:solidFill>
-                <a:latin typeface="Latin Modern Sans"/>
-                <a:ea typeface="DejaVu Sans"/>
-              </a:rPr>
-              <a:t>t</a:t>
-            </a:r>
-            <a:r>
-              <a:rPr b="0" lang="pt-BR" sz="1600" spc="-1" strike="noStrike">
-                <a:solidFill>
-                  <a:srgbClr val="1c1c1c"/>
-                </a:solidFill>
-                <a:latin typeface="Latin Modern Sans"/>
-                <a:ea typeface="DejaVu Sans"/>
-              </a:rPr>
-              <a:t>a</a:t>
-            </a:r>
-            <a:r>
-              <a:rPr b="0" lang="pt-BR" sz="1600" spc="-1" strike="noStrike">
-                <a:solidFill>
-                  <a:srgbClr val="1c1c1c"/>
-                </a:solidFill>
-                <a:latin typeface="Latin Modern Sans"/>
-                <a:ea typeface="DejaVu Sans"/>
-              </a:rPr>
-              <a:t>r</a:t>
-            </a:r>
-            <a:r>
-              <a:rPr b="0" lang="pt-BR" sz="1600" spc="-1" strike="noStrike">
-                <a:solidFill>
-                  <a:srgbClr val="1c1c1c"/>
-                </a:solidFill>
-                <a:latin typeface="Latin Modern Sans"/>
-                <a:ea typeface="DejaVu Sans"/>
-              </a:rPr>
-              <a:t> </a:t>
-            </a:r>
-            <a:r>
-              <a:rPr b="0" lang="pt-BR" sz="1600" spc="-1" strike="noStrike">
-                <a:solidFill>
-                  <a:srgbClr val="1c1c1c"/>
-                </a:solidFill>
-                <a:latin typeface="Latin Modern Sans"/>
-                <a:ea typeface="DejaVu Sans"/>
-              </a:rPr>
-              <a:t>m</a:t>
-            </a:r>
-            <a:r>
-              <a:rPr b="0" lang="pt-BR" sz="1600" spc="-1" strike="noStrike">
-                <a:solidFill>
-                  <a:srgbClr val="1c1c1c"/>
-                </a:solidFill>
-                <a:latin typeface="Latin Modern Sans"/>
-                <a:ea typeface="DejaVu Sans"/>
-              </a:rPr>
-              <a:t>a</a:t>
-            </a:r>
-            <a:r>
-              <a:rPr b="0" lang="pt-BR" sz="1600" spc="-1" strike="noStrike">
-                <a:solidFill>
-                  <a:srgbClr val="1c1c1c"/>
-                </a:solidFill>
-                <a:latin typeface="Latin Modern Sans"/>
-                <a:ea typeface="DejaVu Sans"/>
-              </a:rPr>
-              <a:t>i</a:t>
-            </a:r>
-            <a:r>
-              <a:rPr b="0" lang="pt-BR" sz="1600" spc="-1" strike="noStrike">
-                <a:solidFill>
-                  <a:srgbClr val="1c1c1c"/>
-                </a:solidFill>
-                <a:latin typeface="Latin Modern Sans"/>
-                <a:ea typeface="DejaVu Sans"/>
-              </a:rPr>
-              <a:t>s</a:t>
-            </a:r>
-            <a:r>
-              <a:rPr b="0" lang="pt-BR" sz="1600" spc="-1" strike="noStrike">
-                <a:solidFill>
-                  <a:srgbClr val="1c1c1c"/>
-                </a:solidFill>
-                <a:latin typeface="Latin Modern Sans"/>
-                <a:ea typeface="DejaVu Sans"/>
-              </a:rPr>
-              <a:t> </a:t>
-            </a:r>
-            <a:r>
-              <a:rPr b="0" lang="pt-BR" sz="1600" spc="-1" strike="noStrike">
-                <a:solidFill>
-                  <a:srgbClr val="1c1c1c"/>
-                </a:solidFill>
-                <a:latin typeface="Latin Modern Sans"/>
-                <a:ea typeface="DejaVu Sans"/>
-              </a:rPr>
-              <a:t>d</a:t>
-            </a:r>
-            <a:r>
-              <a:rPr b="0" lang="pt-BR" sz="1600" spc="-1" strike="noStrike">
-                <a:solidFill>
-                  <a:srgbClr val="1c1c1c"/>
-                </a:solidFill>
-                <a:latin typeface="Latin Modern Sans"/>
-                <a:ea typeface="DejaVu Sans"/>
-              </a:rPr>
-              <a:t>a</a:t>
-            </a:r>
-            <a:r>
-              <a:rPr b="0" lang="pt-BR" sz="1600" spc="-1" strike="noStrike">
-                <a:solidFill>
-                  <a:srgbClr val="1c1c1c"/>
-                </a:solidFill>
-                <a:latin typeface="Latin Modern Sans"/>
-                <a:ea typeface="DejaVu Sans"/>
-              </a:rPr>
-              <a:t>d</a:t>
-            </a:r>
-            <a:r>
-              <a:rPr b="0" lang="pt-BR" sz="1600" spc="-1" strike="noStrike">
-                <a:solidFill>
-                  <a:srgbClr val="1c1c1c"/>
-                </a:solidFill>
-                <a:latin typeface="Latin Modern Sans"/>
-                <a:ea typeface="DejaVu Sans"/>
-              </a:rPr>
-              <a:t>o</a:t>
-            </a:r>
-            <a:r>
-              <a:rPr b="0" lang="pt-BR" sz="1600" spc="-1" strike="noStrike">
-                <a:solidFill>
-                  <a:srgbClr val="1c1c1c"/>
-                </a:solidFill>
-                <a:latin typeface="Latin Modern Sans"/>
-                <a:ea typeface="DejaVu Sans"/>
-              </a:rPr>
-              <a:t>s</a:t>
+              <a:t>Coletar mais dados</a:t>
             </a:r>
             <a:endParaRPr b="0" lang="pt-BR" sz="1600" spc="-1" strike="noStrike">
               <a:latin typeface="Arial"/>
@@ -13763,287 +12068,7 @@
                 <a:latin typeface="Latin Modern Sans"/>
                 <a:ea typeface="DejaVu Sans"/>
               </a:rPr>
-              <a:t>E</a:t>
-            </a:r>
-            <a:r>
-              <a:rPr b="0" lang="pt-BR" sz="1600" spc="-1" strike="noStrike">
-                <a:solidFill>
-                  <a:srgbClr val="1c1c1c"/>
-                </a:solidFill>
-                <a:latin typeface="Latin Modern Sans"/>
-                <a:ea typeface="DejaVu Sans"/>
-              </a:rPr>
-              <a:t>n</a:t>
-            </a:r>
-            <a:r>
-              <a:rPr b="0" lang="pt-BR" sz="1600" spc="-1" strike="noStrike">
-                <a:solidFill>
-                  <a:srgbClr val="1c1c1c"/>
-                </a:solidFill>
-                <a:latin typeface="Latin Modern Sans"/>
-                <a:ea typeface="DejaVu Sans"/>
-              </a:rPr>
-              <a:t>g</a:t>
-            </a:r>
-            <a:r>
-              <a:rPr b="0" lang="pt-BR" sz="1600" spc="-1" strike="noStrike">
-                <a:solidFill>
-                  <a:srgbClr val="1c1c1c"/>
-                </a:solidFill>
-                <a:latin typeface="Latin Modern Sans"/>
-                <a:ea typeface="DejaVu Sans"/>
-              </a:rPr>
-              <a:t>e</a:t>
-            </a:r>
-            <a:r>
-              <a:rPr b="0" lang="pt-BR" sz="1600" spc="-1" strike="noStrike">
-                <a:solidFill>
-                  <a:srgbClr val="1c1c1c"/>
-                </a:solidFill>
-                <a:latin typeface="Latin Modern Sans"/>
-                <a:ea typeface="DejaVu Sans"/>
-              </a:rPr>
-              <a:t>n</a:t>
-            </a:r>
-            <a:r>
-              <a:rPr b="0" lang="pt-BR" sz="1600" spc="-1" strike="noStrike">
-                <a:solidFill>
-                  <a:srgbClr val="1c1c1c"/>
-                </a:solidFill>
-                <a:latin typeface="Latin Modern Sans"/>
-                <a:ea typeface="DejaVu Sans"/>
-              </a:rPr>
-              <a:t>h</a:t>
-            </a:r>
-            <a:r>
-              <a:rPr b="0" lang="pt-BR" sz="1600" spc="-1" strike="noStrike">
-                <a:solidFill>
-                  <a:srgbClr val="1c1c1c"/>
-                </a:solidFill>
-                <a:latin typeface="Latin Modern Sans"/>
-                <a:ea typeface="DejaVu Sans"/>
-              </a:rPr>
-              <a:t>a</a:t>
-            </a:r>
-            <a:r>
-              <a:rPr b="0" lang="pt-BR" sz="1600" spc="-1" strike="noStrike">
-                <a:solidFill>
-                  <a:srgbClr val="1c1c1c"/>
-                </a:solidFill>
-                <a:latin typeface="Latin Modern Sans"/>
-                <a:ea typeface="DejaVu Sans"/>
-              </a:rPr>
-              <a:t>r</a:t>
-            </a:r>
-            <a:r>
-              <a:rPr b="0" lang="pt-BR" sz="1600" spc="-1" strike="noStrike">
-                <a:solidFill>
-                  <a:srgbClr val="1c1c1c"/>
-                </a:solidFill>
-                <a:latin typeface="Latin Modern Sans"/>
-                <a:ea typeface="DejaVu Sans"/>
-              </a:rPr>
-              <a:t>i</a:t>
-            </a:r>
-            <a:r>
-              <a:rPr b="0" lang="pt-BR" sz="1600" spc="-1" strike="noStrike">
-                <a:solidFill>
-                  <a:srgbClr val="1c1c1c"/>
-                </a:solidFill>
-                <a:latin typeface="Latin Modern Sans"/>
-                <a:ea typeface="DejaVu Sans"/>
-              </a:rPr>
-              <a:t>a</a:t>
-            </a:r>
-            <a:r>
-              <a:rPr b="0" lang="pt-BR" sz="1600" spc="-1" strike="noStrike">
-                <a:solidFill>
-                  <a:srgbClr val="1c1c1c"/>
-                </a:solidFill>
-                <a:latin typeface="Latin Modern Sans"/>
-                <a:ea typeface="DejaVu Sans"/>
-              </a:rPr>
-              <a:t> </a:t>
-            </a:r>
-            <a:r>
-              <a:rPr b="0" lang="pt-BR" sz="1600" spc="-1" strike="noStrike">
-                <a:solidFill>
-                  <a:srgbClr val="1c1c1c"/>
-                </a:solidFill>
-                <a:latin typeface="Latin Modern Sans"/>
-                <a:ea typeface="DejaVu Sans"/>
-              </a:rPr>
-              <a:t>d</a:t>
-            </a:r>
-            <a:r>
-              <a:rPr b="0" lang="pt-BR" sz="1600" spc="-1" strike="noStrike">
-                <a:solidFill>
-                  <a:srgbClr val="1c1c1c"/>
-                </a:solidFill>
-                <a:latin typeface="Latin Modern Sans"/>
-                <a:ea typeface="DejaVu Sans"/>
-              </a:rPr>
-              <a:t>e</a:t>
-            </a:r>
-            <a:r>
-              <a:rPr b="0" lang="pt-BR" sz="1600" spc="-1" strike="noStrike">
-                <a:solidFill>
-                  <a:srgbClr val="1c1c1c"/>
-                </a:solidFill>
-                <a:latin typeface="Latin Modern Sans"/>
-                <a:ea typeface="DejaVu Sans"/>
-              </a:rPr>
-              <a:t> </a:t>
-            </a:r>
-            <a:r>
-              <a:rPr b="0" lang="pt-BR" sz="1600" spc="-1" strike="noStrike">
-                <a:solidFill>
-                  <a:srgbClr val="1c1c1c"/>
-                </a:solidFill>
-                <a:latin typeface="Latin Modern Sans"/>
-                <a:ea typeface="DejaVu Sans"/>
-              </a:rPr>
-              <a:t>C</a:t>
-            </a:r>
-            <a:r>
-              <a:rPr b="0" lang="pt-BR" sz="1600" spc="-1" strike="noStrike">
-                <a:solidFill>
-                  <a:srgbClr val="1c1c1c"/>
-                </a:solidFill>
-                <a:latin typeface="Latin Modern Sans"/>
-                <a:ea typeface="DejaVu Sans"/>
-              </a:rPr>
-              <a:t>a</a:t>
-            </a:r>
-            <a:r>
-              <a:rPr b="0" lang="pt-BR" sz="1600" spc="-1" strike="noStrike">
-                <a:solidFill>
-                  <a:srgbClr val="1c1c1c"/>
-                </a:solidFill>
-                <a:latin typeface="Latin Modern Sans"/>
-                <a:ea typeface="DejaVu Sans"/>
-              </a:rPr>
-              <a:t>r</a:t>
-            </a:r>
-            <a:r>
-              <a:rPr b="0" lang="pt-BR" sz="1600" spc="-1" strike="noStrike">
-                <a:solidFill>
-                  <a:srgbClr val="1c1c1c"/>
-                </a:solidFill>
-                <a:latin typeface="Latin Modern Sans"/>
-                <a:ea typeface="DejaVu Sans"/>
-              </a:rPr>
-              <a:t>a</a:t>
-            </a:r>
-            <a:r>
-              <a:rPr b="0" lang="pt-BR" sz="1600" spc="-1" strike="noStrike">
-                <a:solidFill>
-                  <a:srgbClr val="1c1c1c"/>
-                </a:solidFill>
-                <a:latin typeface="Latin Modern Sans"/>
-                <a:ea typeface="DejaVu Sans"/>
-              </a:rPr>
-              <a:t>c</a:t>
-            </a:r>
-            <a:r>
-              <a:rPr b="0" lang="pt-BR" sz="1600" spc="-1" strike="noStrike">
-                <a:solidFill>
-                  <a:srgbClr val="1c1c1c"/>
-                </a:solidFill>
-                <a:latin typeface="Latin Modern Sans"/>
-                <a:ea typeface="DejaVu Sans"/>
-              </a:rPr>
-              <a:t>t</a:t>
-            </a:r>
-            <a:r>
-              <a:rPr b="0" lang="pt-BR" sz="1600" spc="-1" strike="noStrike">
-                <a:solidFill>
-                  <a:srgbClr val="1c1c1c"/>
-                </a:solidFill>
-                <a:latin typeface="Latin Modern Sans"/>
-                <a:ea typeface="DejaVu Sans"/>
-              </a:rPr>
-              <a:t>e</a:t>
-            </a:r>
-            <a:r>
-              <a:rPr b="0" lang="pt-BR" sz="1600" spc="-1" strike="noStrike">
-                <a:solidFill>
-                  <a:srgbClr val="1c1c1c"/>
-                </a:solidFill>
-                <a:latin typeface="Latin Modern Sans"/>
-                <a:ea typeface="DejaVu Sans"/>
-              </a:rPr>
-              <a:t>r</a:t>
-            </a:r>
-            <a:r>
-              <a:rPr b="0" lang="pt-BR" sz="1600" spc="-1" strike="noStrike">
-                <a:solidFill>
-                  <a:srgbClr val="1c1c1c"/>
-                </a:solidFill>
-                <a:latin typeface="Latin Modern Sans"/>
-                <a:ea typeface="DejaVu Sans"/>
-              </a:rPr>
-              <a:t>í</a:t>
-            </a:r>
-            <a:r>
-              <a:rPr b="0" lang="pt-BR" sz="1600" spc="-1" strike="noStrike">
-                <a:solidFill>
-                  <a:srgbClr val="1c1c1c"/>
-                </a:solidFill>
-                <a:latin typeface="Latin Modern Sans"/>
-                <a:ea typeface="DejaVu Sans"/>
-              </a:rPr>
-              <a:t>s</a:t>
-            </a:r>
-            <a:r>
-              <a:rPr b="0" lang="pt-BR" sz="1600" spc="-1" strike="noStrike">
-                <a:solidFill>
-                  <a:srgbClr val="1c1c1c"/>
-                </a:solidFill>
-                <a:latin typeface="Latin Modern Sans"/>
-                <a:ea typeface="DejaVu Sans"/>
-              </a:rPr>
-              <a:t>t</a:t>
-            </a:r>
-            <a:r>
-              <a:rPr b="0" lang="pt-BR" sz="1600" spc="-1" strike="noStrike">
-                <a:solidFill>
-                  <a:srgbClr val="1c1c1c"/>
-                </a:solidFill>
-                <a:latin typeface="Latin Modern Sans"/>
-                <a:ea typeface="DejaVu Sans"/>
-              </a:rPr>
-              <a:t>i</a:t>
-            </a:r>
-            <a:r>
-              <a:rPr b="0" lang="pt-BR" sz="1600" spc="-1" strike="noStrike">
-                <a:solidFill>
-                  <a:srgbClr val="1c1c1c"/>
-                </a:solidFill>
-                <a:latin typeface="Latin Modern Sans"/>
-                <a:ea typeface="DejaVu Sans"/>
-              </a:rPr>
-              <a:t>c</a:t>
-            </a:r>
-            <a:r>
-              <a:rPr b="0" lang="pt-BR" sz="1600" spc="-1" strike="noStrike">
-                <a:solidFill>
-                  <a:srgbClr val="1c1c1c"/>
-                </a:solidFill>
-                <a:latin typeface="Latin Modern Sans"/>
-                <a:ea typeface="DejaVu Sans"/>
-              </a:rPr>
-              <a:t>a</a:t>
-            </a:r>
-            <a:r>
-              <a:rPr b="0" lang="pt-BR" sz="1600" spc="-1" strike="noStrike">
-                <a:solidFill>
-                  <a:srgbClr val="1c1c1c"/>
-                </a:solidFill>
-                <a:latin typeface="Latin Modern Sans"/>
-                <a:ea typeface="DejaVu Sans"/>
-              </a:rPr>
-              <a:t>s</a:t>
+              <a:t>Engenharia de Características</a:t>
             </a:r>
             <a:endParaRPr b="0" lang="pt-BR" sz="1600" spc="-1" strike="noStrike">
               <a:latin typeface="Arial"/>
@@ -14072,267 +12097,7 @@
                 <a:latin typeface="Latin Modern Sans"/>
                 <a:ea typeface="DejaVu Sans"/>
               </a:rPr>
-              <a:t>I</a:t>
-            </a:r>
-            <a:r>
-              <a:rPr b="0" lang="pt-BR" sz="1600" spc="-1" strike="noStrike">
-                <a:solidFill>
-                  <a:srgbClr val="1c1c1c"/>
-                </a:solidFill>
-                <a:latin typeface="Latin Modern Sans"/>
-                <a:ea typeface="DejaVu Sans"/>
-              </a:rPr>
-              <a:t>m</a:t>
-            </a:r>
-            <a:r>
-              <a:rPr b="0" lang="pt-BR" sz="1600" spc="-1" strike="noStrike">
-                <a:solidFill>
-                  <a:srgbClr val="1c1c1c"/>
-                </a:solidFill>
-                <a:latin typeface="Latin Modern Sans"/>
-                <a:ea typeface="DejaVu Sans"/>
-              </a:rPr>
-              <a:t>p</a:t>
-            </a:r>
-            <a:r>
-              <a:rPr b="0" lang="pt-BR" sz="1600" spc="-1" strike="noStrike">
-                <a:solidFill>
-                  <a:srgbClr val="1c1c1c"/>
-                </a:solidFill>
-                <a:latin typeface="Latin Modern Sans"/>
-                <a:ea typeface="DejaVu Sans"/>
-              </a:rPr>
-              <a:t>l</a:t>
-            </a:r>
-            <a:r>
-              <a:rPr b="0" lang="pt-BR" sz="1600" spc="-1" strike="noStrike">
-                <a:solidFill>
-                  <a:srgbClr val="1c1c1c"/>
-                </a:solidFill>
-                <a:latin typeface="Latin Modern Sans"/>
-                <a:ea typeface="DejaVu Sans"/>
-              </a:rPr>
-              <a:t>e</a:t>
-            </a:r>
-            <a:r>
-              <a:rPr b="0" lang="pt-BR" sz="1600" spc="-1" strike="noStrike">
-                <a:solidFill>
-                  <a:srgbClr val="1c1c1c"/>
-                </a:solidFill>
-                <a:latin typeface="Latin Modern Sans"/>
-                <a:ea typeface="DejaVu Sans"/>
-              </a:rPr>
-              <a:t>m</a:t>
-            </a:r>
-            <a:r>
-              <a:rPr b="0" lang="pt-BR" sz="1600" spc="-1" strike="noStrike">
-                <a:solidFill>
-                  <a:srgbClr val="1c1c1c"/>
-                </a:solidFill>
-                <a:latin typeface="Latin Modern Sans"/>
-                <a:ea typeface="DejaVu Sans"/>
-              </a:rPr>
-              <a:t>e</a:t>
-            </a:r>
-            <a:r>
-              <a:rPr b="0" lang="pt-BR" sz="1600" spc="-1" strike="noStrike">
-                <a:solidFill>
-                  <a:srgbClr val="1c1c1c"/>
-                </a:solidFill>
-                <a:latin typeface="Latin Modern Sans"/>
-                <a:ea typeface="DejaVu Sans"/>
-              </a:rPr>
-              <a:t>n</a:t>
-            </a:r>
-            <a:r>
-              <a:rPr b="0" lang="pt-BR" sz="1600" spc="-1" strike="noStrike">
-                <a:solidFill>
-                  <a:srgbClr val="1c1c1c"/>
-                </a:solidFill>
-                <a:latin typeface="Latin Modern Sans"/>
-                <a:ea typeface="DejaVu Sans"/>
-              </a:rPr>
-              <a:t>t</a:t>
-            </a:r>
-            <a:r>
-              <a:rPr b="0" lang="pt-BR" sz="1600" spc="-1" strike="noStrike">
-                <a:solidFill>
-                  <a:srgbClr val="1c1c1c"/>
-                </a:solidFill>
-                <a:latin typeface="Latin Modern Sans"/>
-                <a:ea typeface="DejaVu Sans"/>
-              </a:rPr>
-              <a:t>a</a:t>
-            </a:r>
-            <a:r>
-              <a:rPr b="0" lang="pt-BR" sz="1600" spc="-1" strike="noStrike">
-                <a:solidFill>
-                  <a:srgbClr val="1c1c1c"/>
-                </a:solidFill>
-                <a:latin typeface="Latin Modern Sans"/>
-                <a:ea typeface="DejaVu Sans"/>
-              </a:rPr>
-              <a:t>r</a:t>
-            </a:r>
-            <a:r>
-              <a:rPr b="0" lang="pt-BR" sz="1600" spc="-1" strike="noStrike">
-                <a:solidFill>
-                  <a:srgbClr val="1c1c1c"/>
-                </a:solidFill>
-                <a:latin typeface="Latin Modern Sans"/>
-                <a:ea typeface="DejaVu Sans"/>
-              </a:rPr>
-              <a:t> </a:t>
-            </a:r>
-            <a:r>
-              <a:rPr b="0" lang="pt-BR" sz="1600" spc="-1" strike="noStrike">
-                <a:solidFill>
-                  <a:srgbClr val="1c1c1c"/>
-                </a:solidFill>
-                <a:latin typeface="Latin Modern Sans"/>
-                <a:ea typeface="DejaVu Sans"/>
-              </a:rPr>
-              <a:t>n</a:t>
-            </a:r>
-            <a:r>
-              <a:rPr b="0" lang="pt-BR" sz="1600" spc="-1" strike="noStrike">
-                <a:solidFill>
-                  <a:srgbClr val="1c1c1c"/>
-                </a:solidFill>
-                <a:latin typeface="Latin Modern Sans"/>
-                <a:ea typeface="DejaVu Sans"/>
-              </a:rPr>
-              <a:t>o</a:t>
-            </a:r>
-            <a:r>
-              <a:rPr b="0" lang="pt-BR" sz="1600" spc="-1" strike="noStrike">
-                <a:solidFill>
-                  <a:srgbClr val="1c1c1c"/>
-                </a:solidFill>
-                <a:latin typeface="Latin Modern Sans"/>
-                <a:ea typeface="DejaVu Sans"/>
-              </a:rPr>
-              <a:t>v</a:t>
-            </a:r>
-            <a:r>
-              <a:rPr b="0" lang="pt-BR" sz="1600" spc="-1" strike="noStrike">
-                <a:solidFill>
-                  <a:srgbClr val="1c1c1c"/>
-                </a:solidFill>
-                <a:latin typeface="Latin Modern Sans"/>
-                <a:ea typeface="DejaVu Sans"/>
-              </a:rPr>
-              <a:t>a</a:t>
-            </a:r>
-            <a:r>
-              <a:rPr b="0" lang="pt-BR" sz="1600" spc="-1" strike="noStrike">
-                <a:solidFill>
-                  <a:srgbClr val="1c1c1c"/>
-                </a:solidFill>
-                <a:latin typeface="Latin Modern Sans"/>
-                <a:ea typeface="DejaVu Sans"/>
-              </a:rPr>
-              <a:t>s</a:t>
-            </a:r>
-            <a:r>
-              <a:rPr b="0" lang="pt-BR" sz="1600" spc="-1" strike="noStrike">
-                <a:solidFill>
-                  <a:srgbClr val="1c1c1c"/>
-                </a:solidFill>
-                <a:latin typeface="Latin Modern Sans"/>
-                <a:ea typeface="DejaVu Sans"/>
-              </a:rPr>
-              <a:t> </a:t>
-            </a:r>
-            <a:r>
-              <a:rPr b="0" lang="pt-BR" sz="1600" spc="-1" strike="noStrike">
-                <a:solidFill>
-                  <a:srgbClr val="1c1c1c"/>
-                </a:solidFill>
-                <a:latin typeface="Latin Modern Sans"/>
-                <a:ea typeface="DejaVu Sans"/>
-              </a:rPr>
-              <a:t>v</a:t>
-            </a:r>
-            <a:r>
-              <a:rPr b="0" lang="pt-BR" sz="1600" spc="-1" strike="noStrike">
-                <a:solidFill>
-                  <a:srgbClr val="1c1c1c"/>
-                </a:solidFill>
-                <a:latin typeface="Latin Modern Sans"/>
-                <a:ea typeface="DejaVu Sans"/>
-              </a:rPr>
-              <a:t>a</a:t>
-            </a:r>
-            <a:r>
-              <a:rPr b="0" lang="pt-BR" sz="1600" spc="-1" strike="noStrike">
-                <a:solidFill>
-                  <a:srgbClr val="1c1c1c"/>
-                </a:solidFill>
-                <a:latin typeface="Latin Modern Sans"/>
-                <a:ea typeface="DejaVu Sans"/>
-              </a:rPr>
-              <a:t>r</a:t>
-            </a:r>
-            <a:r>
-              <a:rPr b="0" lang="pt-BR" sz="1600" spc="-1" strike="noStrike">
-                <a:solidFill>
-                  <a:srgbClr val="1c1c1c"/>
-                </a:solidFill>
-                <a:latin typeface="Latin Modern Sans"/>
-                <a:ea typeface="DejaVu Sans"/>
-              </a:rPr>
-              <a:t>i</a:t>
-            </a:r>
-            <a:r>
-              <a:rPr b="0" lang="pt-BR" sz="1600" spc="-1" strike="noStrike">
-                <a:solidFill>
-                  <a:srgbClr val="1c1c1c"/>
-                </a:solidFill>
-                <a:latin typeface="Latin Modern Sans"/>
-                <a:ea typeface="DejaVu Sans"/>
-              </a:rPr>
-              <a:t>á</a:t>
-            </a:r>
-            <a:r>
-              <a:rPr b="0" lang="pt-BR" sz="1600" spc="-1" strike="noStrike">
-                <a:solidFill>
-                  <a:srgbClr val="1c1c1c"/>
-                </a:solidFill>
-                <a:latin typeface="Latin Modern Sans"/>
-                <a:ea typeface="DejaVu Sans"/>
-              </a:rPr>
-              <a:t>v</a:t>
-            </a:r>
-            <a:r>
-              <a:rPr b="0" lang="pt-BR" sz="1600" spc="-1" strike="noStrike">
-                <a:solidFill>
-                  <a:srgbClr val="1c1c1c"/>
-                </a:solidFill>
-                <a:latin typeface="Latin Modern Sans"/>
-                <a:ea typeface="DejaVu Sans"/>
-              </a:rPr>
-              <a:t>e</a:t>
-            </a:r>
-            <a:r>
-              <a:rPr b="0" lang="pt-BR" sz="1600" spc="-1" strike="noStrike">
-                <a:solidFill>
-                  <a:srgbClr val="1c1c1c"/>
-                </a:solidFill>
-                <a:latin typeface="Latin Modern Sans"/>
-                <a:ea typeface="DejaVu Sans"/>
-              </a:rPr>
-              <a:t>i</a:t>
-            </a:r>
-            <a:r>
-              <a:rPr b="0" lang="pt-BR" sz="1600" spc="-1" strike="noStrike">
-                <a:solidFill>
-                  <a:srgbClr val="1c1c1c"/>
-                </a:solidFill>
-                <a:latin typeface="Latin Modern Sans"/>
-                <a:ea typeface="DejaVu Sans"/>
-              </a:rPr>
-              <a:t>s</a:t>
+              <a:t>Implementar novas variáveis</a:t>
             </a:r>
             <a:endParaRPr b="0" lang="pt-BR" sz="1600" spc="-1" strike="noStrike">
               <a:latin typeface="Arial"/>
@@ -14361,142 +12126,8 @@
                 <a:latin typeface="Latin Modern Sans"/>
                 <a:ea typeface="DejaVu Sans"/>
               </a:rPr>
-              <a:t>E</a:t>
+              <a:t>Etc</a:t>
             </a:r>
-            <a:r>
-              <a:rPr b="0" lang="pt-BR" sz="1600" spc="-1" strike="noStrike">
-                <a:solidFill>
-                  <a:srgbClr val="1c1c1c"/>
-                </a:solidFill>
-                <a:latin typeface="Latin Modern Sans"/>
-                <a:ea typeface="DejaVu Sans"/>
-              </a:rPr>
-              <a:t>t</a:t>
-            </a:r>
-            <a:r>
-              <a:rPr b="0" lang="pt-BR" sz="1600" spc="-1" strike="noStrike">
-                <a:solidFill>
-                  <a:srgbClr val="1c1c1c"/>
-                </a:solidFill>
-                <a:latin typeface="Latin Modern Sans"/>
-                <a:ea typeface="DejaVu Sans"/>
-              </a:rPr>
-              <a:t>c</a:t>
-            </a:r>
-            <a:endParaRPr b="0" lang="pt-BR" sz="1600" spc="-1" strike="noStrike">
-              <a:latin typeface="Arial"/>
-            </a:endParaRPr>
-          </a:p>
-          <a:p>
-            <a:pPr lvl="2" marL="648000" indent="-216000">
-              <a:lnSpc>
-                <a:spcPct val="100000"/>
-              </a:lnSpc>
-              <a:spcAft>
-                <a:spcPts val="1140"/>
-              </a:spcAft>
-              <a:buClr>
-                <a:srgbClr val="000000"/>
-              </a:buClr>
-              <a:buSzPct val="45000"/>
-              <a:buFont typeface="Wingdings" charset="2"/>
-              <a:buChar char=""/>
-            </a:pPr>
-            <a:endParaRPr b="0" lang="pt-BR" sz="1600" spc="-1" strike="noStrike">
-              <a:latin typeface="Arial"/>
-            </a:endParaRPr>
-          </a:p>
-          <a:p>
-            <a:pPr marL="216000" indent="-212400">
-              <a:lnSpc>
-                <a:spcPct val="100000"/>
-              </a:lnSpc>
-              <a:spcAft>
-                <a:spcPts val="1140"/>
-              </a:spcAft>
-              <a:buClr>
-                <a:srgbClr val="000000"/>
-              </a:buClr>
-              <a:buSzPct val="45000"/>
-              <a:buFont typeface="Wingdings" charset="2"/>
-              <a:buChar char=""/>
-            </a:pPr>
-            <a:endParaRPr b="0" lang="pt-BR" sz="1600" spc="-1" strike="noStrike">
-              <a:latin typeface="Arial"/>
-            </a:endParaRPr>
-          </a:p>
-          <a:p>
-            <a:pPr lvl="1" marL="432000" indent="-216000">
-              <a:lnSpc>
-                <a:spcPct val="100000"/>
-              </a:lnSpc>
-              <a:spcAft>
-                <a:spcPts val="1140"/>
-              </a:spcAft>
-              <a:buClr>
-                <a:srgbClr val="000000"/>
-              </a:buClr>
-              <a:buSzPct val="45000"/>
-              <a:buFont typeface="Wingdings" charset="2"/>
-              <a:buChar char=""/>
-            </a:pPr>
-            <a:endParaRPr b="0" lang="pt-BR" sz="1600" spc="-1" strike="noStrike">
-              <a:latin typeface="Arial"/>
-            </a:endParaRPr>
-          </a:p>
-          <a:p>
-            <a:pPr lvl="1" marL="432000" indent="-216000">
-              <a:lnSpc>
-                <a:spcPct val="100000"/>
-              </a:lnSpc>
-              <a:spcAft>
-                <a:spcPts val="1140"/>
-              </a:spcAft>
-              <a:buClr>
-                <a:srgbClr val="000000"/>
-              </a:buClr>
-              <a:buSzPct val="45000"/>
-              <a:buFont typeface="Wingdings" charset="2"/>
-              <a:buChar char=""/>
-            </a:pPr>
-            <a:endParaRPr b="0" lang="pt-BR" sz="1600" spc="-1" strike="noStrike">
-              <a:latin typeface="Arial"/>
-            </a:endParaRPr>
-          </a:p>
-          <a:p>
-            <a:pPr lvl="1" marL="432000" indent="-216000">
-              <a:lnSpc>
-                <a:spcPct val="100000"/>
-              </a:lnSpc>
-              <a:spcAft>
-                <a:spcPts val="1140"/>
-              </a:spcAft>
-              <a:buClr>
-                <a:srgbClr val="000000"/>
-              </a:buClr>
-              <a:buSzPct val="45000"/>
-              <a:buFont typeface="Wingdings" charset="2"/>
-              <a:buChar char=""/>
-            </a:pPr>
-            <a:endParaRPr b="0" lang="pt-BR" sz="1600" spc="-1" strike="noStrike">
-              <a:latin typeface="Arial"/>
-            </a:endParaRPr>
-          </a:p>
-          <a:p>
-            <a:pPr lvl="1" marL="432000" indent="-216000">
-              <a:lnSpc>
-                <a:spcPct val="100000"/>
-              </a:lnSpc>
-              <a:spcAft>
-                <a:spcPts val="1140"/>
-              </a:spcAft>
-              <a:buClr>
-                <a:srgbClr val="000000"/>
-              </a:buClr>
-              <a:buSzPct val="45000"/>
-              <a:buFont typeface="Wingdings" charset="2"/>
-              <a:buChar char=""/>
-            </a:pPr>
             <a:endParaRPr b="0" lang="pt-BR" sz="1600" spc="-1" strike="noStrike">
               <a:latin typeface="Arial"/>
             </a:endParaRPr>
@@ -14511,6 +12142,90 @@
               </a:spcAft>
               <a:buNone/>
             </a:pPr>
+            <a:endParaRPr b="0" lang="pt-BR" sz="1600" spc="-1" strike="noStrike">
+              <a:latin typeface="Arial"/>
+            </a:endParaRPr>
+          </a:p>
+          <a:p>
+            <a:pPr>
+              <a:lnSpc>
+                <a:spcPct val="100000"/>
+              </a:lnSpc>
+              <a:spcAft>
+                <a:spcPts val="1140"/>
+              </a:spcAft>
+              <a:buNone/>
+            </a:pPr>
+            <a:endParaRPr b="0" lang="pt-BR" sz="1600" spc="-1" strike="noStrike">
+              <a:latin typeface="Arial"/>
+            </a:endParaRPr>
+          </a:p>
+          <a:p>
+            <a:pPr>
+              <a:lnSpc>
+                <a:spcPct val="100000"/>
+              </a:lnSpc>
+              <a:spcAft>
+                <a:spcPts val="1140"/>
+              </a:spcAft>
+              <a:buNone/>
+            </a:pPr>
+            <a:endParaRPr b="0" lang="pt-BR" sz="1600" spc="-1" strike="noStrike">
+              <a:latin typeface="Arial"/>
+            </a:endParaRPr>
+          </a:p>
+          <a:p>
+            <a:pPr>
+              <a:lnSpc>
+                <a:spcPct val="100000"/>
+              </a:lnSpc>
+              <a:spcAft>
+                <a:spcPts val="1140"/>
+              </a:spcAft>
+              <a:buNone/>
+            </a:pPr>
+            <a:endParaRPr b="0" lang="pt-BR" sz="1600" spc="-1" strike="noStrike">
+              <a:latin typeface="Arial"/>
+            </a:endParaRPr>
+          </a:p>
+          <a:p>
+            <a:pPr>
+              <a:lnSpc>
+                <a:spcPct val="100000"/>
+              </a:lnSpc>
+              <a:spcAft>
+                <a:spcPts val="1140"/>
+              </a:spcAft>
+              <a:buNone/>
+            </a:pPr>
+            <a:endParaRPr b="0" lang="pt-BR" sz="1600" spc="-1" strike="noStrike">
+              <a:latin typeface="Arial"/>
+            </a:endParaRPr>
+          </a:p>
+          <a:p>
+            <a:pPr>
+              <a:lnSpc>
+                <a:spcPct val="100000"/>
+              </a:lnSpc>
+              <a:spcAft>
+                <a:spcPts val="1140"/>
+              </a:spcAft>
+              <a:buNone/>
+            </a:pPr>
+            <a:endParaRPr b="0" lang="pt-BR" sz="1600" spc="-1" strike="noStrike">
+              <a:latin typeface="Arial"/>
+            </a:endParaRPr>
+          </a:p>
+          <a:p>
+            <a:pPr>
+              <a:lnSpc>
+                <a:spcPct val="100000"/>
+              </a:lnSpc>
+              <a:spcAft>
+                <a:spcPts val="1140"/>
+              </a:spcAft>
+              <a:buNone/>
+            </a:pPr>
             <a:endParaRPr b="0" lang="pt-BR" sz="2000" spc="-1" strike="noStrike">
               <a:latin typeface="Arial"/>
             </a:endParaRPr>
@@ -14526,7 +12241,7 @@
         <p:spPr>
           <a:xfrm>
             <a:off x="7608600" y="6814080"/>
-            <a:ext cx="2278440" cy="565200"/>
+            <a:ext cx="2278080" cy="564840"/>
           </a:xfrm>
           <a:prstGeom prst="rect">
             <a:avLst/>
@@ -14603,7 +12318,7 @@
         <p:spPr>
           <a:xfrm>
             <a:off x="5040000" y="2520000"/>
-            <a:ext cx="4219200" cy="2171520"/>
+            <a:ext cx="4218840" cy="2171160"/>
           </a:xfrm>
           <a:prstGeom prst="rect">
             <a:avLst/>
@@ -14652,7 +12367,7 @@
         <p:spPr>
           <a:xfrm>
             <a:off x="360000" y="360000"/>
-            <a:ext cx="9346680" cy="886680"/>
+            <a:ext cx="9346320" cy="886320"/>
           </a:xfrm>
           <a:prstGeom prst="rect">
             <a:avLst/>
@@ -14704,7 +12419,7 @@
         <p:spPr>
           <a:xfrm>
             <a:off x="897120" y="6886080"/>
-            <a:ext cx="6433920" cy="351720"/>
+            <a:ext cx="6433560" cy="351360"/>
           </a:xfrm>
           <a:prstGeom prst="rect">
             <a:avLst/>
@@ -14756,7 +12471,7 @@
         <p:spPr>
           <a:xfrm>
             <a:off x="7608600" y="6886080"/>
-            <a:ext cx="2271960" cy="351720"/>
+            <a:ext cx="2271600" cy="351360"/>
           </a:xfrm>
           <a:prstGeom prst="rect">
             <a:avLst/>
@@ -14782,7 +12497,7 @@
         <p:spPr>
           <a:xfrm>
             <a:off x="342720" y="1529280"/>
-            <a:ext cx="6776280" cy="384480"/>
+            <a:ext cx="6775920" cy="384120"/>
           </a:xfrm>
           <a:prstGeom prst="rect">
             <a:avLst/>
@@ -14808,7 +12523,7 @@
         <p:spPr>
           <a:xfrm>
             <a:off x="360000" y="1728000"/>
-            <a:ext cx="9173160" cy="4673160"/>
+            <a:ext cx="9172800" cy="4672800"/>
           </a:xfrm>
           <a:prstGeom prst="rect">
             <a:avLst/>
@@ -14858,6 +12573,20 @@
             </a:endParaRPr>
           </a:p>
           <a:p>
+            <a:pPr>
+              <a:lnSpc>
+                <a:spcPct val="100000"/>
+              </a:lnSpc>
+              <a:spcAft>
+                <a:spcPts val="1140"/>
+              </a:spcAft>
+              <a:buNone/>
+            </a:pPr>
+            <a:endParaRPr b="0" lang="pt-BR" sz="1600" spc="-1" strike="noStrike">
+              <a:latin typeface="Arial"/>
+            </a:endParaRPr>
+          </a:p>
+          <a:p>
             <a:pPr lvl="1" marL="432000" indent="-216000">
               <a:lnSpc>
                 <a:spcPct val="100000"/>
@@ -14872,6 +12601,16 @@
               <a:buFont typeface="Wingdings" charset="2"/>
               <a:buChar char=""/>
             </a:pPr>
+            <a:r>
+              <a:rPr b="0" lang="pt-BR" sz="1600" spc="-1" strike="noStrike">
+                <a:solidFill>
+                  <a:srgbClr val="1c1c1c"/>
+                </a:solidFill>
+                <a:latin typeface="Latin Modern Sans"/>
+                <a:ea typeface="DejaVu Sans"/>
+              </a:rPr>
+              <a:t>Dados Desbalanceados:</a:t>
+            </a:r>
             <a:endParaRPr b="0" lang="pt-BR" sz="1600" spc="-1" strike="noStrike">
               <a:latin typeface="Arial"/>
             </a:endParaRPr>
@@ -14899,8 +12638,34 @@
                 <a:latin typeface="Latin Modern Sans"/>
                 <a:ea typeface="DejaVu Sans"/>
               </a:rPr>
-              <a:t>Dados Desbalanceados:</a:t>
+              <a:t> </a:t>
             </a:r>
+            <a:r>
+              <a:rPr b="0" lang="pt-BR" sz="1600" spc="-1" strike="noStrike" u="sng">
+                <a:solidFill>
+                  <a:srgbClr val="0000ff"/>
+                </a:solidFill>
+                <a:uFillTx/>
+                <a:latin typeface="Latin Modern Sans"/>
+                <a:ea typeface="DejaVu Sans"/>
+                <a:hlinkClick r:id="rId1"/>
+              </a:rPr>
+              <a:t>Tópico_02_Aprendizado_Supervisionado_Dados_Desbalanceados.ipynb</a:t>
+            </a:r>
+            <a:endParaRPr b="0" lang="pt-BR" sz="1600" spc="-1" strike="noStrike">
+              <a:latin typeface="Arial"/>
+            </a:endParaRPr>
+          </a:p>
+          <a:p>
+            <a:pPr>
+              <a:lnSpc>
+                <a:spcPct val="100000"/>
+              </a:lnSpc>
+              <a:spcAft>
+                <a:spcPts val="1140"/>
+              </a:spcAft>
+              <a:buNone/>
+            </a:pPr>
             <a:endParaRPr b="0" lang="pt-BR" sz="1600" spc="-1" strike="noStrike">
               <a:latin typeface="Arial"/>
             </a:endParaRPr>
@@ -14928,19 +12693,7 @@
                 <a:latin typeface="Latin Modern Sans"/>
                 <a:ea typeface="DejaVu Sans"/>
               </a:rPr>
-              <a:t> </a:t>
-            </a:r>
-            <a:r>
-              <a:rPr b="0" lang="pt-BR" sz="1600" spc="-1" strike="noStrike" u="sng">
-                <a:solidFill>
-                  <a:srgbClr val="729fcf"/>
-                </a:solidFill>
-                <a:uFillTx/>
-                <a:latin typeface="Latin Modern Sans"/>
-                <a:ea typeface="DejaVu Sans"/>
-                <a:hlinkClick r:id="rId1"/>
-              </a:rPr>
-              <a:t>Tópico_02_Aprendizado_Supervisionado_Dados_Desbalanceados.ipynb</a:t>
+              <a:t>Tratando Dados Desbalanceados:</a:t>
             </a:r>
             <a:endParaRPr b="0" lang="pt-BR" sz="1600" spc="-1" strike="noStrike">
               <a:latin typeface="Arial"/>
@@ -14961,58 +12714,10 @@
               <a:buFont typeface="Wingdings" charset="2"/>
               <a:buChar char=""/>
             </a:pPr>
-            <a:endParaRPr b="0" lang="pt-BR" sz="1600" spc="-1" strike="noStrike">
-              <a:latin typeface="Arial"/>
-            </a:endParaRPr>
-          </a:p>
-          <a:p>
-            <a:pPr lvl="1" marL="432000" indent="-216000">
-              <a:lnSpc>
-                <a:spcPct val="100000"/>
-              </a:lnSpc>
-              <a:spcAft>
-                <a:spcPts val="1140"/>
-              </a:spcAft>
-              <a:buClr>
-                <a:srgbClr val="000000"/>
-              </a:buClr>
-              <a:buSzPct val="45000"/>
-              <a:buFont typeface="Wingdings" charset="2"/>
-              <a:buChar char=""/>
-            </a:pPr>
-            <a:r>
-              <a:rPr b="0" lang="pt-BR" sz="1600" spc="-1" strike="noStrike">
-                <a:solidFill>
-                  <a:srgbClr val="1c1c1c"/>
-                </a:solidFill>
-                <a:latin typeface="Latin Modern Sans"/>
-                <a:ea typeface="DejaVu Sans"/>
-              </a:rPr>
-              <a:t>Tratando Dados Desbalanceados:</a:t>
-            </a:r>
-            <a:endParaRPr b="0" lang="pt-BR" sz="1600" spc="-1" strike="noStrike">
-              <a:latin typeface="Arial"/>
-            </a:endParaRPr>
-          </a:p>
-          <a:p>
-            <a:pPr lvl="1" marL="432000" indent="-216000">
-              <a:lnSpc>
-                <a:spcPct val="100000"/>
-              </a:lnSpc>
-              <a:spcAft>
-                <a:spcPts val="1140"/>
-              </a:spcAft>
-              <a:buClr>
-                <a:srgbClr val="000000"/>
-              </a:buClr>
-              <a:buSzPct val="45000"/>
-              <a:buFont typeface="Wingdings" charset="2"/>
-              <a:buChar char=""/>
-            </a:pPr>
             <a:r>
               <a:rPr b="0" lang="pt-BR" sz="1600" spc="-1" strike="noStrike" u="sng">
                 <a:solidFill>
-                  <a:srgbClr val="729fcf"/>
+                  <a:srgbClr val="0000ff"/>
                 </a:solidFill>
                 <a:uFillTx/>
                 <a:latin typeface="Latin Modern Sans"/>
@@ -15026,139 +12731,6 @@
             </a:endParaRPr>
           </a:p>
           <a:p>
-            <a:pPr lvl="1" marL="432000" indent="-216000">
-              <a:lnSpc>
-                <a:spcPct val="100000"/>
-              </a:lnSpc>
-              <a:spcAft>
-                <a:spcPts val="1140"/>
-              </a:spcAft>
-              <a:buClr>
-                <a:srgbClr val="000000"/>
-              </a:buClr>
-              <a:buSzPct val="45000"/>
-              <a:buFont typeface="Wingdings" charset="2"/>
-              <a:buChar char=""/>
-            </a:pPr>
-            <a:endParaRPr b="0" lang="pt-BR" sz="1600" spc="-1" strike="noStrike">
-              <a:latin typeface="Arial"/>
-            </a:endParaRPr>
-          </a:p>
-          <a:p>
-            <a:pPr lvl="2" marL="648000" indent="-216000">
-              <a:lnSpc>
-                <a:spcPct val="100000"/>
-              </a:lnSpc>
-              <a:spcAft>
-                <a:spcPts val="1140"/>
-              </a:spcAft>
-              <a:buClr>
-                <a:srgbClr val="000000"/>
-              </a:buClr>
-              <a:buSzPct val="45000"/>
-              <a:buFont typeface="Wingdings" charset="2"/>
-              <a:buChar char=""/>
-            </a:pPr>
-            <a:endParaRPr b="0" lang="pt-BR" sz="1600" spc="-1" strike="noStrike">
-              <a:latin typeface="Arial"/>
-            </a:endParaRPr>
-          </a:p>
-          <a:p>
-            <a:pPr marL="216000" indent="-212400">
-              <a:lnSpc>
-                <a:spcPct val="100000"/>
-              </a:lnSpc>
-              <a:spcAft>
-                <a:spcPts val="1140"/>
-              </a:spcAft>
-              <a:buClr>
-                <a:srgbClr val="000000"/>
-              </a:buClr>
-              <a:buSzPct val="45000"/>
-              <a:buFont typeface="Wingdings" charset="2"/>
-              <a:buChar char=""/>
-            </a:pPr>
-            <a:endParaRPr b="0" lang="pt-BR" sz="1600" spc="-1" strike="noStrike">
-              <a:latin typeface="Arial"/>
-            </a:endParaRPr>
-          </a:p>
-          <a:p>
-            <a:pPr lvl="1" marL="432000" indent="-216000">
-              <a:lnSpc>
-                <a:spcPct val="100000"/>
-              </a:lnSpc>
-              <a:spcAft>
-                <a:spcPts val="1140"/>
-              </a:spcAft>
-              <a:buClr>
-                <a:srgbClr val="000000"/>
-              </a:buClr>
-              <a:buSzPct val="45000"/>
-              <a:buFont typeface="Wingdings" charset="2"/>
-              <a:buChar char=""/>
-            </a:pPr>
-            <a:endParaRPr b="0" lang="pt-BR" sz="1600" spc="-1" strike="noStrike">
-              <a:latin typeface="Arial"/>
-            </a:endParaRPr>
-          </a:p>
-          <a:p>
-            <a:pPr lvl="1" marL="432000" indent="-216000">
-              <a:lnSpc>
-                <a:spcPct val="100000"/>
-              </a:lnSpc>
-              <a:spcAft>
-                <a:spcPts val="1140"/>
-              </a:spcAft>
-              <a:buClr>
-                <a:srgbClr val="000000"/>
-              </a:buClr>
-              <a:buSzPct val="45000"/>
-              <a:buFont typeface="Wingdings" charset="2"/>
-              <a:buChar char=""/>
-            </a:pPr>
-            <a:endParaRPr b="0" lang="pt-BR" sz="1600" spc="-1" strike="noStrike">
-              <a:latin typeface="Arial"/>
-            </a:endParaRPr>
-          </a:p>
-          <a:p>
-            <a:pPr lvl="1" marL="432000" indent="-216000">
-              <a:lnSpc>
-                <a:spcPct val="100000"/>
-              </a:lnSpc>
-              <a:spcAft>
-                <a:spcPts val="1140"/>
-              </a:spcAft>
-              <a:buClr>
-                <a:srgbClr val="000000"/>
-              </a:buClr>
-              <a:buSzPct val="45000"/>
-              <a:buFont typeface="Wingdings" charset="2"/>
-              <a:buChar char=""/>
-            </a:pPr>
-            <a:endParaRPr b="0" lang="pt-BR" sz="1600" spc="-1" strike="noStrike">
-              <a:latin typeface="Arial"/>
-            </a:endParaRPr>
-          </a:p>
-          <a:p>
-            <a:pPr lvl="1" marL="432000" indent="-216000">
-              <a:lnSpc>
-                <a:spcPct val="100000"/>
-              </a:lnSpc>
-              <a:spcAft>
-                <a:spcPts val="1140"/>
-              </a:spcAft>
-              <a:buClr>
-                <a:srgbClr val="000000"/>
-              </a:buClr>
-              <a:buSzPct val="45000"/>
-              <a:buFont typeface="Wingdings" charset="2"/>
-              <a:buChar char=""/>
-            </a:pPr>
-            <a:endParaRPr b="0" lang="pt-BR" sz="1600" spc="-1" strike="noStrike">
-              <a:latin typeface="Arial"/>
-            </a:endParaRPr>
-          </a:p>
-          <a:p>
             <a:pPr>
               <a:lnSpc>
                 <a:spcPct val="100000"/>
@@ -15168,6 +12740,104 @@
               </a:spcAft>
               <a:buNone/>
             </a:pPr>
+            <a:endParaRPr b="0" lang="pt-BR" sz="1600" spc="-1" strike="noStrike">
+              <a:latin typeface="Arial"/>
+            </a:endParaRPr>
+          </a:p>
+          <a:p>
+            <a:pPr>
+              <a:lnSpc>
+                <a:spcPct val="100000"/>
+              </a:lnSpc>
+              <a:spcAft>
+                <a:spcPts val="1140"/>
+              </a:spcAft>
+              <a:buNone/>
+            </a:pPr>
+            <a:endParaRPr b="0" lang="pt-BR" sz="1600" spc="-1" strike="noStrike">
+              <a:latin typeface="Arial"/>
+            </a:endParaRPr>
+          </a:p>
+          <a:p>
+            <a:pPr>
+              <a:lnSpc>
+                <a:spcPct val="100000"/>
+              </a:lnSpc>
+              <a:spcAft>
+                <a:spcPts val="1140"/>
+              </a:spcAft>
+              <a:buNone/>
+            </a:pPr>
+            <a:endParaRPr b="0" lang="pt-BR" sz="1600" spc="-1" strike="noStrike">
+              <a:latin typeface="Arial"/>
+            </a:endParaRPr>
+          </a:p>
+          <a:p>
+            <a:pPr>
+              <a:lnSpc>
+                <a:spcPct val="100000"/>
+              </a:lnSpc>
+              <a:spcAft>
+                <a:spcPts val="1140"/>
+              </a:spcAft>
+              <a:buNone/>
+            </a:pPr>
+            <a:endParaRPr b="0" lang="pt-BR" sz="1600" spc="-1" strike="noStrike">
+              <a:latin typeface="Arial"/>
+            </a:endParaRPr>
+          </a:p>
+          <a:p>
+            <a:pPr>
+              <a:lnSpc>
+                <a:spcPct val="100000"/>
+              </a:lnSpc>
+              <a:spcAft>
+                <a:spcPts val="1140"/>
+              </a:spcAft>
+              <a:buNone/>
+            </a:pPr>
+            <a:endParaRPr b="0" lang="pt-BR" sz="1600" spc="-1" strike="noStrike">
+              <a:latin typeface="Arial"/>
+            </a:endParaRPr>
+          </a:p>
+          <a:p>
+            <a:pPr>
+              <a:lnSpc>
+                <a:spcPct val="100000"/>
+              </a:lnSpc>
+              <a:spcAft>
+                <a:spcPts val="1140"/>
+              </a:spcAft>
+              <a:buNone/>
+            </a:pPr>
+            <a:endParaRPr b="0" lang="pt-BR" sz="1600" spc="-1" strike="noStrike">
+              <a:latin typeface="Arial"/>
+            </a:endParaRPr>
+          </a:p>
+          <a:p>
+            <a:pPr>
+              <a:lnSpc>
+                <a:spcPct val="100000"/>
+              </a:lnSpc>
+              <a:spcAft>
+                <a:spcPts val="1140"/>
+              </a:spcAft>
+              <a:buNone/>
+            </a:pPr>
+            <a:endParaRPr b="0" lang="pt-BR" sz="1600" spc="-1" strike="noStrike">
+              <a:latin typeface="Arial"/>
+            </a:endParaRPr>
+          </a:p>
+          <a:p>
+            <a:pPr>
+              <a:lnSpc>
+                <a:spcPct val="100000"/>
+              </a:lnSpc>
+              <a:spcAft>
+                <a:spcPts val="1140"/>
+              </a:spcAft>
+              <a:buNone/>
+            </a:pPr>
             <a:endParaRPr b="0" lang="pt-BR" sz="2000" spc="-1" strike="noStrike">
               <a:latin typeface="Arial"/>
             </a:endParaRPr>
@@ -15183,7 +12853,7 @@
         <p:spPr>
           <a:xfrm>
             <a:off x="7608600" y="6814080"/>
-            <a:ext cx="2278440" cy="565200"/>
+            <a:ext cx="2278080" cy="564840"/>
           </a:xfrm>
           <a:prstGeom prst="rect">
             <a:avLst/>
@@ -15286,7 +12956,7 @@
         <p:spPr>
           <a:xfrm>
             <a:off x="360000" y="360000"/>
-            <a:ext cx="9346680" cy="886680"/>
+            <a:ext cx="9346320" cy="886320"/>
           </a:xfrm>
           <a:prstGeom prst="rect">
             <a:avLst/>
@@ -15338,7 +13008,7 @@
         <p:spPr>
           <a:xfrm>
             <a:off x="897120" y="6886080"/>
-            <a:ext cx="6433920" cy="351720"/>
+            <a:ext cx="6433560" cy="351360"/>
           </a:xfrm>
           <a:prstGeom prst="rect">
             <a:avLst/>
@@ -15390,7 +13060,7 @@
         <p:spPr>
           <a:xfrm>
             <a:off x="7608600" y="6886080"/>
-            <a:ext cx="2271960" cy="351720"/>
+            <a:ext cx="2271600" cy="351360"/>
           </a:xfrm>
           <a:prstGeom prst="rect">
             <a:avLst/>
@@ -15416,7 +13086,7 @@
         <p:spPr>
           <a:xfrm>
             <a:off x="342720" y="1529280"/>
-            <a:ext cx="6776280" cy="384480"/>
+            <a:ext cx="6775920" cy="384120"/>
           </a:xfrm>
           <a:prstGeom prst="rect">
             <a:avLst/>
@@ -15442,7 +13112,7 @@
         <p:spPr>
           <a:xfrm>
             <a:off x="360000" y="1728000"/>
-            <a:ext cx="9173160" cy="4673160"/>
+            <a:ext cx="9172800" cy="4672800"/>
           </a:xfrm>
           <a:prstGeom prst="rect">
             <a:avLst/>
@@ -15521,6 +13191,20 @@
             </a:endParaRPr>
           </a:p>
           <a:p>
+            <a:pPr>
+              <a:lnSpc>
+                <a:spcPct val="100000"/>
+              </a:lnSpc>
+              <a:spcAft>
+                <a:spcPts val="1140"/>
+              </a:spcAft>
+              <a:buNone/>
+            </a:pPr>
+            <a:endParaRPr b="0" lang="pt-BR" sz="1600" spc="-1" strike="noStrike">
+              <a:latin typeface="Arial"/>
+            </a:endParaRPr>
+          </a:p>
+          <a:p>
             <a:pPr marL="216000" indent="-212400">
               <a:lnSpc>
                 <a:spcPct val="100000"/>
@@ -15535,6 +13219,88 @@
               <a:buFont typeface="Wingdings" charset="2"/>
               <a:buChar char=""/>
             </a:pPr>
+            <a:r>
+              <a:rPr b="0" lang="pt-BR" sz="1600" spc="-1" strike="noStrike">
+                <a:solidFill>
+                  <a:srgbClr val="1c1c1c"/>
+                </a:solidFill>
+                <a:latin typeface="Latin Modern Sans"/>
+                <a:ea typeface="DejaVu Sans"/>
+              </a:rPr>
+              <a:t>Balancear os dados é uma saída, porém</a:t>
+            </a:r>
+            <a:endParaRPr b="0" lang="pt-BR" sz="1600" spc="-1" strike="noStrike">
+              <a:latin typeface="Arial"/>
+            </a:endParaRPr>
+          </a:p>
+          <a:p>
+            <a:pPr lvl="1" marL="432000" indent="-216000">
+              <a:lnSpc>
+                <a:spcPct val="100000"/>
+              </a:lnSpc>
+              <a:spcAft>
+                <a:spcPts val="1140"/>
+              </a:spcAft>
+              <a:buClr>
+                <a:srgbClr val="000000"/>
+              </a:buClr>
+              <a:buSzPct val="45000"/>
+              <a:buFont typeface="Wingdings" charset="2"/>
+              <a:buChar char=""/>
+            </a:pPr>
+            <a:r>
+              <a:rPr b="0" lang="pt-BR" sz="1600" spc="-1" strike="noStrike">
+                <a:solidFill>
+                  <a:srgbClr val="1c1c1c"/>
+                </a:solidFill>
+                <a:latin typeface="Latin Modern Sans"/>
+                <a:ea typeface="DejaVu Sans"/>
+              </a:rPr>
+              <a:t>Undersampling: Pode gerar poucas amostras e baixa representação</a:t>
+            </a:r>
+            <a:endParaRPr b="0" lang="pt-BR" sz="1600" spc="-1" strike="noStrike">
+              <a:latin typeface="Arial"/>
+            </a:endParaRPr>
+          </a:p>
+          <a:p>
+            <a:pPr lvl="1" marL="432000" indent="-216000">
+              <a:lnSpc>
+                <a:spcPct val="100000"/>
+              </a:lnSpc>
+              <a:spcAft>
+                <a:spcPts val="1140"/>
+              </a:spcAft>
+              <a:buClr>
+                <a:srgbClr val="000000"/>
+              </a:buClr>
+              <a:buSzPct val="45000"/>
+              <a:buFont typeface="Wingdings" charset="2"/>
+              <a:buChar char=""/>
+            </a:pPr>
+            <a:r>
+              <a:rPr b="0" lang="pt-BR" sz="1600" spc="-1" strike="noStrike">
+                <a:solidFill>
+                  <a:srgbClr val="1c1c1c"/>
+                </a:solidFill>
+                <a:latin typeface="Latin Modern Sans"/>
+                <a:ea typeface="DejaVu Sans"/>
+              </a:rPr>
+              <a:t>Oversampling: Pode não aumentar a representatividade</a:t>
+            </a:r>
+            <a:endParaRPr b="0" lang="pt-BR" sz="1600" spc="-1" strike="noStrike">
+              <a:latin typeface="Arial"/>
+            </a:endParaRPr>
+          </a:p>
+          <a:p>
+            <a:pPr>
+              <a:lnSpc>
+                <a:spcPct val="100000"/>
+              </a:lnSpc>
+              <a:spcAft>
+                <a:spcPts val="1140"/>
+              </a:spcAft>
+              <a:buNone/>
+            </a:pPr>
             <a:endParaRPr b="0" lang="pt-BR" sz="1600" spc="-1" strike="noStrike">
               <a:latin typeface="Arial"/>
             </a:endParaRPr>
@@ -15562,7 +13328,7 @@
                 <a:latin typeface="Latin Modern Sans"/>
                 <a:ea typeface="DejaVu Sans"/>
               </a:rPr>
-              <a:t>Balancear os dados é uma saída, porém</a:t>
+              <a:t>Análise crítica é essencial</a:t>
             </a:r>
             <a:endParaRPr b="0" lang="pt-BR" sz="1600" spc="-1" strike="noStrike">
               <a:latin typeface="Arial"/>
@@ -15591,7 +13357,7 @@
                 <a:latin typeface="Latin Modern Sans"/>
                 <a:ea typeface="DejaVu Sans"/>
               </a:rPr>
-              <a:t>Undersampling: Pode gerar poucas amostras e baixa representação</a:t>
+              <a:t>Sensibilidade do modelo</a:t>
             </a:r>
             <a:endParaRPr b="0" lang="pt-BR" sz="1600" spc="-1" strike="noStrike">
               <a:latin typeface="Arial"/>
@@ -15620,247 +13386,8 @@
                 <a:latin typeface="Latin Modern Sans"/>
                 <a:ea typeface="DejaVu Sans"/>
               </a:rPr>
-              <a:t>Oversampling: Pode não aumentar a representatividade</a:t>
-            </a:r>
-            <a:endParaRPr b="0" lang="pt-BR" sz="1600" spc="-1" strike="noStrike">
-              <a:latin typeface="Arial"/>
-            </a:endParaRPr>
-          </a:p>
-          <a:p>
-            <a:pPr lvl="1" marL="432000" indent="-216000">
-              <a:lnSpc>
-                <a:spcPct val="100000"/>
-              </a:lnSpc>
-              <a:spcAft>
-                <a:spcPts val="1140"/>
-              </a:spcAft>
-              <a:buClr>
-                <a:srgbClr val="000000"/>
-              </a:buClr>
-              <a:buSzPct val="45000"/>
-              <a:buFont typeface="Wingdings" charset="2"/>
-              <a:buChar char=""/>
-            </a:pPr>
-            <a:endParaRPr b="0" lang="pt-BR" sz="1600" spc="-1" strike="noStrike">
-              <a:latin typeface="Arial"/>
-            </a:endParaRPr>
-          </a:p>
-          <a:p>
-            <a:pPr marL="216000" indent="-212400">
-              <a:lnSpc>
-                <a:spcPct val="100000"/>
-              </a:lnSpc>
-              <a:spcAft>
-                <a:spcPts val="1140"/>
-              </a:spcAft>
-              <a:buClr>
-                <a:srgbClr val="000000"/>
-              </a:buClr>
-              <a:buSzPct val="45000"/>
-              <a:buFont typeface="Wingdings" charset="2"/>
-              <a:buChar char=""/>
-            </a:pPr>
-            <a:r>
-              <a:rPr b="0" lang="pt-BR" sz="1600" spc="-1" strike="noStrike">
-                <a:solidFill>
-                  <a:srgbClr val="1c1c1c"/>
-                </a:solidFill>
-                <a:latin typeface="Latin Modern Sans"/>
-                <a:ea typeface="DejaVu Sans"/>
-              </a:rPr>
-              <a:t>Análise crítica é essencial</a:t>
-            </a:r>
-            <a:endParaRPr b="0" lang="pt-BR" sz="1600" spc="-1" strike="noStrike">
-              <a:latin typeface="Arial"/>
-            </a:endParaRPr>
-          </a:p>
-          <a:p>
-            <a:pPr lvl="1" marL="432000" indent="-216000">
-              <a:lnSpc>
-                <a:spcPct val="100000"/>
-              </a:lnSpc>
-              <a:spcAft>
-                <a:spcPts val="1140"/>
-              </a:spcAft>
-              <a:buClr>
-                <a:srgbClr val="000000"/>
-              </a:buClr>
-              <a:buSzPct val="45000"/>
-              <a:buFont typeface="Wingdings" charset="2"/>
-              <a:buChar char=""/>
-            </a:pPr>
-            <a:r>
-              <a:rPr b="0" lang="pt-BR" sz="1600" spc="-1" strike="noStrike">
-                <a:solidFill>
-                  <a:srgbClr val="1c1c1c"/>
-                </a:solidFill>
-                <a:latin typeface="Latin Modern Sans"/>
-                <a:ea typeface="DejaVu Sans"/>
-              </a:rPr>
-              <a:t>Sensibilidade do modelo</a:t>
-            </a:r>
-            <a:endParaRPr b="0" lang="pt-BR" sz="1600" spc="-1" strike="noStrike">
-              <a:latin typeface="Arial"/>
-            </a:endParaRPr>
-          </a:p>
-          <a:p>
-            <a:pPr lvl="1" marL="432000" indent="-216000">
-              <a:lnSpc>
-                <a:spcPct val="100000"/>
-              </a:lnSpc>
-              <a:spcAft>
-                <a:spcPts val="1140"/>
-              </a:spcAft>
-              <a:buClr>
-                <a:srgbClr val="000000"/>
-              </a:buClr>
-              <a:buSzPct val="45000"/>
-              <a:buFont typeface="Wingdings" charset="2"/>
-              <a:buChar char=""/>
-            </a:pPr>
-            <a:r>
-              <a:rPr b="0" lang="pt-BR" sz="1600" spc="-1" strike="noStrike">
-                <a:solidFill>
-                  <a:srgbClr val="1c1c1c"/>
-                </a:solidFill>
-                <a:latin typeface="Latin Modern Sans"/>
-                <a:ea typeface="DejaVu Sans"/>
-              </a:rPr>
               <a:t>Treino / Test</a:t>
             </a:r>
-            <a:endParaRPr b="0" lang="pt-BR" sz="1600" spc="-1" strike="noStrike">
-              <a:latin typeface="Arial"/>
-            </a:endParaRPr>
-          </a:p>
-          <a:p>
-            <a:pPr marL="216000" indent="-212400">
-              <a:lnSpc>
-                <a:spcPct val="100000"/>
-              </a:lnSpc>
-              <a:spcAft>
-                <a:spcPts val="1140"/>
-              </a:spcAft>
-              <a:buClr>
-                <a:srgbClr val="000000"/>
-              </a:buClr>
-              <a:buSzPct val="45000"/>
-              <a:buFont typeface="Wingdings" charset="2"/>
-              <a:buChar char=""/>
-            </a:pPr>
-            <a:endParaRPr b="0" lang="pt-BR" sz="1600" spc="-1" strike="noStrike">
-              <a:latin typeface="Arial"/>
-            </a:endParaRPr>
-          </a:p>
-          <a:p>
-            <a:pPr lvl="2" marL="648000" indent="-216000">
-              <a:lnSpc>
-                <a:spcPct val="100000"/>
-              </a:lnSpc>
-              <a:spcAft>
-                <a:spcPts val="1140"/>
-              </a:spcAft>
-              <a:buClr>
-                <a:srgbClr val="000000"/>
-              </a:buClr>
-              <a:buSzPct val="45000"/>
-              <a:buFont typeface="Wingdings" charset="2"/>
-              <a:buChar char=""/>
-            </a:pPr>
-            <a:endParaRPr b="0" lang="pt-BR" sz="1600" spc="-1" strike="noStrike">
-              <a:latin typeface="Arial"/>
-            </a:endParaRPr>
-          </a:p>
-          <a:p>
-            <a:pPr marL="216000" indent="-212400">
-              <a:lnSpc>
-                <a:spcPct val="100000"/>
-              </a:lnSpc>
-              <a:spcAft>
-                <a:spcPts val="1140"/>
-              </a:spcAft>
-              <a:buClr>
-                <a:srgbClr val="000000"/>
-              </a:buClr>
-              <a:buSzPct val="45000"/>
-              <a:buFont typeface="Wingdings" charset="2"/>
-              <a:buChar char=""/>
-            </a:pPr>
-            <a:endParaRPr b="0" lang="pt-BR" sz="1600" spc="-1" strike="noStrike">
-              <a:latin typeface="Arial"/>
-            </a:endParaRPr>
-          </a:p>
-          <a:p>
-            <a:pPr lvl="1" marL="432000" indent="-216000">
-              <a:lnSpc>
-                <a:spcPct val="100000"/>
-              </a:lnSpc>
-              <a:spcAft>
-                <a:spcPts val="1140"/>
-              </a:spcAft>
-              <a:buClr>
-                <a:srgbClr val="000000"/>
-              </a:buClr>
-              <a:buSzPct val="45000"/>
-              <a:buFont typeface="Wingdings" charset="2"/>
-              <a:buChar char=""/>
-            </a:pPr>
-            <a:endParaRPr b="0" lang="pt-BR" sz="1600" spc="-1" strike="noStrike">
-              <a:latin typeface="Arial"/>
-            </a:endParaRPr>
-          </a:p>
-          <a:p>
-            <a:pPr lvl="1" marL="432000" indent="-216000">
-              <a:lnSpc>
-                <a:spcPct val="100000"/>
-              </a:lnSpc>
-              <a:spcAft>
-                <a:spcPts val="1140"/>
-              </a:spcAft>
-              <a:buClr>
-                <a:srgbClr val="000000"/>
-              </a:buClr>
-              <a:buSzPct val="45000"/>
-              <a:buFont typeface="Wingdings" charset="2"/>
-              <a:buChar char=""/>
-            </a:pPr>
-            <a:endParaRPr b="0" lang="pt-BR" sz="1600" spc="-1" strike="noStrike">
-              <a:latin typeface="Arial"/>
-            </a:endParaRPr>
-          </a:p>
-          <a:p>
-            <a:pPr lvl="1" marL="432000" indent="-216000">
-              <a:lnSpc>
-                <a:spcPct val="100000"/>
-              </a:lnSpc>
-              <a:spcAft>
-                <a:spcPts val="1140"/>
-              </a:spcAft>
-              <a:buClr>
-                <a:srgbClr val="000000"/>
-              </a:buClr>
-              <a:buSzPct val="45000"/>
-              <a:buFont typeface="Wingdings" charset="2"/>
-              <a:buChar char=""/>
-            </a:pPr>
-            <a:endParaRPr b="0" lang="pt-BR" sz="1600" spc="-1" strike="noStrike">
-              <a:latin typeface="Arial"/>
-            </a:endParaRPr>
-          </a:p>
-          <a:p>
-            <a:pPr lvl="1" marL="432000" indent="-216000">
-              <a:lnSpc>
-                <a:spcPct val="100000"/>
-              </a:lnSpc>
-              <a:spcAft>
-                <a:spcPts val="1140"/>
-              </a:spcAft>
-              <a:buClr>
-                <a:srgbClr val="000000"/>
-              </a:buClr>
-              <a:buSzPct val="45000"/>
-              <a:buFont typeface="Wingdings" charset="2"/>
-              <a:buChar char=""/>
-            </a:pPr>
             <a:endParaRPr b="0" lang="pt-BR" sz="1600" spc="-1" strike="noStrike">
               <a:latin typeface="Arial"/>
             </a:endParaRPr>
@@ -15875,6 +13402,104 @@
               </a:spcAft>
               <a:buNone/>
             </a:pPr>
+            <a:endParaRPr b="0" lang="pt-BR" sz="1600" spc="-1" strike="noStrike">
+              <a:latin typeface="Arial"/>
+            </a:endParaRPr>
+          </a:p>
+          <a:p>
+            <a:pPr>
+              <a:lnSpc>
+                <a:spcPct val="100000"/>
+              </a:lnSpc>
+              <a:spcAft>
+                <a:spcPts val="1140"/>
+              </a:spcAft>
+              <a:buNone/>
+            </a:pPr>
+            <a:endParaRPr b="0" lang="pt-BR" sz="1600" spc="-1" strike="noStrike">
+              <a:latin typeface="Arial"/>
+            </a:endParaRPr>
+          </a:p>
+          <a:p>
+            <a:pPr>
+              <a:lnSpc>
+                <a:spcPct val="100000"/>
+              </a:lnSpc>
+              <a:spcAft>
+                <a:spcPts val="1140"/>
+              </a:spcAft>
+              <a:buNone/>
+            </a:pPr>
+            <a:endParaRPr b="0" lang="pt-BR" sz="1600" spc="-1" strike="noStrike">
+              <a:latin typeface="Arial"/>
+            </a:endParaRPr>
+          </a:p>
+          <a:p>
+            <a:pPr>
+              <a:lnSpc>
+                <a:spcPct val="100000"/>
+              </a:lnSpc>
+              <a:spcAft>
+                <a:spcPts val="1140"/>
+              </a:spcAft>
+              <a:buNone/>
+            </a:pPr>
+            <a:endParaRPr b="0" lang="pt-BR" sz="1600" spc="-1" strike="noStrike">
+              <a:latin typeface="Arial"/>
+            </a:endParaRPr>
+          </a:p>
+          <a:p>
+            <a:pPr>
+              <a:lnSpc>
+                <a:spcPct val="100000"/>
+              </a:lnSpc>
+              <a:spcAft>
+                <a:spcPts val="1140"/>
+              </a:spcAft>
+              <a:buNone/>
+            </a:pPr>
+            <a:endParaRPr b="0" lang="pt-BR" sz="1600" spc="-1" strike="noStrike">
+              <a:latin typeface="Arial"/>
+            </a:endParaRPr>
+          </a:p>
+          <a:p>
+            <a:pPr>
+              <a:lnSpc>
+                <a:spcPct val="100000"/>
+              </a:lnSpc>
+              <a:spcAft>
+                <a:spcPts val="1140"/>
+              </a:spcAft>
+              <a:buNone/>
+            </a:pPr>
+            <a:endParaRPr b="0" lang="pt-BR" sz="1600" spc="-1" strike="noStrike">
+              <a:latin typeface="Arial"/>
+            </a:endParaRPr>
+          </a:p>
+          <a:p>
+            <a:pPr>
+              <a:lnSpc>
+                <a:spcPct val="100000"/>
+              </a:lnSpc>
+              <a:spcAft>
+                <a:spcPts val="1140"/>
+              </a:spcAft>
+              <a:buNone/>
+            </a:pPr>
+            <a:endParaRPr b="0" lang="pt-BR" sz="1600" spc="-1" strike="noStrike">
+              <a:latin typeface="Arial"/>
+            </a:endParaRPr>
+          </a:p>
+          <a:p>
+            <a:pPr>
+              <a:lnSpc>
+                <a:spcPct val="100000"/>
+              </a:lnSpc>
+              <a:spcAft>
+                <a:spcPts val="1140"/>
+              </a:spcAft>
+              <a:buNone/>
+            </a:pPr>
             <a:endParaRPr b="0" lang="pt-BR" sz="2000" spc="-1" strike="noStrike">
               <a:latin typeface="Arial"/>
             </a:endParaRPr>
@@ -15890,7 +13515,7 @@
         <p:spPr>
           <a:xfrm>
             <a:off x="7608600" y="6814080"/>
-            <a:ext cx="2278440" cy="565200"/>
+            <a:ext cx="2278080" cy="564840"/>
           </a:xfrm>
           <a:prstGeom prst="rect">
             <a:avLst/>
@@ -15967,7 +13592,7 @@
         <p:spPr>
           <a:xfrm>
             <a:off x="7261560" y="3780000"/>
-            <a:ext cx="2098440" cy="1080000"/>
+            <a:ext cx="2098080" cy="1079640"/>
           </a:xfrm>
           <a:prstGeom prst="rect">
             <a:avLst/>
@@ -16016,7 +13641,7 @@
         <p:spPr>
           <a:xfrm>
             <a:off x="360000" y="360000"/>
-            <a:ext cx="9353160" cy="893160"/>
+            <a:ext cx="9352800" cy="892800"/>
           </a:xfrm>
           <a:prstGeom prst="rect">
             <a:avLst/>
@@ -16068,7 +13693,7 @@
         <p:spPr>
           <a:xfrm>
             <a:off x="360000" y="1980000"/>
-            <a:ext cx="9173160" cy="4673160"/>
+            <a:ext cx="9172800" cy="4672800"/>
           </a:xfrm>
           <a:prstGeom prst="rect">
             <a:avLst/>
@@ -16243,7 +13868,7 @@
         <p:spPr>
           <a:xfrm>
             <a:off x="897120" y="6886080"/>
-            <a:ext cx="6440400" cy="358200"/>
+            <a:ext cx="6440040" cy="357840"/>
           </a:xfrm>
           <a:prstGeom prst="rect">
             <a:avLst/>
@@ -16295,7 +13920,7 @@
         <p:spPr>
           <a:xfrm>
             <a:off x="7608600" y="6814080"/>
-            <a:ext cx="2278440" cy="565200"/>
+            <a:ext cx="2278080" cy="564840"/>
           </a:xfrm>
           <a:prstGeom prst="rect">
             <a:avLst/>
@@ -16372,7 +13997,7 @@
         <p:spPr>
           <a:xfrm>
             <a:off x="2045520" y="3960000"/>
-            <a:ext cx="6131880" cy="1854720"/>
+            <a:ext cx="6131520" cy="1854360"/>
           </a:xfrm>
           <a:prstGeom prst="rect">
             <a:avLst/>
@@ -16391,7 +14016,7 @@
         <p:spPr>
           <a:xfrm>
             <a:off x="2016360" y="5508360"/>
-            <a:ext cx="322920" cy="267840"/>
+            <a:ext cx="322560" cy="267480"/>
           </a:xfrm>
           <a:prstGeom prst="ellipse">
             <a:avLst/>
@@ -16421,7 +14046,7 @@
         <p:spPr>
           <a:xfrm>
             <a:off x="2484000" y="5510880"/>
-            <a:ext cx="322920" cy="267840"/>
+            <a:ext cx="322560" cy="267480"/>
           </a:xfrm>
           <a:prstGeom prst="ellipse">
             <a:avLst/>
@@ -16451,7 +14076,7 @@
         <p:spPr>
           <a:xfrm>
             <a:off x="2988000" y="5510520"/>
-            <a:ext cx="322920" cy="267840"/>
+            <a:ext cx="322560" cy="267480"/>
           </a:xfrm>
           <a:prstGeom prst="ellipse">
             <a:avLst/>
@@ -16508,7 +14133,7 @@
         <p:spPr>
           <a:xfrm>
             <a:off x="3240000" y="3780000"/>
-            <a:ext cx="1317960" cy="559080"/>
+            <a:ext cx="1317600" cy="558720"/>
           </a:xfrm>
           <a:prstGeom prst="rect">
             <a:avLst/>
@@ -16590,7 +14215,7 @@
         <p:spPr>
           <a:xfrm>
             <a:off x="360000" y="360000"/>
-            <a:ext cx="9353160" cy="893160"/>
+            <a:ext cx="9352800" cy="892800"/>
           </a:xfrm>
           <a:prstGeom prst="rect">
             <a:avLst/>
@@ -16642,7 +14267,7 @@
         <p:spPr>
           <a:xfrm>
             <a:off x="360000" y="1980000"/>
-            <a:ext cx="9173160" cy="4673160"/>
+            <a:ext cx="9172800" cy="4672800"/>
           </a:xfrm>
           <a:prstGeom prst="rect">
             <a:avLst/>
@@ -16721,6 +14346,20 @@
             </a:endParaRPr>
           </a:p>
           <a:p>
+            <a:pPr>
+              <a:lnSpc>
+                <a:spcPct val="100000"/>
+              </a:lnSpc>
+              <a:spcAft>
+                <a:spcPts val="1140"/>
+              </a:spcAft>
+              <a:buNone/>
+            </a:pPr>
+            <a:endParaRPr b="0" lang="pt-BR" sz="1600" spc="-1" strike="noStrike">
+              <a:latin typeface="Arial"/>
+            </a:endParaRPr>
+          </a:p>
+          <a:p>
             <a:pPr marL="216000" indent="-212400">
               <a:lnSpc>
                 <a:spcPct val="100000"/>
@@ -16735,25 +14374,6 @@
               <a:buFont typeface="Wingdings" charset="2"/>
               <a:buChar char=""/>
             </a:pPr>
-            <a:endParaRPr b="0" lang="pt-BR" sz="1600" spc="-1" strike="noStrike">
-              <a:latin typeface="Arial"/>
-            </a:endParaRPr>
-          </a:p>
-          <a:p>
-            <a:pPr marL="216000" indent="-212400">
-              <a:lnSpc>
-                <a:spcPct val="100000"/>
-              </a:lnSpc>
-              <a:spcAft>
-                <a:spcPts val="1140"/>
-              </a:spcAft>
-              <a:buClr>
-                <a:srgbClr val="000000"/>
-              </a:buClr>
-              <a:buSzPct val="45000"/>
-              <a:buFont typeface="Wingdings" charset="2"/>
-              <a:buChar char=""/>
-            </a:pPr>
             <a:r>
               <a:rPr b="0" lang="pt-BR" sz="1600" spc="-1" strike="noStrike">
                 <a:solidFill>
@@ -16894,7 +14514,7 @@
         <p:spPr>
           <a:xfrm>
             <a:off x="897120" y="6886080"/>
-            <a:ext cx="6440400" cy="358200"/>
+            <a:ext cx="6440040" cy="357840"/>
           </a:xfrm>
           <a:prstGeom prst="rect">
             <a:avLst/>
@@ -16946,7 +14566,7 @@
         <p:spPr>
           <a:xfrm>
             <a:off x="7608600" y="6814080"/>
-            <a:ext cx="2278440" cy="565200"/>
+            <a:ext cx="2278080" cy="564840"/>
           </a:xfrm>
           <a:prstGeom prst="rect">
             <a:avLst/>
@@ -17023,7 +14643,7 @@
         <p:spPr>
           <a:xfrm>
             <a:off x="4977720" y="1800000"/>
-            <a:ext cx="2942280" cy="4047120"/>
+            <a:ext cx="2941920" cy="4046760"/>
           </a:xfrm>
           <a:prstGeom prst="rect">
             <a:avLst/>
@@ -17072,7 +14692,7 @@
         <p:spPr>
           <a:xfrm>
             <a:off x="360000" y="360000"/>
-            <a:ext cx="9346680" cy="886680"/>
+            <a:ext cx="9346320" cy="886320"/>
           </a:xfrm>
           <a:prstGeom prst="rect">
             <a:avLst/>
@@ -17124,7 +14744,7 @@
         <p:spPr>
           <a:xfrm>
             <a:off x="897120" y="6886080"/>
-            <a:ext cx="6433920" cy="351720"/>
+            <a:ext cx="6433560" cy="351360"/>
           </a:xfrm>
           <a:prstGeom prst="rect">
             <a:avLst/>
@@ -17176,7 +14796,7 @@
         <p:spPr>
           <a:xfrm>
             <a:off x="7608600" y="6886080"/>
-            <a:ext cx="2271960" cy="351720"/>
+            <a:ext cx="2271600" cy="351360"/>
           </a:xfrm>
           <a:prstGeom prst="rect">
             <a:avLst/>
@@ -17202,7 +14822,7 @@
         <p:spPr>
           <a:xfrm>
             <a:off x="342720" y="1529280"/>
-            <a:ext cx="6776280" cy="384480"/>
+            <a:ext cx="6775920" cy="384120"/>
           </a:xfrm>
           <a:prstGeom prst="rect">
             <a:avLst/>
@@ -17254,7 +14874,7 @@
         <p:spPr>
           <a:xfrm>
             <a:off x="360000" y="1728000"/>
-            <a:ext cx="9173160" cy="4673160"/>
+            <a:ext cx="9172800" cy="4672800"/>
           </a:xfrm>
           <a:prstGeom prst="rect">
             <a:avLst/>
@@ -17348,7 +14968,7 @@
         <p:spPr>
           <a:xfrm>
             <a:off x="7608600" y="6814080"/>
-            <a:ext cx="2278440" cy="565200"/>
+            <a:ext cx="2278080" cy="564840"/>
           </a:xfrm>
           <a:prstGeom prst="rect">
             <a:avLst/>
@@ -17425,7 +15045,7 @@
         <p:spPr>
           <a:xfrm>
             <a:off x="720000" y="2916000"/>
-            <a:ext cx="4607640" cy="2303640"/>
+            <a:ext cx="4607280" cy="2303280"/>
           </a:xfrm>
           <a:prstGeom prst="rect">
             <a:avLst/>
@@ -17448,7 +15068,7 @@
         <p:spPr>
           <a:xfrm>
             <a:off x="5544000" y="2338560"/>
-            <a:ext cx="3653640" cy="3601080"/>
+            <a:ext cx="3653280" cy="3600720"/>
           </a:xfrm>
           <a:prstGeom prst="rect">
             <a:avLst/>
@@ -17497,7 +15117,7 @@
         <p:spPr>
           <a:xfrm>
             <a:off x="360000" y="360000"/>
-            <a:ext cx="9346680" cy="886680"/>
+            <a:ext cx="9346320" cy="886320"/>
           </a:xfrm>
           <a:prstGeom prst="rect">
             <a:avLst/>
@@ -17549,7 +15169,7 @@
         <p:spPr>
           <a:xfrm>
             <a:off x="897120" y="6886080"/>
-            <a:ext cx="6433920" cy="351720"/>
+            <a:ext cx="6433560" cy="351360"/>
           </a:xfrm>
           <a:prstGeom prst="rect">
             <a:avLst/>
@@ -17601,7 +15221,7 @@
         <p:spPr>
           <a:xfrm>
             <a:off x="7608600" y="6886080"/>
-            <a:ext cx="2271960" cy="351720"/>
+            <a:ext cx="2271600" cy="351360"/>
           </a:xfrm>
           <a:prstGeom prst="rect">
             <a:avLst/>
@@ -17627,7 +15247,7 @@
         <p:spPr>
           <a:xfrm>
             <a:off x="342720" y="1529280"/>
-            <a:ext cx="6776280" cy="384480"/>
+            <a:ext cx="6775920" cy="384120"/>
           </a:xfrm>
           <a:prstGeom prst="rect">
             <a:avLst/>
@@ -17653,7 +15273,7 @@
         <p:spPr>
           <a:xfrm>
             <a:off x="360000" y="1728000"/>
-            <a:ext cx="9173160" cy="4673160"/>
+            <a:ext cx="9172800" cy="4672800"/>
           </a:xfrm>
           <a:prstGeom prst="rect">
             <a:avLst/>
@@ -18108,7 +15728,7 @@
         <p:spPr>
           <a:xfrm>
             <a:off x="7608600" y="6814080"/>
-            <a:ext cx="2278440" cy="565200"/>
+            <a:ext cx="2278080" cy="564840"/>
           </a:xfrm>
           <a:prstGeom prst="rect">
             <a:avLst/>
@@ -18186,7 +15806,7 @@
         <p:spPr>
           <a:xfrm>
             <a:off x="3780000" y="2340000"/>
-            <a:ext cx="5039640" cy="1469160"/>
+            <a:ext cx="5039280" cy="1468800"/>
           </a:xfrm>
           <a:prstGeom prst="rect">
             <a:avLst/>
@@ -18209,7 +15829,7 @@
         <p:spPr>
           <a:xfrm>
             <a:off x="4190040" y="4024440"/>
-            <a:ext cx="3909600" cy="2635200"/>
+            <a:ext cx="3909240" cy="2634840"/>
           </a:xfrm>
           <a:prstGeom prst="rect">
             <a:avLst/>
@@ -18263,7 +15883,7 @@
         <p:spPr>
           <a:xfrm>
             <a:off x="3780000" y="2520000"/>
-            <a:ext cx="2699640" cy="2557440"/>
+            <a:ext cx="2699280" cy="2557080"/>
           </a:xfrm>
           <a:prstGeom prst="rect">
             <a:avLst/>
@@ -18282,7 +15902,7 @@
         <p:spPr>
           <a:xfrm>
             <a:off x="360000" y="360000"/>
-            <a:ext cx="9346680" cy="886680"/>
+            <a:ext cx="9346320" cy="886320"/>
           </a:xfrm>
           <a:prstGeom prst="rect">
             <a:avLst/>
@@ -18334,7 +15954,7 @@
         <p:spPr>
           <a:xfrm>
             <a:off x="897120" y="6886080"/>
-            <a:ext cx="6433920" cy="351720"/>
+            <a:ext cx="6433560" cy="351360"/>
           </a:xfrm>
           <a:prstGeom prst="rect">
             <a:avLst/>
@@ -18386,7 +16006,7 @@
         <p:spPr>
           <a:xfrm>
             <a:off x="7608600" y="6886080"/>
-            <a:ext cx="2271960" cy="351720"/>
+            <a:ext cx="2271600" cy="351360"/>
           </a:xfrm>
           <a:prstGeom prst="rect">
             <a:avLst/>
@@ -18412,7 +16032,7 @@
         <p:spPr>
           <a:xfrm>
             <a:off x="342720" y="1529280"/>
-            <a:ext cx="6776280" cy="384480"/>
+            <a:ext cx="6775920" cy="384120"/>
           </a:xfrm>
           <a:prstGeom prst="rect">
             <a:avLst/>
@@ -18438,7 +16058,7 @@
         <p:spPr>
           <a:xfrm>
             <a:off x="360000" y="1728000"/>
-            <a:ext cx="9173160" cy="4673160"/>
+            <a:ext cx="9172800" cy="4672800"/>
           </a:xfrm>
           <a:prstGeom prst="rect">
             <a:avLst/>
@@ -18510,17 +16130,7 @@
                 <a:latin typeface="Latin Modern Sans"/>
                 <a:ea typeface="DejaVu Sans"/>
               </a:rPr>
-              <a:t>Treinamento enviesado (generalização </a:t>
-            </a:r>
-            <a:r>
-              <a:rPr b="0" lang="pt-BR" sz="1600" spc="-1" strike="noStrike">
-                <a:solidFill>
-                  <a:srgbClr val="1c1c1c"/>
-                </a:solidFill>
-                <a:latin typeface="Latin Modern Sans"/>
-                <a:ea typeface="DejaVu Sans"/>
-              </a:rPr>
-              <a:t>baixa)</a:t>
+              <a:t>Treinamento enviesado (generalização baixa)</a:t>
             </a:r>
             <a:endParaRPr b="0" lang="pt-BR" sz="1600" spc="-1" strike="noStrike">
               <a:latin typeface="Arial"/>
@@ -18594,7 +16204,7 @@
         <p:spPr>
           <a:xfrm>
             <a:off x="7608600" y="6814080"/>
-            <a:ext cx="2278440" cy="565200"/>
+            <a:ext cx="2278080" cy="564840"/>
           </a:xfrm>
           <a:prstGeom prst="rect">
             <a:avLst/>
@@ -18671,7 +16281,7 @@
         <p:spPr>
           <a:xfrm>
             <a:off x="353160" y="2557440"/>
-            <a:ext cx="3426840" cy="2520000"/>
+            <a:ext cx="3426480" cy="2519640"/>
           </a:xfrm>
           <a:prstGeom prst="rect">
             <a:avLst/>
@@ -18694,7 +16304,7 @@
         <p:spPr>
           <a:xfrm>
             <a:off x="3065400" y="5372640"/>
-            <a:ext cx="4314600" cy="1028520"/>
+            <a:ext cx="4314240" cy="1028160"/>
           </a:xfrm>
           <a:prstGeom prst="rect">
             <a:avLst/>
@@ -18717,7 +16327,7 @@
         <p:spPr>
           <a:xfrm>
             <a:off x="6904800" y="2553480"/>
-            <a:ext cx="2455200" cy="2306520"/>
+            <a:ext cx="2454840" cy="2306160"/>
           </a:xfrm>
           <a:prstGeom prst="rect">
             <a:avLst/>
@@ -18766,7 +16376,7 @@
         <p:spPr>
           <a:xfrm>
             <a:off x="360000" y="360000"/>
-            <a:ext cx="9346680" cy="886680"/>
+            <a:ext cx="9346320" cy="886320"/>
           </a:xfrm>
           <a:prstGeom prst="rect">
             <a:avLst/>
@@ -18818,7 +16428,7 @@
         <p:spPr>
           <a:xfrm>
             <a:off x="897120" y="6886080"/>
-            <a:ext cx="6433920" cy="351720"/>
+            <a:ext cx="6433560" cy="351360"/>
           </a:xfrm>
           <a:prstGeom prst="rect">
             <a:avLst/>
@@ -18870,7 +16480,7 @@
         <p:spPr>
           <a:xfrm>
             <a:off x="7608600" y="6886080"/>
-            <a:ext cx="2271960" cy="351720"/>
+            <a:ext cx="2271600" cy="351360"/>
           </a:xfrm>
           <a:prstGeom prst="rect">
             <a:avLst/>
@@ -18896,7 +16506,7 @@
         <p:spPr>
           <a:xfrm>
             <a:off x="342720" y="1529280"/>
-            <a:ext cx="6776280" cy="384480"/>
+            <a:ext cx="6775920" cy="384120"/>
           </a:xfrm>
           <a:prstGeom prst="rect">
             <a:avLst/>
@@ -18922,7 +16532,7 @@
         <p:spPr>
           <a:xfrm>
             <a:off x="360000" y="1728000"/>
-            <a:ext cx="9173160" cy="4673160"/>
+            <a:ext cx="9172800" cy="4672800"/>
           </a:xfrm>
           <a:prstGeom prst="rect">
             <a:avLst/>
@@ -19068,7 +16678,7 @@
         <p:spPr>
           <a:xfrm>
             <a:off x="7608600" y="6814080"/>
-            <a:ext cx="2278440" cy="565200"/>
+            <a:ext cx="2278080" cy="564840"/>
           </a:xfrm>
           <a:prstGeom prst="rect">
             <a:avLst/>
@@ -19145,7 +16755,7 @@
         <p:spPr>
           <a:xfrm>
             <a:off x="2445840" y="3201120"/>
-            <a:ext cx="5333760" cy="2018880"/>
+            <a:ext cx="5333400" cy="2018520"/>
           </a:xfrm>
           <a:prstGeom prst="rect">
             <a:avLst/>
@@ -19194,7 +16804,7 @@
         <p:spPr>
           <a:xfrm>
             <a:off x="360000" y="360000"/>
-            <a:ext cx="9346680" cy="886680"/>
+            <a:ext cx="9346320" cy="886320"/>
           </a:xfrm>
           <a:prstGeom prst="rect">
             <a:avLst/>
@@ -19246,7 +16856,7 @@
         <p:spPr>
           <a:xfrm>
             <a:off x="897120" y="6886080"/>
-            <a:ext cx="6433920" cy="351720"/>
+            <a:ext cx="6433560" cy="351360"/>
           </a:xfrm>
           <a:prstGeom prst="rect">
             <a:avLst/>
@@ -19298,7 +16908,7 @@
         <p:spPr>
           <a:xfrm>
             <a:off x="7608600" y="6886080"/>
-            <a:ext cx="2271960" cy="351720"/>
+            <a:ext cx="2271600" cy="351360"/>
           </a:xfrm>
           <a:prstGeom prst="rect">
             <a:avLst/>
@@ -19324,7 +16934,7 @@
         <p:spPr>
           <a:xfrm>
             <a:off x="342720" y="1529280"/>
-            <a:ext cx="6776280" cy="384480"/>
+            <a:ext cx="6775920" cy="384120"/>
           </a:xfrm>
           <a:prstGeom prst="rect">
             <a:avLst/>
@@ -19350,7 +16960,7 @@
         <p:spPr>
           <a:xfrm>
             <a:off x="360000" y="1728000"/>
-            <a:ext cx="9173160" cy="4673160"/>
+            <a:ext cx="9172800" cy="4672800"/>
           </a:xfrm>
           <a:prstGeom prst="rect">
             <a:avLst/>
@@ -19370,6 +16980,20 @@
           <a:bodyPr lIns="0" rIns="0" tIns="0" bIns="0" anchor="t">
             <a:normAutofit/>
           </a:bodyPr>
+          <a:p>
+            <a:pPr>
+              <a:lnSpc>
+                <a:spcPct val="100000"/>
+              </a:lnSpc>
+              <a:spcAft>
+                <a:spcPts val="1140"/>
+              </a:spcAft>
+              <a:buNone/>
+            </a:pPr>
+            <a:endParaRPr b="0" lang="pt-BR" sz="1600" spc="-1" strike="noStrike">
+              <a:latin typeface="Arial"/>
+            </a:endParaRPr>
+          </a:p>
           <a:p>
             <a:pPr marL="216000" indent="-212400">
               <a:lnSpc>
@@ -19385,25 +17009,6 @@
               <a:buFont typeface="Wingdings" charset="2"/>
               <a:buChar char=""/>
             </a:pPr>
-            <a:endParaRPr b="0" lang="pt-BR" sz="1600" spc="-1" strike="noStrike">
-              <a:latin typeface="Arial"/>
-            </a:endParaRPr>
-          </a:p>
-          <a:p>
-            <a:pPr marL="216000" indent="-212400">
-              <a:lnSpc>
-                <a:spcPct val="100000"/>
-              </a:lnSpc>
-              <a:spcAft>
-                <a:spcPts val="1140"/>
-              </a:spcAft>
-              <a:buClr>
-                <a:srgbClr val="000000"/>
-              </a:buClr>
-              <a:buSzPct val="45000"/>
-              <a:buFont typeface="Wingdings" charset="2"/>
-              <a:buChar char=""/>
-            </a:pPr>
             <a:r>
               <a:rPr b="0" lang="pt-BR" sz="1600" spc="-1" strike="noStrike">
                 <a:solidFill>
@@ -19419,38 +17024,42 @@
             </a:endParaRPr>
           </a:p>
           <a:p>
-            <a:pPr marL="216000" indent="-212400">
+            <a:pPr>
               <a:lnSpc>
                 <a:spcPct val="100000"/>
               </a:lnSpc>
               <a:spcAft>
                 <a:spcPts val="1140"/>
               </a:spcAft>
-              <a:buClr>
-                <a:srgbClr val="000000"/>
-              </a:buClr>
-              <a:buSzPct val="45000"/>
-              <a:buFont typeface="Wingdings" charset="2"/>
-              <a:buChar char=""/>
+              <a:buNone/>
             </a:pPr>
             <a:endParaRPr b="0" lang="pt-BR" sz="1600" spc="-1" strike="noStrike">
               <a:latin typeface="Arial"/>
             </a:endParaRPr>
           </a:p>
           <a:p>
-            <a:pPr marL="216000" indent="-212400">
+            <a:pPr>
               <a:lnSpc>
                 <a:spcPct val="100000"/>
               </a:lnSpc>
               <a:spcAft>
                 <a:spcPts val="1140"/>
               </a:spcAft>
-              <a:buClr>
-                <a:srgbClr val="000000"/>
-              </a:buClr>
-              <a:buSzPct val="45000"/>
-              <a:buFont typeface="Wingdings" charset="2"/>
-              <a:buChar char=""/>
+              <a:buNone/>
+            </a:pPr>
+            <a:endParaRPr b="0" lang="pt-BR" sz="1600" spc="-1" strike="noStrike">
+              <a:latin typeface="Arial"/>
+            </a:endParaRPr>
+          </a:p>
+          <a:p>
+            <a:pPr>
+              <a:lnSpc>
+                <a:spcPct val="100000"/>
+              </a:lnSpc>
+              <a:spcAft>
+                <a:spcPts val="1140"/>
+              </a:spcAft>
+              <a:buNone/>
             </a:pPr>
             <a:endParaRPr b="0" lang="pt-BR" sz="1600" spc="-1" strike="noStrike">
               <a:latin typeface="Arial"/>
@@ -19471,12 +17080,22 @@
               <a:buFont typeface="Wingdings" charset="2"/>
               <a:buChar char=""/>
             </a:pPr>
+            <a:r>
+              <a:rPr b="0" lang="pt-BR" sz="1600" spc="-1" strike="noStrike">
+                <a:solidFill>
+                  <a:srgbClr val="1c1c1c"/>
+                </a:solidFill>
+                <a:latin typeface="Latin Modern Sans"/>
+                <a:ea typeface="DejaVu Sans"/>
+              </a:rPr>
+              <a:t>Redução de Amostras (Undersampling)          Aumento de Amostras (Oversampling)</a:t>
+            </a:r>
             <a:endParaRPr b="0" lang="pt-BR" sz="1600" spc="-1" strike="noStrike">
               <a:latin typeface="Arial"/>
             </a:endParaRPr>
           </a:p>
           <a:p>
-            <a:pPr lvl="1" marL="432000" indent="-216000">
+            <a:pPr marL="2160000" indent="-216000">
               <a:lnSpc>
                 <a:spcPct val="100000"/>
               </a:lnSpc>
@@ -19498,7 +17117,7 @@
                 <a:latin typeface="Latin Modern Sans"/>
                 <a:ea typeface="DejaVu Sans"/>
               </a:rPr>
-              <a:t>Redução de </a:t>
+              <a:t>                                              </a:t>
             </a:r>
             <a:r>
               <a:rPr b="0" lang="pt-BR" sz="1600" spc="-1" strike="noStrike">
@@ -19508,1013 +17127,8 @@
                 <a:latin typeface="Latin Modern Sans"/>
                 <a:ea typeface="DejaVu Sans"/>
               </a:rPr>
-              <a:t>Amostras </a:t>
+              <a:t>Replicação            Under/Oversampling</a:t>
             </a:r>
-            <a:r>
-              <a:rPr b="0" lang="pt-BR" sz="1600" spc="-1" strike="noStrike">
-                <a:solidFill>
-                  <a:srgbClr val="1c1c1c"/>
-                </a:solidFill>
-                <a:latin typeface="Latin Modern Sans"/>
-                <a:ea typeface="DejaVu Sans"/>
-              </a:rPr>
-              <a:t>(Undersampling) </a:t>
-            </a:r>
-            <a:r>
-              <a:rPr b="0" lang="pt-BR" sz="1600" spc="-1" strike="noStrike">
-                <a:solidFill>
-                  <a:srgbClr val="1c1c1c"/>
-                </a:solidFill>
-                <a:latin typeface="Latin Modern Sans"/>
-                <a:ea typeface="DejaVu Sans"/>
-              </a:rPr>
-              <a:t>         </a:t>
-            </a:r>
-            <a:r>
-              <a:rPr b="0" lang="pt-BR" sz="1600" spc="-1" strike="noStrike">
-                <a:solidFill>
-                  <a:srgbClr val="1c1c1c"/>
-                </a:solidFill>
-                <a:latin typeface="Latin Modern Sans"/>
-                <a:ea typeface="DejaVu Sans"/>
-              </a:rPr>
-              <a:t>Aumento </a:t>
-            </a:r>
-            <a:r>
-              <a:rPr b="0" lang="pt-BR" sz="1600" spc="-1" strike="noStrike">
-                <a:solidFill>
-                  <a:srgbClr val="1c1c1c"/>
-                </a:solidFill>
-                <a:latin typeface="Latin Modern Sans"/>
-                <a:ea typeface="DejaVu Sans"/>
-              </a:rPr>
-              <a:t>de Amostras </a:t>
-            </a:r>
-            <a:r>
-              <a:rPr b="0" lang="pt-BR" sz="1600" spc="-1" strike="noStrike">
-                <a:solidFill>
-                  <a:srgbClr val="1c1c1c"/>
-                </a:solidFill>
-                <a:latin typeface="Latin Modern Sans"/>
-                <a:ea typeface="DejaVu Sans"/>
-              </a:rPr>
-              <a:t>(Oversampling)</a:t>
-            </a:r>
-            <a:endParaRPr b="0" lang="pt-BR" sz="1600" spc="-1" strike="noStrike">
-              <a:latin typeface="Arial"/>
-            </a:endParaRPr>
-          </a:p>
-          <a:p>
-            <a:pPr lvl="9" marL="2160000" indent="-216000">
-              <a:lnSpc>
-                <a:spcPct val="100000"/>
-              </a:lnSpc>
-              <a:spcAft>
-                <a:spcPts val="1140"/>
-              </a:spcAft>
-              <a:buClr>
-                <a:srgbClr val="000000"/>
-              </a:buClr>
-              <a:buSzPct val="45000"/>
-              <a:buFont typeface="Wingdings" charset="2"/>
-              <a:buChar char=""/>
-            </a:pPr>
-            <a:r>
-              <a:rPr b="0" lang="pt-BR" sz="1600" spc="-1" strike="noStrike">
-                <a:solidFill>
-                  <a:srgbClr val="1c1c1c"/>
-                </a:solidFill>
-                <a:latin typeface="Latin Modern Sans"/>
-                <a:ea typeface="DejaVu Sans"/>
-              </a:rPr>
-              <a:t> </a:t>
-            </a:r>
-            <a:r>
-              <a:rPr b="0" lang="pt-BR" sz="1600" spc="-1" strike="noStrike">
-                <a:solidFill>
-                  <a:srgbClr val="1c1c1c"/>
-                </a:solidFill>
-                <a:latin typeface="Latin Modern Sans"/>
-                <a:ea typeface="DejaVu Sans"/>
-              </a:rPr>
-              <a:t> </a:t>
-            </a:r>
-            <a:r>
-              <a:rPr b="0" lang="pt-BR" sz="1600" spc="-1" strike="noStrike">
-                <a:solidFill>
-                  <a:srgbClr val="1c1c1c"/>
-                </a:solidFill>
-                <a:latin typeface="Latin Modern Sans"/>
-                <a:ea typeface="DejaVu Sans"/>
-              </a:rPr>
-              <a:t> </a:t>
-            </a:r>
-            <a:r>
-              <a:rPr b="0" lang="pt-BR" sz="1600" spc="-1" strike="noStrike">
-                <a:solidFill>
-                  <a:srgbClr val="1c1c1c"/>
-                </a:solidFill>
-                <a:latin typeface="Latin Modern Sans"/>
-                <a:ea typeface="DejaVu Sans"/>
-              </a:rPr>
-              <a:t> </a:t>
-            </a:r>
-            <a:r>
-              <a:rPr b="0" lang="pt-BR" sz="1600" spc="-1" strike="noStrike">
-                <a:solidFill>
-                  <a:srgbClr val="1c1c1c"/>
-                </a:solidFill>
-                <a:latin typeface="Latin Modern Sans"/>
-                <a:ea typeface="DejaVu Sans"/>
-              </a:rPr>
-              <a:t> </a:t>
-            </a:r>
-            <a:r>
-              <a:rPr b="0" lang="pt-BR" sz="1600" spc="-1" strike="noStrike">
-                <a:solidFill>
-                  <a:srgbClr val="1c1c1c"/>
-                </a:solidFill>
-                <a:latin typeface="Latin Modern Sans"/>
-                <a:ea typeface="DejaVu Sans"/>
-              </a:rPr>
-              <a:t> </a:t>
-            </a:r>
-            <a:r>
-              <a:rPr b="0" lang="pt-BR" sz="1600" spc="-1" strike="noStrike">
-                <a:solidFill>
-                  <a:srgbClr val="1c1c1c"/>
-                </a:solidFill>
-                <a:latin typeface="Latin Modern Sans"/>
-                <a:ea typeface="DejaVu Sans"/>
-              </a:rPr>
-              <a:t> </a:t>
-            </a:r>
-            <a:r>
-              <a:rPr b="0" lang="pt-BR" sz="1600" spc="-1" strike="noStrike">
-                <a:solidFill>
-                  <a:srgbClr val="1c1c1c"/>
-                </a:solidFill>
-                <a:latin typeface="Latin Modern Sans"/>
-                <a:ea typeface="DejaVu Sans"/>
-              </a:rPr>
-              <a:t> </a:t>
-            </a:r>
-            <a:r>
-              <a:rPr b="0" lang="pt-BR" sz="1600" spc="-1" strike="noStrike">
-                <a:solidFill>
-                  <a:srgbClr val="1c1c1c"/>
-                </a:solidFill>
-                <a:latin typeface="Latin Modern Sans"/>
-                <a:ea typeface="DejaVu Sans"/>
-              </a:rPr>
-              <a:t> </a:t>
-            </a:r>
-            <a:r>
-              <a:rPr b="0" lang="pt-BR" sz="1600" spc="-1" strike="noStrike">
-                <a:solidFill>
-                  <a:srgbClr val="1c1c1c"/>
-                </a:solidFill>
-                <a:latin typeface="Latin Modern Sans"/>
-                <a:ea typeface="DejaVu Sans"/>
-              </a:rPr>
-              <a:t> </a:t>
-            </a:r>
-            <a:r>
-              <a:rPr b="0" lang="pt-BR" sz="1600" spc="-1" strike="noStrike">
-                <a:solidFill>
-                  <a:srgbClr val="1c1c1c"/>
-                </a:solidFill>
-                <a:latin typeface="Latin Modern Sans"/>
-                <a:ea typeface="DejaVu Sans"/>
-              </a:rPr>
-              <a:t> </a:t>
-            </a:r>
-            <a:r>
-              <a:rPr b="0" lang="pt-BR" sz="1600" spc="-1" strike="noStrike">
-                <a:solidFill>
-                  <a:srgbClr val="1c1c1c"/>
-                </a:solidFill>
-                <a:latin typeface="Latin Modern Sans"/>
-                <a:ea typeface="DejaVu Sans"/>
-              </a:rPr>
-              <a:t> </a:t>
-            </a:r>
-            <a:r>
-              <a:rPr b="0" lang="pt-BR" sz="1600" spc="-1" strike="noStrike">
-                <a:solidFill>
-                  <a:srgbClr val="1c1c1c"/>
-                </a:solidFill>
-                <a:latin typeface="Latin Modern Sans"/>
-                <a:ea typeface="DejaVu Sans"/>
-              </a:rPr>
-              <a:t> </a:t>
-            </a:r>
-            <a:r>
-              <a:rPr b="0" lang="pt-BR" sz="1600" spc="-1" strike="noStrike">
-                <a:solidFill>
-                  <a:srgbClr val="1c1c1c"/>
-                </a:solidFill>
-                <a:latin typeface="Latin Modern Sans"/>
-                <a:ea typeface="DejaVu Sans"/>
-              </a:rPr>
-              <a:t> </a:t>
-            </a:r>
-            <a:r>
-              <a:rPr b="0" lang="pt-BR" sz="1600" spc="-1" strike="noStrike">
-                <a:solidFill>
-                  <a:srgbClr val="1c1c1c"/>
-                </a:solidFill>
-                <a:latin typeface="Latin Modern Sans"/>
-                <a:ea typeface="DejaVu Sans"/>
-              </a:rPr>
-              <a:t> </a:t>
-            </a:r>
-            <a:r>
-              <a:rPr b="0" lang="pt-BR" sz="1600" spc="-1" strike="noStrike">
-                <a:solidFill>
-                  <a:srgbClr val="1c1c1c"/>
-                </a:solidFill>
-                <a:latin typeface="Latin Modern Sans"/>
-                <a:ea typeface="DejaVu Sans"/>
-              </a:rPr>
-              <a:t> </a:t>
-            </a:r>
-            <a:r>
-              <a:rPr b="0" lang="pt-BR" sz="1600" spc="-1" strike="noStrike">
-                <a:solidFill>
-                  <a:srgbClr val="1c1c1c"/>
-                </a:solidFill>
-                <a:latin typeface="Latin Modern Sans"/>
-                <a:ea typeface="DejaVu Sans"/>
-              </a:rPr>
-              <a:t> </a:t>
-            </a:r>
-            <a:r>
-              <a:rPr b="0" lang="pt-BR" sz="1600" spc="-1" strike="noStrike">
-                <a:solidFill>
-                  <a:srgbClr val="1c1c1c"/>
-                </a:solidFill>
-                <a:latin typeface="Latin Modern Sans"/>
-                <a:ea typeface="DejaVu Sans"/>
-              </a:rPr>
-              <a:t> </a:t>
-            </a:r>
-            <a:r>
-              <a:rPr b="0" lang="pt-BR" sz="1600" spc="-1" strike="noStrike">
-                <a:solidFill>
-                  <a:srgbClr val="1c1c1c"/>
-                </a:solidFill>
-                <a:latin typeface="Latin Modern Sans"/>
-                <a:ea typeface="DejaVu Sans"/>
-              </a:rPr>
-              <a:t> </a:t>
-            </a:r>
-            <a:r>
-              <a:rPr b="0" lang="pt-BR" sz="1600" spc="-1" strike="noStrike">
-                <a:solidFill>
-                  <a:srgbClr val="1c1c1c"/>
-                </a:solidFill>
-                <a:latin typeface="Latin Modern Sans"/>
-                <a:ea typeface="DejaVu Sans"/>
-              </a:rPr>
-              <a:t> </a:t>
-            </a:r>
-            <a:r>
-              <a:rPr b="0" lang="pt-BR" sz="1600" spc="-1" strike="noStrike">
-                <a:solidFill>
-                  <a:srgbClr val="1c1c1c"/>
-                </a:solidFill>
-                <a:latin typeface="Latin Modern Sans"/>
-                <a:ea typeface="DejaVu Sans"/>
-              </a:rPr>
-              <a:t> </a:t>
-            </a:r>
-            <a:r>
-              <a:rPr b="0" lang="pt-BR" sz="1600" spc="-1" strike="noStrike">
-                <a:solidFill>
-                  <a:srgbClr val="1c1c1c"/>
-                </a:solidFill>
-                <a:latin typeface="Latin Modern Sans"/>
-                <a:ea typeface="DejaVu Sans"/>
-              </a:rPr>
-              <a:t> </a:t>
-            </a:r>
-            <a:r>
-              <a:rPr b="0" lang="pt-BR" sz="1600" spc="-1" strike="noStrike">
-                <a:solidFill>
-                  <a:srgbClr val="1c1c1c"/>
-                </a:solidFill>
-                <a:latin typeface="Latin Modern Sans"/>
-                <a:ea typeface="DejaVu Sans"/>
-              </a:rPr>
-              <a:t> </a:t>
-            </a:r>
-            <a:r>
-              <a:rPr b="0" lang="pt-BR" sz="1600" spc="-1" strike="noStrike">
-                <a:solidFill>
-                  <a:srgbClr val="1c1c1c"/>
-                </a:solidFill>
-                <a:latin typeface="Latin Modern Sans"/>
-                <a:ea typeface="DejaVu Sans"/>
-              </a:rPr>
-              <a:t> </a:t>
-            </a:r>
-            <a:r>
-              <a:rPr b="0" lang="pt-BR" sz="1600" spc="-1" strike="noStrike">
-                <a:solidFill>
-                  <a:srgbClr val="1c1c1c"/>
-                </a:solidFill>
-                <a:latin typeface="Latin Modern Sans"/>
-                <a:ea typeface="DejaVu Sans"/>
-              </a:rPr>
-              <a:t> </a:t>
-            </a:r>
-            <a:r>
-              <a:rPr b="0" lang="pt-BR" sz="1600" spc="-1" strike="noStrike">
-                <a:solidFill>
-                  <a:srgbClr val="1c1c1c"/>
-                </a:solidFill>
-                <a:latin typeface="Latin Modern Sans"/>
-                <a:ea typeface="DejaVu Sans"/>
-              </a:rPr>
-              <a:t> </a:t>
-            </a:r>
-            <a:r>
-              <a:rPr b="0" lang="pt-BR" sz="1600" spc="-1" strike="noStrike">
-                <a:solidFill>
-                  <a:srgbClr val="1c1c1c"/>
-                </a:solidFill>
-                <a:latin typeface="Latin Modern Sans"/>
-                <a:ea typeface="DejaVu Sans"/>
-              </a:rPr>
-              <a:t> </a:t>
-            </a:r>
-            <a:r>
-              <a:rPr b="0" lang="pt-BR" sz="1600" spc="-1" strike="noStrike">
-                <a:solidFill>
-                  <a:srgbClr val="1c1c1c"/>
-                </a:solidFill>
-                <a:latin typeface="Latin Modern Sans"/>
-                <a:ea typeface="DejaVu Sans"/>
-              </a:rPr>
-              <a:t> </a:t>
-            </a:r>
-            <a:r>
-              <a:rPr b="0" lang="pt-BR" sz="1600" spc="-1" strike="noStrike">
-                <a:solidFill>
-                  <a:srgbClr val="1c1c1c"/>
-                </a:solidFill>
-                <a:latin typeface="Latin Modern Sans"/>
-                <a:ea typeface="DejaVu Sans"/>
-              </a:rPr>
-              <a:t> </a:t>
-            </a:r>
-            <a:r>
-              <a:rPr b="0" lang="pt-BR" sz="1600" spc="-1" strike="noStrike">
-                <a:solidFill>
-                  <a:srgbClr val="1c1c1c"/>
-                </a:solidFill>
-                <a:latin typeface="Latin Modern Sans"/>
-                <a:ea typeface="DejaVu Sans"/>
-              </a:rPr>
-              <a:t> </a:t>
-            </a:r>
-            <a:r>
-              <a:rPr b="0" lang="pt-BR" sz="1600" spc="-1" strike="noStrike">
-                <a:solidFill>
-                  <a:srgbClr val="1c1c1c"/>
-                </a:solidFill>
-                <a:latin typeface="Latin Modern Sans"/>
-                <a:ea typeface="DejaVu Sans"/>
-              </a:rPr>
-              <a:t> </a:t>
-            </a:r>
-            <a:r>
-              <a:rPr b="0" lang="pt-BR" sz="1600" spc="-1" strike="noStrike">
-                <a:solidFill>
-                  <a:srgbClr val="1c1c1c"/>
-                </a:solidFill>
-                <a:latin typeface="Latin Modern Sans"/>
-                <a:ea typeface="DejaVu Sans"/>
-              </a:rPr>
-              <a:t> </a:t>
-            </a:r>
-            <a:r>
-              <a:rPr b="0" lang="pt-BR" sz="1600" spc="-1" strike="noStrike">
-                <a:solidFill>
-                  <a:srgbClr val="1c1c1c"/>
-                </a:solidFill>
-                <a:latin typeface="Latin Modern Sans"/>
-                <a:ea typeface="DejaVu Sans"/>
-              </a:rPr>
-              <a:t> </a:t>
-            </a:r>
-            <a:r>
-              <a:rPr b="0" lang="pt-BR" sz="1600" spc="-1" strike="noStrike">
-                <a:solidFill>
-                  <a:srgbClr val="1c1c1c"/>
-                </a:solidFill>
-                <a:latin typeface="Latin Modern Sans"/>
-                <a:ea typeface="DejaVu Sans"/>
-              </a:rPr>
-              <a:t> </a:t>
-            </a:r>
-            <a:r>
-              <a:rPr b="0" lang="pt-BR" sz="1600" spc="-1" strike="noStrike">
-                <a:solidFill>
-                  <a:srgbClr val="1c1c1c"/>
-                </a:solidFill>
-                <a:latin typeface="Latin Modern Sans"/>
-                <a:ea typeface="DejaVu Sans"/>
-              </a:rPr>
-              <a:t> </a:t>
-            </a:r>
-            <a:r>
-              <a:rPr b="0" lang="pt-BR" sz="1600" spc="-1" strike="noStrike">
-                <a:solidFill>
-                  <a:srgbClr val="1c1c1c"/>
-                </a:solidFill>
-                <a:latin typeface="Latin Modern Sans"/>
-                <a:ea typeface="DejaVu Sans"/>
-              </a:rPr>
-              <a:t> </a:t>
-            </a:r>
-            <a:r>
-              <a:rPr b="0" lang="pt-BR" sz="1600" spc="-1" strike="noStrike">
-                <a:solidFill>
-                  <a:srgbClr val="1c1c1c"/>
-                </a:solidFill>
-                <a:latin typeface="Latin Modern Sans"/>
-                <a:ea typeface="DejaVu Sans"/>
-              </a:rPr>
-              <a:t> </a:t>
-            </a:r>
-            <a:r>
-              <a:rPr b="0" lang="pt-BR" sz="1600" spc="-1" strike="noStrike">
-                <a:solidFill>
-                  <a:srgbClr val="1c1c1c"/>
-                </a:solidFill>
-                <a:latin typeface="Latin Modern Sans"/>
-                <a:ea typeface="DejaVu Sans"/>
-              </a:rPr>
-              <a:t> </a:t>
-            </a:r>
-            <a:r>
-              <a:rPr b="0" lang="pt-BR" sz="1600" spc="-1" strike="noStrike">
-                <a:solidFill>
-                  <a:srgbClr val="1c1c1c"/>
-                </a:solidFill>
-                <a:latin typeface="Latin Modern Sans"/>
-                <a:ea typeface="DejaVu Sans"/>
-              </a:rPr>
-              <a:t> </a:t>
-            </a:r>
-            <a:r>
-              <a:rPr b="0" lang="pt-BR" sz="1600" spc="-1" strike="noStrike">
-                <a:solidFill>
-                  <a:srgbClr val="1c1c1c"/>
-                </a:solidFill>
-                <a:latin typeface="Latin Modern Sans"/>
-                <a:ea typeface="DejaVu Sans"/>
-              </a:rPr>
-              <a:t> </a:t>
-            </a:r>
-            <a:r>
-              <a:rPr b="0" lang="pt-BR" sz="1600" spc="-1" strike="noStrike">
-                <a:solidFill>
-                  <a:srgbClr val="1c1c1c"/>
-                </a:solidFill>
-                <a:latin typeface="Latin Modern Sans"/>
-                <a:ea typeface="DejaVu Sans"/>
-              </a:rPr>
-              <a:t> </a:t>
-            </a:r>
-            <a:r>
-              <a:rPr b="0" lang="pt-BR" sz="1600" spc="-1" strike="noStrike">
-                <a:solidFill>
-                  <a:srgbClr val="1c1c1c"/>
-                </a:solidFill>
-                <a:latin typeface="Latin Modern Sans"/>
-                <a:ea typeface="DejaVu Sans"/>
-              </a:rPr>
-              <a:t> </a:t>
-            </a:r>
-            <a:r>
-              <a:rPr b="0" lang="pt-BR" sz="1600" spc="-1" strike="noStrike">
-                <a:solidFill>
-                  <a:srgbClr val="1c1c1c"/>
-                </a:solidFill>
-                <a:latin typeface="Latin Modern Sans"/>
-                <a:ea typeface="DejaVu Sans"/>
-              </a:rPr>
-              <a:t> </a:t>
-            </a:r>
-            <a:r>
-              <a:rPr b="0" lang="pt-BR" sz="1600" spc="-1" strike="noStrike">
-                <a:solidFill>
-                  <a:srgbClr val="1c1c1c"/>
-                </a:solidFill>
-                <a:latin typeface="Latin Modern Sans"/>
-                <a:ea typeface="DejaVu Sans"/>
-              </a:rPr>
-              <a:t> </a:t>
-            </a:r>
-            <a:r>
-              <a:rPr b="0" lang="pt-BR" sz="1600" spc="-1" strike="noStrike">
-                <a:solidFill>
-                  <a:srgbClr val="1c1c1c"/>
-                </a:solidFill>
-                <a:latin typeface="Latin Modern Sans"/>
-                <a:ea typeface="DejaVu Sans"/>
-              </a:rPr>
-              <a:t> </a:t>
-            </a:r>
-            <a:r>
-              <a:rPr b="0" lang="pt-BR" sz="1600" spc="-1" strike="noStrike">
-                <a:solidFill>
-                  <a:srgbClr val="1c1c1c"/>
-                </a:solidFill>
-                <a:latin typeface="Latin Modern Sans"/>
-                <a:ea typeface="DejaVu Sans"/>
-              </a:rPr>
-              <a:t> </a:t>
-            </a:r>
-            <a:r>
-              <a:rPr b="0" lang="pt-BR" sz="1600" spc="-1" strike="noStrike">
-                <a:solidFill>
-                  <a:srgbClr val="1c1c1c"/>
-                </a:solidFill>
-                <a:latin typeface="Latin Modern Sans"/>
-                <a:ea typeface="DejaVu Sans"/>
-              </a:rPr>
-              <a:t>R</a:t>
-            </a:r>
-            <a:r>
-              <a:rPr b="0" lang="pt-BR" sz="1600" spc="-1" strike="noStrike">
-                <a:solidFill>
-                  <a:srgbClr val="1c1c1c"/>
-                </a:solidFill>
-                <a:latin typeface="Latin Modern Sans"/>
-                <a:ea typeface="DejaVu Sans"/>
-              </a:rPr>
-              <a:t>e</a:t>
-            </a:r>
-            <a:r>
-              <a:rPr b="0" lang="pt-BR" sz="1600" spc="-1" strike="noStrike">
-                <a:solidFill>
-                  <a:srgbClr val="1c1c1c"/>
-                </a:solidFill>
-                <a:latin typeface="Latin Modern Sans"/>
-                <a:ea typeface="DejaVu Sans"/>
-              </a:rPr>
-              <a:t>p</a:t>
-            </a:r>
-            <a:r>
-              <a:rPr b="0" lang="pt-BR" sz="1600" spc="-1" strike="noStrike">
-                <a:solidFill>
-                  <a:srgbClr val="1c1c1c"/>
-                </a:solidFill>
-                <a:latin typeface="Latin Modern Sans"/>
-                <a:ea typeface="DejaVu Sans"/>
-              </a:rPr>
-              <a:t>l</a:t>
-            </a:r>
-            <a:r>
-              <a:rPr b="0" lang="pt-BR" sz="1600" spc="-1" strike="noStrike">
-                <a:solidFill>
-                  <a:srgbClr val="1c1c1c"/>
-                </a:solidFill>
-                <a:latin typeface="Latin Modern Sans"/>
-                <a:ea typeface="DejaVu Sans"/>
-              </a:rPr>
-              <a:t>i</a:t>
-            </a:r>
-            <a:r>
-              <a:rPr b="0" lang="pt-BR" sz="1600" spc="-1" strike="noStrike">
-                <a:solidFill>
-                  <a:srgbClr val="1c1c1c"/>
-                </a:solidFill>
-                <a:latin typeface="Latin Modern Sans"/>
-                <a:ea typeface="DejaVu Sans"/>
-              </a:rPr>
-              <a:t>c</a:t>
-            </a:r>
-            <a:r>
-              <a:rPr b="0" lang="pt-BR" sz="1600" spc="-1" strike="noStrike">
-                <a:solidFill>
-                  <a:srgbClr val="1c1c1c"/>
-                </a:solidFill>
-                <a:latin typeface="Latin Modern Sans"/>
-                <a:ea typeface="DejaVu Sans"/>
-              </a:rPr>
-              <a:t>a</a:t>
-            </a:r>
-            <a:r>
-              <a:rPr b="0" lang="pt-BR" sz="1600" spc="-1" strike="noStrike">
-                <a:solidFill>
-                  <a:srgbClr val="1c1c1c"/>
-                </a:solidFill>
-                <a:latin typeface="Latin Modern Sans"/>
-                <a:ea typeface="DejaVu Sans"/>
-              </a:rPr>
-              <a:t>ç</a:t>
-            </a:r>
-            <a:r>
-              <a:rPr b="0" lang="pt-BR" sz="1600" spc="-1" strike="noStrike">
-                <a:solidFill>
-                  <a:srgbClr val="1c1c1c"/>
-                </a:solidFill>
-                <a:latin typeface="Latin Modern Sans"/>
-                <a:ea typeface="DejaVu Sans"/>
-              </a:rPr>
-              <a:t>ã</a:t>
-            </a:r>
-            <a:r>
-              <a:rPr b="0" lang="pt-BR" sz="1600" spc="-1" strike="noStrike">
-                <a:solidFill>
-                  <a:srgbClr val="1c1c1c"/>
-                </a:solidFill>
-                <a:latin typeface="Latin Modern Sans"/>
-                <a:ea typeface="DejaVu Sans"/>
-              </a:rPr>
-              <a:t>o</a:t>
-            </a:r>
-            <a:r>
-              <a:rPr b="0" lang="pt-BR" sz="1600" spc="-1" strike="noStrike">
-                <a:solidFill>
-                  <a:srgbClr val="1c1c1c"/>
-                </a:solidFill>
-                <a:latin typeface="Latin Modern Sans"/>
-                <a:ea typeface="DejaVu Sans"/>
-              </a:rPr>
-              <a:t> </a:t>
-            </a:r>
-            <a:r>
-              <a:rPr b="0" lang="pt-BR" sz="1600" spc="-1" strike="noStrike">
-                <a:solidFill>
-                  <a:srgbClr val="1c1c1c"/>
-                </a:solidFill>
-                <a:latin typeface="Latin Modern Sans"/>
-                <a:ea typeface="DejaVu Sans"/>
-              </a:rPr>
-              <a:t> </a:t>
-            </a:r>
-            <a:r>
-              <a:rPr b="0" lang="pt-BR" sz="1600" spc="-1" strike="noStrike">
-                <a:solidFill>
-                  <a:srgbClr val="1c1c1c"/>
-                </a:solidFill>
-                <a:latin typeface="Latin Modern Sans"/>
-                <a:ea typeface="DejaVu Sans"/>
-              </a:rPr>
-              <a:t> </a:t>
-            </a:r>
-            <a:r>
-              <a:rPr b="0" lang="pt-BR" sz="1600" spc="-1" strike="noStrike">
-                <a:solidFill>
-                  <a:srgbClr val="1c1c1c"/>
-                </a:solidFill>
-                <a:latin typeface="Latin Modern Sans"/>
-                <a:ea typeface="DejaVu Sans"/>
-              </a:rPr>
-              <a:t> </a:t>
-            </a:r>
-            <a:r>
-              <a:rPr b="0" lang="pt-BR" sz="1600" spc="-1" strike="noStrike">
-                <a:solidFill>
-                  <a:srgbClr val="1c1c1c"/>
-                </a:solidFill>
-                <a:latin typeface="Latin Modern Sans"/>
-                <a:ea typeface="DejaVu Sans"/>
-              </a:rPr>
-              <a:t> </a:t>
-            </a:r>
-            <a:r>
-              <a:rPr b="0" lang="pt-BR" sz="1600" spc="-1" strike="noStrike">
-                <a:solidFill>
-                  <a:srgbClr val="1c1c1c"/>
-                </a:solidFill>
-                <a:latin typeface="Latin Modern Sans"/>
-                <a:ea typeface="DejaVu Sans"/>
-              </a:rPr>
-              <a:t> </a:t>
-            </a:r>
-            <a:r>
-              <a:rPr b="0" lang="pt-BR" sz="1600" spc="-1" strike="noStrike">
-                <a:solidFill>
-                  <a:srgbClr val="1c1c1c"/>
-                </a:solidFill>
-                <a:latin typeface="Latin Modern Sans"/>
-                <a:ea typeface="DejaVu Sans"/>
-              </a:rPr>
-              <a:t> </a:t>
-            </a:r>
-            <a:r>
-              <a:rPr b="0" lang="pt-BR" sz="1600" spc="-1" strike="noStrike">
-                <a:solidFill>
-                  <a:srgbClr val="1c1c1c"/>
-                </a:solidFill>
-                <a:latin typeface="Latin Modern Sans"/>
-                <a:ea typeface="DejaVu Sans"/>
-              </a:rPr>
-              <a:t> </a:t>
-            </a:r>
-            <a:r>
-              <a:rPr b="0" lang="pt-BR" sz="1600" spc="-1" strike="noStrike">
-                <a:solidFill>
-                  <a:srgbClr val="1c1c1c"/>
-                </a:solidFill>
-                <a:latin typeface="Latin Modern Sans"/>
-                <a:ea typeface="DejaVu Sans"/>
-              </a:rPr>
-              <a:t> </a:t>
-            </a:r>
-            <a:r>
-              <a:rPr b="0" lang="pt-BR" sz="1600" spc="-1" strike="noStrike">
-                <a:solidFill>
-                  <a:srgbClr val="1c1c1c"/>
-                </a:solidFill>
-                <a:latin typeface="Latin Modern Sans"/>
-                <a:ea typeface="DejaVu Sans"/>
-              </a:rPr>
-              <a:t> </a:t>
-            </a:r>
-            <a:r>
-              <a:rPr b="0" lang="pt-BR" sz="1600" spc="-1" strike="noStrike">
-                <a:solidFill>
-                  <a:srgbClr val="1c1c1c"/>
-                </a:solidFill>
-                <a:latin typeface="Latin Modern Sans"/>
-                <a:ea typeface="DejaVu Sans"/>
-              </a:rPr>
-              <a:t> </a:t>
-            </a:r>
-            <a:r>
-              <a:rPr b="0" lang="pt-BR" sz="1600" spc="-1" strike="noStrike">
-                <a:solidFill>
-                  <a:srgbClr val="1c1c1c"/>
-                </a:solidFill>
-                <a:latin typeface="Latin Modern Sans"/>
-                <a:ea typeface="DejaVu Sans"/>
-              </a:rPr>
-              <a:t> </a:t>
-            </a:r>
-            <a:r>
-              <a:rPr b="0" lang="pt-BR" sz="1600" spc="-1" strike="noStrike">
-                <a:solidFill>
-                  <a:srgbClr val="1c1c1c"/>
-                </a:solidFill>
-                <a:latin typeface="Latin Modern Sans"/>
-                <a:ea typeface="DejaVu Sans"/>
-              </a:rPr>
-              <a:t>U</a:t>
-            </a:r>
-            <a:r>
-              <a:rPr b="0" lang="pt-BR" sz="1600" spc="-1" strike="noStrike">
-                <a:solidFill>
-                  <a:srgbClr val="1c1c1c"/>
-                </a:solidFill>
-                <a:latin typeface="Latin Modern Sans"/>
-                <a:ea typeface="DejaVu Sans"/>
-              </a:rPr>
-              <a:t>n</a:t>
-            </a:r>
-            <a:r>
-              <a:rPr b="0" lang="pt-BR" sz="1600" spc="-1" strike="noStrike">
-                <a:solidFill>
-                  <a:srgbClr val="1c1c1c"/>
-                </a:solidFill>
-                <a:latin typeface="Latin Modern Sans"/>
-                <a:ea typeface="DejaVu Sans"/>
-              </a:rPr>
-              <a:t>d</a:t>
-            </a:r>
-            <a:r>
-              <a:rPr b="0" lang="pt-BR" sz="1600" spc="-1" strike="noStrike">
-                <a:solidFill>
-                  <a:srgbClr val="1c1c1c"/>
-                </a:solidFill>
-                <a:latin typeface="Latin Modern Sans"/>
-                <a:ea typeface="DejaVu Sans"/>
-              </a:rPr>
-              <a:t>e</a:t>
-            </a:r>
-            <a:r>
-              <a:rPr b="0" lang="pt-BR" sz="1600" spc="-1" strike="noStrike">
-                <a:solidFill>
-                  <a:srgbClr val="1c1c1c"/>
-                </a:solidFill>
-                <a:latin typeface="Latin Modern Sans"/>
-                <a:ea typeface="DejaVu Sans"/>
-              </a:rPr>
-              <a:t>r</a:t>
-            </a:r>
-            <a:r>
-              <a:rPr b="0" lang="pt-BR" sz="1600" spc="-1" strike="noStrike">
-                <a:solidFill>
-                  <a:srgbClr val="1c1c1c"/>
-                </a:solidFill>
-                <a:latin typeface="Latin Modern Sans"/>
-                <a:ea typeface="DejaVu Sans"/>
-              </a:rPr>
-              <a:t>/</a:t>
-            </a:r>
-            <a:r>
-              <a:rPr b="0" lang="pt-BR" sz="1600" spc="-1" strike="noStrike">
-                <a:solidFill>
-                  <a:srgbClr val="1c1c1c"/>
-                </a:solidFill>
-                <a:latin typeface="Latin Modern Sans"/>
-                <a:ea typeface="DejaVu Sans"/>
-              </a:rPr>
-              <a:t>O</a:t>
-            </a:r>
-            <a:r>
-              <a:rPr b="0" lang="pt-BR" sz="1600" spc="-1" strike="noStrike">
-                <a:solidFill>
-                  <a:srgbClr val="1c1c1c"/>
-                </a:solidFill>
-                <a:latin typeface="Latin Modern Sans"/>
-                <a:ea typeface="DejaVu Sans"/>
-              </a:rPr>
-              <a:t>v</a:t>
-            </a:r>
-            <a:r>
-              <a:rPr b="0" lang="pt-BR" sz="1600" spc="-1" strike="noStrike">
-                <a:solidFill>
-                  <a:srgbClr val="1c1c1c"/>
-                </a:solidFill>
-                <a:latin typeface="Latin Modern Sans"/>
-                <a:ea typeface="DejaVu Sans"/>
-              </a:rPr>
-              <a:t>e</a:t>
-            </a:r>
-            <a:r>
-              <a:rPr b="0" lang="pt-BR" sz="1600" spc="-1" strike="noStrike">
-                <a:solidFill>
-                  <a:srgbClr val="1c1c1c"/>
-                </a:solidFill>
-                <a:latin typeface="Latin Modern Sans"/>
-                <a:ea typeface="DejaVu Sans"/>
-              </a:rPr>
-              <a:t>r</a:t>
-            </a:r>
-            <a:r>
-              <a:rPr b="0" lang="pt-BR" sz="1600" spc="-1" strike="noStrike">
-                <a:solidFill>
-                  <a:srgbClr val="1c1c1c"/>
-                </a:solidFill>
-                <a:latin typeface="Latin Modern Sans"/>
-                <a:ea typeface="DejaVu Sans"/>
-              </a:rPr>
-              <a:t>s</a:t>
-            </a:r>
-            <a:r>
-              <a:rPr b="0" lang="pt-BR" sz="1600" spc="-1" strike="noStrike">
-                <a:solidFill>
-                  <a:srgbClr val="1c1c1c"/>
-                </a:solidFill>
-                <a:latin typeface="Latin Modern Sans"/>
-                <a:ea typeface="DejaVu Sans"/>
-              </a:rPr>
-              <a:t>a</a:t>
-            </a:r>
-            <a:r>
-              <a:rPr b="0" lang="pt-BR" sz="1600" spc="-1" strike="noStrike">
-                <a:solidFill>
-                  <a:srgbClr val="1c1c1c"/>
-                </a:solidFill>
-                <a:latin typeface="Latin Modern Sans"/>
-                <a:ea typeface="DejaVu Sans"/>
-              </a:rPr>
-              <a:t>m</a:t>
-            </a:r>
-            <a:r>
-              <a:rPr b="0" lang="pt-BR" sz="1600" spc="-1" strike="noStrike">
-                <a:solidFill>
-                  <a:srgbClr val="1c1c1c"/>
-                </a:solidFill>
-                <a:latin typeface="Latin Modern Sans"/>
-                <a:ea typeface="DejaVu Sans"/>
-              </a:rPr>
-              <a:t>p</a:t>
-            </a:r>
-            <a:r>
-              <a:rPr b="0" lang="pt-BR" sz="1600" spc="-1" strike="noStrike">
-                <a:solidFill>
-                  <a:srgbClr val="1c1c1c"/>
-                </a:solidFill>
-                <a:latin typeface="Latin Modern Sans"/>
-                <a:ea typeface="DejaVu Sans"/>
-              </a:rPr>
-              <a:t>l</a:t>
-            </a:r>
-            <a:r>
-              <a:rPr b="0" lang="pt-BR" sz="1600" spc="-1" strike="noStrike">
-                <a:solidFill>
-                  <a:srgbClr val="1c1c1c"/>
-                </a:solidFill>
-                <a:latin typeface="Latin Modern Sans"/>
-                <a:ea typeface="DejaVu Sans"/>
-              </a:rPr>
-              <a:t>i</a:t>
-            </a:r>
-            <a:r>
-              <a:rPr b="0" lang="pt-BR" sz="1600" spc="-1" strike="noStrike">
-                <a:solidFill>
-                  <a:srgbClr val="1c1c1c"/>
-                </a:solidFill>
-                <a:latin typeface="Latin Modern Sans"/>
-                <a:ea typeface="DejaVu Sans"/>
-              </a:rPr>
-              <a:t>n</a:t>
-            </a:r>
-            <a:r>
-              <a:rPr b="0" lang="pt-BR" sz="1600" spc="-1" strike="noStrike">
-                <a:solidFill>
-                  <a:srgbClr val="1c1c1c"/>
-                </a:solidFill>
-                <a:latin typeface="Latin Modern Sans"/>
-                <a:ea typeface="DejaVu Sans"/>
-              </a:rPr>
-              <a:t>g</a:t>
-            </a:r>
-            <a:endParaRPr b="0" lang="pt-BR" sz="1600" spc="-1" strike="noStrike">
-              <a:latin typeface="Arial"/>
-            </a:endParaRPr>
-          </a:p>
-          <a:p>
-            <a:pPr lvl="1" marL="432000" indent="-216000">
-              <a:lnSpc>
-                <a:spcPct val="100000"/>
-              </a:lnSpc>
-              <a:spcAft>
-                <a:spcPts val="1140"/>
-              </a:spcAft>
-              <a:buClr>
-                <a:srgbClr val="000000"/>
-              </a:buClr>
-              <a:buSzPct val="45000"/>
-              <a:buFont typeface="Wingdings" charset="2"/>
-              <a:buChar char=""/>
-            </a:pPr>
-            <a:endParaRPr b="0" lang="pt-BR" sz="1600" spc="-1" strike="noStrike">
-              <a:latin typeface="Arial"/>
-            </a:endParaRPr>
-          </a:p>
-          <a:p>
-            <a:pPr lvl="1" marL="432000" indent="-216000">
-              <a:lnSpc>
-                <a:spcPct val="100000"/>
-              </a:lnSpc>
-              <a:spcAft>
-                <a:spcPts val="1140"/>
-              </a:spcAft>
-              <a:buClr>
-                <a:srgbClr val="000000"/>
-              </a:buClr>
-              <a:buSzPct val="45000"/>
-              <a:buFont typeface="Wingdings" charset="2"/>
-              <a:buChar char=""/>
-            </a:pPr>
-            <a:endParaRPr b="0" lang="pt-BR" sz="1600" spc="-1" strike="noStrike">
-              <a:latin typeface="Arial"/>
-            </a:endParaRPr>
-          </a:p>
-          <a:p>
-            <a:pPr lvl="1" marL="432000" indent="-216000">
-              <a:lnSpc>
-                <a:spcPct val="100000"/>
-              </a:lnSpc>
-              <a:spcAft>
-                <a:spcPts val="1140"/>
-              </a:spcAft>
-              <a:buClr>
-                <a:srgbClr val="000000"/>
-              </a:buClr>
-              <a:buSzPct val="45000"/>
-              <a:buFont typeface="Wingdings" charset="2"/>
-              <a:buChar char=""/>
-            </a:pPr>
-            <a:endParaRPr b="0" lang="pt-BR" sz="1600" spc="-1" strike="noStrike">
-              <a:latin typeface="Arial"/>
-            </a:endParaRPr>
-          </a:p>
-          <a:p>
-            <a:pPr lvl="1" marL="432000" indent="-216000">
-              <a:lnSpc>
-                <a:spcPct val="100000"/>
-              </a:lnSpc>
-              <a:spcAft>
-                <a:spcPts val="1140"/>
-              </a:spcAft>
-              <a:buClr>
-                <a:srgbClr val="000000"/>
-              </a:buClr>
-              <a:buSzPct val="45000"/>
-              <a:buFont typeface="Wingdings" charset="2"/>
-              <a:buChar char=""/>
-            </a:pPr>
             <a:endParaRPr b="0" lang="pt-BR" sz="1600" spc="-1" strike="noStrike">
               <a:latin typeface="Arial"/>
             </a:endParaRPr>
@@ -20543,6 +17157,62 @@
               </a:spcAft>
               <a:buNone/>
             </a:pPr>
+            <a:endParaRPr b="0" lang="pt-BR" sz="1600" spc="-1" strike="noStrike">
+              <a:latin typeface="Arial"/>
+            </a:endParaRPr>
+          </a:p>
+          <a:p>
+            <a:pPr>
+              <a:lnSpc>
+                <a:spcPct val="100000"/>
+              </a:lnSpc>
+              <a:spcAft>
+                <a:spcPts val="1140"/>
+              </a:spcAft>
+              <a:buNone/>
+            </a:pPr>
+            <a:endParaRPr b="0" lang="pt-BR" sz="1600" spc="-1" strike="noStrike">
+              <a:latin typeface="Arial"/>
+            </a:endParaRPr>
+          </a:p>
+          <a:p>
+            <a:pPr>
+              <a:lnSpc>
+                <a:spcPct val="100000"/>
+              </a:lnSpc>
+              <a:spcAft>
+                <a:spcPts val="1140"/>
+              </a:spcAft>
+              <a:buNone/>
+            </a:pPr>
+            <a:endParaRPr b="0" lang="pt-BR" sz="1600" spc="-1" strike="noStrike">
+              <a:latin typeface="Arial"/>
+            </a:endParaRPr>
+          </a:p>
+          <a:p>
+            <a:pPr>
+              <a:lnSpc>
+                <a:spcPct val="100000"/>
+              </a:lnSpc>
+              <a:spcAft>
+                <a:spcPts val="1140"/>
+              </a:spcAft>
+              <a:buNone/>
+            </a:pPr>
+            <a:endParaRPr b="0" lang="pt-BR" sz="1600" spc="-1" strike="noStrike">
+              <a:latin typeface="Arial"/>
+            </a:endParaRPr>
+          </a:p>
+          <a:p>
+            <a:pPr>
+              <a:lnSpc>
+                <a:spcPct val="100000"/>
+              </a:lnSpc>
+              <a:spcAft>
+                <a:spcPts val="1140"/>
+              </a:spcAft>
+              <a:buNone/>
+            </a:pPr>
             <a:endParaRPr b="0" lang="pt-BR" sz="2000" spc="-1" strike="noStrike">
               <a:latin typeface="Arial"/>
             </a:endParaRPr>
@@ -20558,7 +17228,7 @@
         <p:spPr>
           <a:xfrm>
             <a:off x="7608600" y="6814080"/>
-            <a:ext cx="2278440" cy="565200"/>
+            <a:ext cx="2278080" cy="564840"/>
           </a:xfrm>
           <a:prstGeom prst="rect">
             <a:avLst/>
@@ -20636,7 +17306,7 @@
         <p:spPr>
           <a:xfrm>
             <a:off x="4716000" y="4640400"/>
-            <a:ext cx="2304000" cy="1760760"/>
+            <a:ext cx="2303640" cy="1760400"/>
           </a:xfrm>
           <a:prstGeom prst="rect">
             <a:avLst/>
@@ -20659,7 +17329,7 @@
         <p:spPr>
           <a:xfrm>
             <a:off x="1260000" y="4314960"/>
-            <a:ext cx="2567880" cy="1985040"/>
+            <a:ext cx="2567520" cy="1984680"/>
           </a:xfrm>
           <a:prstGeom prst="rect">
             <a:avLst/>
@@ -20683,7 +17353,7 @@
         <p:spPr>
           <a:xfrm>
             <a:off x="2304360" y="1529280"/>
-            <a:ext cx="2375640" cy="1815480"/>
+            <a:ext cx="2375280" cy="1815120"/>
           </a:xfrm>
           <a:prstGeom prst="rect">
             <a:avLst/>
@@ -20702,7 +17372,7 @@
         <p:spPr>
           <a:xfrm>
             <a:off x="5832000" y="4680000"/>
-            <a:ext cx="504000" cy="1296000"/>
+            <a:ext cx="503640" cy="1295640"/>
           </a:xfrm>
           <a:prstGeom prst="rect">
             <a:avLst/>
@@ -20734,7 +17404,7 @@
         <p:spPr>
           <a:xfrm>
             <a:off x="6480000" y="4680000"/>
-            <a:ext cx="468000" cy="1440000"/>
+            <a:ext cx="467640" cy="1439640"/>
           </a:xfrm>
           <a:prstGeom prst="rect">
             <a:avLst/>
@@ -20770,7 +17440,7 @@
         <p:spPr>
           <a:xfrm>
             <a:off x="7084440" y="4500000"/>
-            <a:ext cx="2455560" cy="1901160"/>
+            <a:ext cx="2455200" cy="1900800"/>
           </a:xfrm>
           <a:prstGeom prst="rect">
             <a:avLst/>
@@ -20819,7 +17489,7 @@
         <p:spPr>
           <a:xfrm>
             <a:off x="360000" y="360000"/>
-            <a:ext cx="9346680" cy="886680"/>
+            <a:ext cx="9346320" cy="886320"/>
           </a:xfrm>
           <a:prstGeom prst="rect">
             <a:avLst/>
@@ -20871,7 +17541,7 @@
         <p:spPr>
           <a:xfrm>
             <a:off x="897120" y="6886080"/>
-            <a:ext cx="6433920" cy="351720"/>
+            <a:ext cx="6433560" cy="351360"/>
           </a:xfrm>
           <a:prstGeom prst="rect">
             <a:avLst/>
@@ -20923,7 +17593,7 @@
         <p:spPr>
           <a:xfrm>
             <a:off x="7608600" y="6886080"/>
-            <a:ext cx="2271960" cy="351720"/>
+            <a:ext cx="2271600" cy="351360"/>
           </a:xfrm>
           <a:prstGeom prst="rect">
             <a:avLst/>
@@ -20949,7 +17619,7 @@
         <p:spPr>
           <a:xfrm>
             <a:off x="342720" y="1529280"/>
-            <a:ext cx="6776280" cy="384480"/>
+            <a:ext cx="6775920" cy="384120"/>
           </a:xfrm>
           <a:prstGeom prst="rect">
             <a:avLst/>
@@ -20975,7 +17645,7 @@
         <p:spPr>
           <a:xfrm>
             <a:off x="360000" y="1728000"/>
-            <a:ext cx="9173160" cy="4673160"/>
+            <a:ext cx="9172800" cy="4672800"/>
           </a:xfrm>
           <a:prstGeom prst="rect">
             <a:avLst/>
@@ -21018,397 +17688,7 @@
                 <a:latin typeface="Latin Modern Sans"/>
                 <a:ea typeface="DejaVu Sans"/>
               </a:rPr>
-              <a:t>R</a:t>
-            </a:r>
-            <a:r>
-              <a:rPr b="0" lang="pt-BR" sz="1600" spc="-1" strike="noStrike">
-                <a:solidFill>
-                  <a:srgbClr val="1c1c1c"/>
-                </a:solidFill>
-                <a:latin typeface="Latin Modern Sans"/>
-                <a:ea typeface="DejaVu Sans"/>
-              </a:rPr>
-              <a:t>e</a:t>
-            </a:r>
-            <a:r>
-              <a:rPr b="0" lang="pt-BR" sz="1600" spc="-1" strike="noStrike">
-                <a:solidFill>
-                  <a:srgbClr val="1c1c1c"/>
-                </a:solidFill>
-                <a:latin typeface="Latin Modern Sans"/>
-                <a:ea typeface="DejaVu Sans"/>
-              </a:rPr>
-              <a:t>p</a:t>
-            </a:r>
-            <a:r>
-              <a:rPr b="0" lang="pt-BR" sz="1600" spc="-1" strike="noStrike">
-                <a:solidFill>
-                  <a:srgbClr val="1c1c1c"/>
-                </a:solidFill>
-                <a:latin typeface="Latin Modern Sans"/>
-                <a:ea typeface="DejaVu Sans"/>
-              </a:rPr>
-              <a:t>l</a:t>
-            </a:r>
-            <a:r>
-              <a:rPr b="0" lang="pt-BR" sz="1600" spc="-1" strike="noStrike">
-                <a:solidFill>
-                  <a:srgbClr val="1c1c1c"/>
-                </a:solidFill>
-                <a:latin typeface="Latin Modern Sans"/>
-                <a:ea typeface="DejaVu Sans"/>
-              </a:rPr>
-              <a:t>i</a:t>
-            </a:r>
-            <a:r>
-              <a:rPr b="0" lang="pt-BR" sz="1600" spc="-1" strike="noStrike">
-                <a:solidFill>
-                  <a:srgbClr val="1c1c1c"/>
-                </a:solidFill>
-                <a:latin typeface="Latin Modern Sans"/>
-                <a:ea typeface="DejaVu Sans"/>
-              </a:rPr>
-              <a:t>c</a:t>
-            </a:r>
-            <a:r>
-              <a:rPr b="0" lang="pt-BR" sz="1600" spc="-1" strike="noStrike">
-                <a:solidFill>
-                  <a:srgbClr val="1c1c1c"/>
-                </a:solidFill>
-                <a:latin typeface="Latin Modern Sans"/>
-                <a:ea typeface="DejaVu Sans"/>
-              </a:rPr>
-              <a:t>a</a:t>
-            </a:r>
-            <a:r>
-              <a:rPr b="0" lang="pt-BR" sz="1600" spc="-1" strike="noStrike">
-                <a:solidFill>
-                  <a:srgbClr val="1c1c1c"/>
-                </a:solidFill>
-                <a:latin typeface="Latin Modern Sans"/>
-                <a:ea typeface="DejaVu Sans"/>
-              </a:rPr>
-              <a:t>ç</a:t>
-            </a:r>
-            <a:r>
-              <a:rPr b="0" lang="pt-BR" sz="1600" spc="-1" strike="noStrike">
-                <a:solidFill>
-                  <a:srgbClr val="1c1c1c"/>
-                </a:solidFill>
-                <a:latin typeface="Latin Modern Sans"/>
-                <a:ea typeface="DejaVu Sans"/>
-              </a:rPr>
-              <a:t>ã</a:t>
-            </a:r>
-            <a:r>
-              <a:rPr b="0" lang="pt-BR" sz="1600" spc="-1" strike="noStrike">
-                <a:solidFill>
-                  <a:srgbClr val="1c1c1c"/>
-                </a:solidFill>
-                <a:latin typeface="Latin Modern Sans"/>
-                <a:ea typeface="DejaVu Sans"/>
-              </a:rPr>
-              <a:t>o</a:t>
-            </a:r>
-            <a:r>
-              <a:rPr b="0" lang="pt-BR" sz="1600" spc="-1" strike="noStrike">
-                <a:solidFill>
-                  <a:srgbClr val="1c1c1c"/>
-                </a:solidFill>
-                <a:latin typeface="Latin Modern Sans"/>
-                <a:ea typeface="DejaVu Sans"/>
-              </a:rPr>
-              <a:t> </a:t>
-            </a:r>
-            <a:r>
-              <a:rPr b="0" lang="pt-BR" sz="1600" spc="-1" strike="noStrike">
-                <a:solidFill>
-                  <a:srgbClr val="1c1c1c"/>
-                </a:solidFill>
-                <a:latin typeface="Latin Modern Sans"/>
-                <a:ea typeface="DejaVu Sans"/>
-              </a:rPr>
-              <a:t>n</a:t>
-            </a:r>
-            <a:r>
-              <a:rPr b="0" lang="pt-BR" sz="1600" spc="-1" strike="noStrike">
-                <a:solidFill>
-                  <a:srgbClr val="1c1c1c"/>
-                </a:solidFill>
-                <a:latin typeface="Latin Modern Sans"/>
-                <a:ea typeface="DejaVu Sans"/>
-              </a:rPr>
-              <a:t>ã</a:t>
-            </a:r>
-            <a:r>
-              <a:rPr b="0" lang="pt-BR" sz="1600" spc="-1" strike="noStrike">
-                <a:solidFill>
-                  <a:srgbClr val="1c1c1c"/>
-                </a:solidFill>
-                <a:latin typeface="Latin Modern Sans"/>
-                <a:ea typeface="DejaVu Sans"/>
-              </a:rPr>
-              <a:t>o</a:t>
-            </a:r>
-            <a:r>
-              <a:rPr b="0" lang="pt-BR" sz="1600" spc="-1" strike="noStrike">
-                <a:solidFill>
-                  <a:srgbClr val="1c1c1c"/>
-                </a:solidFill>
-                <a:latin typeface="Latin Modern Sans"/>
-                <a:ea typeface="DejaVu Sans"/>
-              </a:rPr>
-              <a:t> </a:t>
-            </a:r>
-            <a:r>
-              <a:rPr b="0" lang="pt-BR" sz="1600" spc="-1" strike="noStrike">
-                <a:solidFill>
-                  <a:srgbClr val="1c1c1c"/>
-                </a:solidFill>
-                <a:latin typeface="Latin Modern Sans"/>
-                <a:ea typeface="DejaVu Sans"/>
-              </a:rPr>
-              <a:t>é</a:t>
-            </a:r>
-            <a:r>
-              <a:rPr b="0" lang="pt-BR" sz="1600" spc="-1" strike="noStrike">
-                <a:solidFill>
-                  <a:srgbClr val="1c1c1c"/>
-                </a:solidFill>
-                <a:latin typeface="Latin Modern Sans"/>
-                <a:ea typeface="DejaVu Sans"/>
-              </a:rPr>
-              <a:t> </a:t>
-            </a:r>
-            <a:r>
-              <a:rPr b="0" lang="pt-BR" sz="1600" spc="-1" strike="noStrike">
-                <a:solidFill>
-                  <a:srgbClr val="1c1c1c"/>
-                </a:solidFill>
-                <a:latin typeface="Latin Modern Sans"/>
-                <a:ea typeface="DejaVu Sans"/>
-              </a:rPr>
-              <a:t>n</a:t>
-            </a:r>
-            <a:r>
-              <a:rPr b="0" lang="pt-BR" sz="1600" spc="-1" strike="noStrike">
-                <a:solidFill>
-                  <a:srgbClr val="1c1c1c"/>
-                </a:solidFill>
-                <a:latin typeface="Latin Modern Sans"/>
-                <a:ea typeface="DejaVu Sans"/>
-              </a:rPr>
-              <a:t>e</a:t>
-            </a:r>
-            <a:r>
-              <a:rPr b="0" lang="pt-BR" sz="1600" spc="-1" strike="noStrike">
-                <a:solidFill>
-                  <a:srgbClr val="1c1c1c"/>
-                </a:solidFill>
-                <a:latin typeface="Latin Modern Sans"/>
-                <a:ea typeface="DejaVu Sans"/>
-              </a:rPr>
-              <a:t>c</a:t>
-            </a:r>
-            <a:r>
-              <a:rPr b="0" lang="pt-BR" sz="1600" spc="-1" strike="noStrike">
-                <a:solidFill>
-                  <a:srgbClr val="1c1c1c"/>
-                </a:solidFill>
-                <a:latin typeface="Latin Modern Sans"/>
-                <a:ea typeface="DejaVu Sans"/>
-              </a:rPr>
-              <a:t>e</a:t>
-            </a:r>
-            <a:r>
-              <a:rPr b="0" lang="pt-BR" sz="1600" spc="-1" strike="noStrike">
-                <a:solidFill>
-                  <a:srgbClr val="1c1c1c"/>
-                </a:solidFill>
-                <a:latin typeface="Latin Modern Sans"/>
-                <a:ea typeface="DejaVu Sans"/>
-              </a:rPr>
-              <a:t>s</a:t>
-            </a:r>
-            <a:r>
-              <a:rPr b="0" lang="pt-BR" sz="1600" spc="-1" strike="noStrike">
-                <a:solidFill>
-                  <a:srgbClr val="1c1c1c"/>
-                </a:solidFill>
-                <a:latin typeface="Latin Modern Sans"/>
-                <a:ea typeface="DejaVu Sans"/>
-              </a:rPr>
-              <a:t>s</a:t>
-            </a:r>
-            <a:r>
-              <a:rPr b="0" lang="pt-BR" sz="1600" spc="-1" strike="noStrike">
-                <a:solidFill>
-                  <a:srgbClr val="1c1c1c"/>
-                </a:solidFill>
-                <a:latin typeface="Latin Modern Sans"/>
-                <a:ea typeface="DejaVu Sans"/>
-              </a:rPr>
-              <a:t>a</a:t>
-            </a:r>
-            <a:r>
-              <a:rPr b="0" lang="pt-BR" sz="1600" spc="-1" strike="noStrike">
-                <a:solidFill>
-                  <a:srgbClr val="1c1c1c"/>
-                </a:solidFill>
-                <a:latin typeface="Latin Modern Sans"/>
-                <a:ea typeface="DejaVu Sans"/>
-              </a:rPr>
-              <a:t>r</a:t>
-            </a:r>
-            <a:r>
-              <a:rPr b="0" lang="pt-BR" sz="1600" spc="-1" strike="noStrike">
-                <a:solidFill>
-                  <a:srgbClr val="1c1c1c"/>
-                </a:solidFill>
-                <a:latin typeface="Latin Modern Sans"/>
-                <a:ea typeface="DejaVu Sans"/>
-              </a:rPr>
-              <a:t>i</a:t>
-            </a:r>
-            <a:r>
-              <a:rPr b="0" lang="pt-BR" sz="1600" spc="-1" strike="noStrike">
-                <a:solidFill>
-                  <a:srgbClr val="1c1c1c"/>
-                </a:solidFill>
-                <a:latin typeface="Latin Modern Sans"/>
-                <a:ea typeface="DejaVu Sans"/>
-              </a:rPr>
-              <a:t>a</a:t>
-            </a:r>
-            <a:r>
-              <a:rPr b="0" lang="pt-BR" sz="1600" spc="-1" strike="noStrike">
-                <a:solidFill>
-                  <a:srgbClr val="1c1c1c"/>
-                </a:solidFill>
-                <a:latin typeface="Latin Modern Sans"/>
-                <a:ea typeface="DejaVu Sans"/>
-              </a:rPr>
-              <a:t>m</a:t>
-            </a:r>
-            <a:r>
-              <a:rPr b="0" lang="pt-BR" sz="1600" spc="-1" strike="noStrike">
-                <a:solidFill>
-                  <a:srgbClr val="1c1c1c"/>
-                </a:solidFill>
-                <a:latin typeface="Latin Modern Sans"/>
-                <a:ea typeface="DejaVu Sans"/>
-              </a:rPr>
-              <a:t>e</a:t>
-            </a:r>
-            <a:r>
-              <a:rPr b="0" lang="pt-BR" sz="1600" spc="-1" strike="noStrike">
-                <a:solidFill>
-                  <a:srgbClr val="1c1c1c"/>
-                </a:solidFill>
-                <a:latin typeface="Latin Modern Sans"/>
-                <a:ea typeface="DejaVu Sans"/>
-              </a:rPr>
-              <a:t>n</a:t>
-            </a:r>
-            <a:r>
-              <a:rPr b="0" lang="pt-BR" sz="1600" spc="-1" strike="noStrike">
-                <a:solidFill>
-                  <a:srgbClr val="1c1c1c"/>
-                </a:solidFill>
-                <a:latin typeface="Latin Modern Sans"/>
-                <a:ea typeface="DejaVu Sans"/>
-              </a:rPr>
-              <a:t>t</a:t>
-            </a:r>
-            <a:r>
-              <a:rPr b="0" lang="pt-BR" sz="1600" spc="-1" strike="noStrike">
-                <a:solidFill>
-                  <a:srgbClr val="1c1c1c"/>
-                </a:solidFill>
-                <a:latin typeface="Latin Modern Sans"/>
-                <a:ea typeface="DejaVu Sans"/>
-              </a:rPr>
-              <a:t>e</a:t>
-            </a:r>
-            <a:r>
-              <a:rPr b="0" lang="pt-BR" sz="1600" spc="-1" strike="noStrike">
-                <a:solidFill>
-                  <a:srgbClr val="1c1c1c"/>
-                </a:solidFill>
-                <a:latin typeface="Latin Modern Sans"/>
-                <a:ea typeface="DejaVu Sans"/>
-              </a:rPr>
-              <a:t> </a:t>
-            </a:r>
-            <a:r>
-              <a:rPr b="0" lang="pt-BR" sz="1600" spc="-1" strike="noStrike">
-                <a:solidFill>
-                  <a:srgbClr val="1c1c1c"/>
-                </a:solidFill>
-                <a:latin typeface="Latin Modern Sans"/>
-                <a:ea typeface="DejaVu Sans"/>
-              </a:rPr>
-              <a:t>e</a:t>
-            </a:r>
-            <a:r>
-              <a:rPr b="0" lang="pt-BR" sz="1600" spc="-1" strike="noStrike">
-                <a:solidFill>
-                  <a:srgbClr val="1c1c1c"/>
-                </a:solidFill>
-                <a:latin typeface="Latin Modern Sans"/>
-                <a:ea typeface="DejaVu Sans"/>
-              </a:rPr>
-              <a:t>f</a:t>
-            </a:r>
-            <a:r>
-              <a:rPr b="0" lang="pt-BR" sz="1600" spc="-1" strike="noStrike">
-                <a:solidFill>
-                  <a:srgbClr val="1c1c1c"/>
-                </a:solidFill>
-                <a:latin typeface="Latin Modern Sans"/>
-                <a:ea typeface="DejaVu Sans"/>
-              </a:rPr>
-              <a:t>i</a:t>
-            </a:r>
-            <a:r>
-              <a:rPr b="0" lang="pt-BR" sz="1600" spc="-1" strike="noStrike">
-                <a:solidFill>
-                  <a:srgbClr val="1c1c1c"/>
-                </a:solidFill>
-                <a:latin typeface="Latin Modern Sans"/>
-                <a:ea typeface="DejaVu Sans"/>
-              </a:rPr>
-              <a:t>c</a:t>
-            </a:r>
-            <a:r>
-              <a:rPr b="0" lang="pt-BR" sz="1600" spc="-1" strike="noStrike">
-                <a:solidFill>
-                  <a:srgbClr val="1c1c1c"/>
-                </a:solidFill>
-                <a:latin typeface="Latin Modern Sans"/>
-                <a:ea typeface="DejaVu Sans"/>
-              </a:rPr>
-              <a:t>a</a:t>
-            </a:r>
-            <a:r>
-              <a:rPr b="0" lang="pt-BR" sz="1600" spc="-1" strike="noStrike">
-                <a:solidFill>
-                  <a:srgbClr val="1c1c1c"/>
-                </a:solidFill>
-                <a:latin typeface="Latin Modern Sans"/>
-                <a:ea typeface="DejaVu Sans"/>
-              </a:rPr>
-              <a:t>z</a:t>
-            </a:r>
-            <a:r>
-              <a:rPr b="0" lang="pt-BR" sz="1600" spc="-1" strike="noStrike">
-                <a:solidFill>
-                  <a:srgbClr val="1c1c1c"/>
-                </a:solidFill>
-                <a:latin typeface="Latin Modern Sans"/>
-                <a:ea typeface="DejaVu Sans"/>
-              </a:rPr>
-              <a:t> </a:t>
+              <a:t>Replicação não é necessariamente eficaz </a:t>
             </a:r>
             <a:endParaRPr b="0" lang="pt-BR" sz="1600" spc="-1" strike="noStrike">
               <a:latin typeface="Arial"/>
@@ -21437,317 +17717,7 @@
                 <a:latin typeface="Latin Modern Sans"/>
                 <a:ea typeface="DejaVu Sans"/>
               </a:rPr>
-              <a:t>N</a:t>
-            </a:r>
-            <a:r>
-              <a:rPr b="0" lang="pt-BR" sz="1600" spc="-1" strike="noStrike">
-                <a:solidFill>
-                  <a:srgbClr val="1c1c1c"/>
-                </a:solidFill>
-                <a:latin typeface="Latin Modern Sans"/>
-                <a:ea typeface="DejaVu Sans"/>
-              </a:rPr>
-              <a:t>ã</a:t>
-            </a:r>
-            <a:r>
-              <a:rPr b="0" lang="pt-BR" sz="1600" spc="-1" strike="noStrike">
-                <a:solidFill>
-                  <a:srgbClr val="1c1c1c"/>
-                </a:solidFill>
-                <a:latin typeface="Latin Modern Sans"/>
-                <a:ea typeface="DejaVu Sans"/>
-              </a:rPr>
-              <a:t>o</a:t>
-            </a:r>
-            <a:r>
-              <a:rPr b="0" lang="pt-BR" sz="1600" spc="-1" strike="noStrike">
-                <a:solidFill>
-                  <a:srgbClr val="1c1c1c"/>
-                </a:solidFill>
-                <a:latin typeface="Latin Modern Sans"/>
-                <a:ea typeface="DejaVu Sans"/>
-              </a:rPr>
-              <a:t> </a:t>
-            </a:r>
-            <a:r>
-              <a:rPr b="0" lang="pt-BR" sz="1600" spc="-1" strike="noStrike">
-                <a:solidFill>
-                  <a:srgbClr val="1c1c1c"/>
-                </a:solidFill>
-                <a:latin typeface="Latin Modern Sans"/>
-                <a:ea typeface="DejaVu Sans"/>
-              </a:rPr>
-              <a:t>a</a:t>
-            </a:r>
-            <a:r>
-              <a:rPr b="0" lang="pt-BR" sz="1600" spc="-1" strike="noStrike">
-                <a:solidFill>
-                  <a:srgbClr val="1c1c1c"/>
-                </a:solidFill>
-                <a:latin typeface="Latin Modern Sans"/>
-                <a:ea typeface="DejaVu Sans"/>
-              </a:rPr>
-              <a:t>u</a:t>
-            </a:r>
-            <a:r>
-              <a:rPr b="0" lang="pt-BR" sz="1600" spc="-1" strike="noStrike">
-                <a:solidFill>
-                  <a:srgbClr val="1c1c1c"/>
-                </a:solidFill>
-                <a:latin typeface="Latin Modern Sans"/>
-                <a:ea typeface="DejaVu Sans"/>
-              </a:rPr>
-              <a:t>m</a:t>
-            </a:r>
-            <a:r>
-              <a:rPr b="0" lang="pt-BR" sz="1600" spc="-1" strike="noStrike">
-                <a:solidFill>
-                  <a:srgbClr val="1c1c1c"/>
-                </a:solidFill>
-                <a:latin typeface="Latin Modern Sans"/>
-                <a:ea typeface="DejaVu Sans"/>
-              </a:rPr>
-              <a:t>e</a:t>
-            </a:r>
-            <a:r>
-              <a:rPr b="0" lang="pt-BR" sz="1600" spc="-1" strike="noStrike">
-                <a:solidFill>
-                  <a:srgbClr val="1c1c1c"/>
-                </a:solidFill>
-                <a:latin typeface="Latin Modern Sans"/>
-                <a:ea typeface="DejaVu Sans"/>
-              </a:rPr>
-              <a:t>n</a:t>
-            </a:r>
-            <a:r>
-              <a:rPr b="0" lang="pt-BR" sz="1600" spc="-1" strike="noStrike">
-                <a:solidFill>
-                  <a:srgbClr val="1c1c1c"/>
-                </a:solidFill>
-                <a:latin typeface="Latin Modern Sans"/>
-                <a:ea typeface="DejaVu Sans"/>
-              </a:rPr>
-              <a:t>t</a:t>
-            </a:r>
-            <a:r>
-              <a:rPr b="0" lang="pt-BR" sz="1600" spc="-1" strike="noStrike">
-                <a:solidFill>
-                  <a:srgbClr val="1c1c1c"/>
-                </a:solidFill>
-                <a:latin typeface="Latin Modern Sans"/>
-                <a:ea typeface="DejaVu Sans"/>
-              </a:rPr>
-              <a:t>a</a:t>
-            </a:r>
-            <a:r>
-              <a:rPr b="0" lang="pt-BR" sz="1600" spc="-1" strike="noStrike">
-                <a:solidFill>
-                  <a:srgbClr val="1c1c1c"/>
-                </a:solidFill>
-                <a:latin typeface="Latin Modern Sans"/>
-                <a:ea typeface="DejaVu Sans"/>
-              </a:rPr>
-              <a:t> </a:t>
-            </a:r>
-            <a:r>
-              <a:rPr b="0" lang="pt-BR" sz="1600" spc="-1" strike="noStrike">
-                <a:solidFill>
-                  <a:srgbClr val="1c1c1c"/>
-                </a:solidFill>
-                <a:latin typeface="Latin Modern Sans"/>
-                <a:ea typeface="DejaVu Sans"/>
-              </a:rPr>
-              <a:t>a</a:t>
-            </a:r>
-            <a:r>
-              <a:rPr b="0" lang="pt-BR" sz="1600" spc="-1" strike="noStrike">
-                <a:solidFill>
-                  <a:srgbClr val="1c1c1c"/>
-                </a:solidFill>
-                <a:latin typeface="Latin Modern Sans"/>
-                <a:ea typeface="DejaVu Sans"/>
-              </a:rPr>
-              <a:t> </a:t>
-            </a:r>
-            <a:r>
-              <a:rPr b="0" lang="pt-BR" sz="1600" spc="-1" strike="noStrike">
-                <a:solidFill>
-                  <a:srgbClr val="1c1c1c"/>
-                </a:solidFill>
-                <a:latin typeface="Latin Modern Sans"/>
-                <a:ea typeface="DejaVu Sans"/>
-              </a:rPr>
-              <a:t>r</a:t>
-            </a:r>
-            <a:r>
-              <a:rPr b="0" lang="pt-BR" sz="1600" spc="-1" strike="noStrike">
-                <a:solidFill>
-                  <a:srgbClr val="1c1c1c"/>
-                </a:solidFill>
-                <a:latin typeface="Latin Modern Sans"/>
-                <a:ea typeface="DejaVu Sans"/>
-              </a:rPr>
-              <a:t>e</a:t>
-            </a:r>
-            <a:r>
-              <a:rPr b="0" lang="pt-BR" sz="1600" spc="-1" strike="noStrike">
-                <a:solidFill>
-                  <a:srgbClr val="1c1c1c"/>
-                </a:solidFill>
-                <a:latin typeface="Latin Modern Sans"/>
-                <a:ea typeface="DejaVu Sans"/>
-              </a:rPr>
-              <a:t>p</a:t>
-            </a:r>
-            <a:r>
-              <a:rPr b="0" lang="pt-BR" sz="1600" spc="-1" strike="noStrike">
-                <a:solidFill>
-                  <a:srgbClr val="1c1c1c"/>
-                </a:solidFill>
-                <a:latin typeface="Latin Modern Sans"/>
-                <a:ea typeface="DejaVu Sans"/>
-              </a:rPr>
-              <a:t>r</a:t>
-            </a:r>
-            <a:r>
-              <a:rPr b="0" lang="pt-BR" sz="1600" spc="-1" strike="noStrike">
-                <a:solidFill>
-                  <a:srgbClr val="1c1c1c"/>
-                </a:solidFill>
-                <a:latin typeface="Latin Modern Sans"/>
-                <a:ea typeface="DejaVu Sans"/>
-              </a:rPr>
-              <a:t>e</a:t>
-            </a:r>
-            <a:r>
-              <a:rPr b="0" lang="pt-BR" sz="1600" spc="-1" strike="noStrike">
-                <a:solidFill>
-                  <a:srgbClr val="1c1c1c"/>
-                </a:solidFill>
-                <a:latin typeface="Latin Modern Sans"/>
-                <a:ea typeface="DejaVu Sans"/>
-              </a:rPr>
-              <a:t>s</a:t>
-            </a:r>
-            <a:r>
-              <a:rPr b="0" lang="pt-BR" sz="1600" spc="-1" strike="noStrike">
-                <a:solidFill>
-                  <a:srgbClr val="1c1c1c"/>
-                </a:solidFill>
-                <a:latin typeface="Latin Modern Sans"/>
-                <a:ea typeface="DejaVu Sans"/>
-              </a:rPr>
-              <a:t>e</a:t>
-            </a:r>
-            <a:r>
-              <a:rPr b="0" lang="pt-BR" sz="1600" spc="-1" strike="noStrike">
-                <a:solidFill>
-                  <a:srgbClr val="1c1c1c"/>
-                </a:solidFill>
-                <a:latin typeface="Latin Modern Sans"/>
-                <a:ea typeface="DejaVu Sans"/>
-              </a:rPr>
-              <a:t>n</a:t>
-            </a:r>
-            <a:r>
-              <a:rPr b="0" lang="pt-BR" sz="1600" spc="-1" strike="noStrike">
-                <a:solidFill>
-                  <a:srgbClr val="1c1c1c"/>
-                </a:solidFill>
-                <a:latin typeface="Latin Modern Sans"/>
-                <a:ea typeface="DejaVu Sans"/>
-              </a:rPr>
-              <a:t>t</a:t>
-            </a:r>
-            <a:r>
-              <a:rPr b="0" lang="pt-BR" sz="1600" spc="-1" strike="noStrike">
-                <a:solidFill>
-                  <a:srgbClr val="1c1c1c"/>
-                </a:solidFill>
-                <a:latin typeface="Latin Modern Sans"/>
-                <a:ea typeface="DejaVu Sans"/>
-              </a:rPr>
-              <a:t>a</a:t>
-            </a:r>
-            <a:r>
-              <a:rPr b="0" lang="pt-BR" sz="1600" spc="-1" strike="noStrike">
-                <a:solidFill>
-                  <a:srgbClr val="1c1c1c"/>
-                </a:solidFill>
-                <a:latin typeface="Latin Modern Sans"/>
-                <a:ea typeface="DejaVu Sans"/>
-              </a:rPr>
-              <a:t>t</a:t>
-            </a:r>
-            <a:r>
-              <a:rPr b="0" lang="pt-BR" sz="1600" spc="-1" strike="noStrike">
-                <a:solidFill>
-                  <a:srgbClr val="1c1c1c"/>
-                </a:solidFill>
-                <a:latin typeface="Latin Modern Sans"/>
-                <a:ea typeface="DejaVu Sans"/>
-              </a:rPr>
-              <a:t>i</a:t>
-            </a:r>
-            <a:r>
-              <a:rPr b="0" lang="pt-BR" sz="1600" spc="-1" strike="noStrike">
-                <a:solidFill>
-                  <a:srgbClr val="1c1c1c"/>
-                </a:solidFill>
-                <a:latin typeface="Latin Modern Sans"/>
-                <a:ea typeface="DejaVu Sans"/>
-              </a:rPr>
-              <a:t>v</a:t>
-            </a:r>
-            <a:r>
-              <a:rPr b="0" lang="pt-BR" sz="1600" spc="-1" strike="noStrike">
-                <a:solidFill>
-                  <a:srgbClr val="1c1c1c"/>
-                </a:solidFill>
-                <a:latin typeface="Latin Modern Sans"/>
-                <a:ea typeface="DejaVu Sans"/>
-              </a:rPr>
-              <a:t>i</a:t>
-            </a:r>
-            <a:r>
-              <a:rPr b="0" lang="pt-BR" sz="1600" spc="-1" strike="noStrike">
-                <a:solidFill>
-                  <a:srgbClr val="1c1c1c"/>
-                </a:solidFill>
-                <a:latin typeface="Latin Modern Sans"/>
-                <a:ea typeface="DejaVu Sans"/>
-              </a:rPr>
-              <a:t>d</a:t>
-            </a:r>
-            <a:r>
-              <a:rPr b="0" lang="pt-BR" sz="1600" spc="-1" strike="noStrike">
-                <a:solidFill>
-                  <a:srgbClr val="1c1c1c"/>
-                </a:solidFill>
-                <a:latin typeface="Latin Modern Sans"/>
-                <a:ea typeface="DejaVu Sans"/>
-              </a:rPr>
-              <a:t>a</a:t>
-            </a:r>
-            <a:r>
-              <a:rPr b="0" lang="pt-BR" sz="1600" spc="-1" strike="noStrike">
-                <a:solidFill>
-                  <a:srgbClr val="1c1c1c"/>
-                </a:solidFill>
-                <a:latin typeface="Latin Modern Sans"/>
-                <a:ea typeface="DejaVu Sans"/>
-              </a:rPr>
-              <a:t>d</a:t>
-            </a:r>
-            <a:r>
-              <a:rPr b="0" lang="pt-BR" sz="1600" spc="-1" strike="noStrike">
-                <a:solidFill>
-                  <a:srgbClr val="1c1c1c"/>
-                </a:solidFill>
-                <a:latin typeface="Latin Modern Sans"/>
-                <a:ea typeface="DejaVu Sans"/>
-              </a:rPr>
-              <a:t>e</a:t>
+              <a:t>Não aumenta a representatividade</a:t>
             </a:r>
             <a:endParaRPr b="0" lang="pt-BR" sz="1600" spc="-1" strike="noStrike">
               <a:latin typeface="Arial"/>
@@ -21776,423 +17746,8 @@
                 <a:latin typeface="Latin Modern Sans"/>
                 <a:ea typeface="DejaVu Sans"/>
               </a:rPr>
-              <a:t>I</a:t>
+              <a:t>Interpolação pode ser mais eficaz</a:t>
             </a:r>
-            <a:r>
-              <a:rPr b="0" lang="pt-BR" sz="1600" spc="-1" strike="noStrike">
-                <a:solidFill>
-                  <a:srgbClr val="1c1c1c"/>
-                </a:solidFill>
-                <a:latin typeface="Latin Modern Sans"/>
-                <a:ea typeface="DejaVu Sans"/>
-              </a:rPr>
-              <a:t>n</a:t>
-            </a:r>
-            <a:r>
-              <a:rPr b="0" lang="pt-BR" sz="1600" spc="-1" strike="noStrike">
-                <a:solidFill>
-                  <a:srgbClr val="1c1c1c"/>
-                </a:solidFill>
-                <a:latin typeface="Latin Modern Sans"/>
-                <a:ea typeface="DejaVu Sans"/>
-              </a:rPr>
-              <a:t>t</a:t>
-            </a:r>
-            <a:r>
-              <a:rPr b="0" lang="pt-BR" sz="1600" spc="-1" strike="noStrike">
-                <a:solidFill>
-                  <a:srgbClr val="1c1c1c"/>
-                </a:solidFill>
-                <a:latin typeface="Latin Modern Sans"/>
-                <a:ea typeface="DejaVu Sans"/>
-              </a:rPr>
-              <a:t>e</a:t>
-            </a:r>
-            <a:r>
-              <a:rPr b="0" lang="pt-BR" sz="1600" spc="-1" strike="noStrike">
-                <a:solidFill>
-                  <a:srgbClr val="1c1c1c"/>
-                </a:solidFill>
-                <a:latin typeface="Latin Modern Sans"/>
-                <a:ea typeface="DejaVu Sans"/>
-              </a:rPr>
-              <a:t>r</a:t>
-            </a:r>
-            <a:r>
-              <a:rPr b="0" lang="pt-BR" sz="1600" spc="-1" strike="noStrike">
-                <a:solidFill>
-                  <a:srgbClr val="1c1c1c"/>
-                </a:solidFill>
-                <a:latin typeface="Latin Modern Sans"/>
-                <a:ea typeface="DejaVu Sans"/>
-              </a:rPr>
-              <a:t>p</a:t>
-            </a:r>
-            <a:r>
-              <a:rPr b="0" lang="pt-BR" sz="1600" spc="-1" strike="noStrike">
-                <a:solidFill>
-                  <a:srgbClr val="1c1c1c"/>
-                </a:solidFill>
-                <a:latin typeface="Latin Modern Sans"/>
-                <a:ea typeface="DejaVu Sans"/>
-              </a:rPr>
-              <a:t>o</a:t>
-            </a:r>
-            <a:r>
-              <a:rPr b="0" lang="pt-BR" sz="1600" spc="-1" strike="noStrike">
-                <a:solidFill>
-                  <a:srgbClr val="1c1c1c"/>
-                </a:solidFill>
-                <a:latin typeface="Latin Modern Sans"/>
-                <a:ea typeface="DejaVu Sans"/>
-              </a:rPr>
-              <a:t>l</a:t>
-            </a:r>
-            <a:r>
-              <a:rPr b="0" lang="pt-BR" sz="1600" spc="-1" strike="noStrike">
-                <a:solidFill>
-                  <a:srgbClr val="1c1c1c"/>
-                </a:solidFill>
-                <a:latin typeface="Latin Modern Sans"/>
-                <a:ea typeface="DejaVu Sans"/>
-              </a:rPr>
-              <a:t>a</a:t>
-            </a:r>
-            <a:r>
-              <a:rPr b="0" lang="pt-BR" sz="1600" spc="-1" strike="noStrike">
-                <a:solidFill>
-                  <a:srgbClr val="1c1c1c"/>
-                </a:solidFill>
-                <a:latin typeface="Latin Modern Sans"/>
-                <a:ea typeface="DejaVu Sans"/>
-              </a:rPr>
-              <a:t>ç</a:t>
-            </a:r>
-            <a:r>
-              <a:rPr b="0" lang="pt-BR" sz="1600" spc="-1" strike="noStrike">
-                <a:solidFill>
-                  <a:srgbClr val="1c1c1c"/>
-                </a:solidFill>
-                <a:latin typeface="Latin Modern Sans"/>
-                <a:ea typeface="DejaVu Sans"/>
-              </a:rPr>
-              <a:t>ã</a:t>
-            </a:r>
-            <a:r>
-              <a:rPr b="0" lang="pt-BR" sz="1600" spc="-1" strike="noStrike">
-                <a:solidFill>
-                  <a:srgbClr val="1c1c1c"/>
-                </a:solidFill>
-                <a:latin typeface="Latin Modern Sans"/>
-                <a:ea typeface="DejaVu Sans"/>
-              </a:rPr>
-              <a:t>o</a:t>
-            </a:r>
-            <a:r>
-              <a:rPr b="0" lang="pt-BR" sz="1600" spc="-1" strike="noStrike">
-                <a:solidFill>
-                  <a:srgbClr val="1c1c1c"/>
-                </a:solidFill>
-                <a:latin typeface="Latin Modern Sans"/>
-                <a:ea typeface="DejaVu Sans"/>
-              </a:rPr>
-              <a:t> </a:t>
-            </a:r>
-            <a:r>
-              <a:rPr b="0" lang="pt-BR" sz="1600" spc="-1" strike="noStrike">
-                <a:solidFill>
-                  <a:srgbClr val="1c1c1c"/>
-                </a:solidFill>
-                <a:latin typeface="Latin Modern Sans"/>
-                <a:ea typeface="DejaVu Sans"/>
-              </a:rPr>
-              <a:t>p</a:t>
-            </a:r>
-            <a:r>
-              <a:rPr b="0" lang="pt-BR" sz="1600" spc="-1" strike="noStrike">
-                <a:solidFill>
-                  <a:srgbClr val="1c1c1c"/>
-                </a:solidFill>
-                <a:latin typeface="Latin Modern Sans"/>
-                <a:ea typeface="DejaVu Sans"/>
-              </a:rPr>
-              <a:t>o</a:t>
-            </a:r>
-            <a:r>
-              <a:rPr b="0" lang="pt-BR" sz="1600" spc="-1" strike="noStrike">
-                <a:solidFill>
-                  <a:srgbClr val="1c1c1c"/>
-                </a:solidFill>
-                <a:latin typeface="Latin Modern Sans"/>
-                <a:ea typeface="DejaVu Sans"/>
-              </a:rPr>
-              <a:t>d</a:t>
-            </a:r>
-            <a:r>
-              <a:rPr b="0" lang="pt-BR" sz="1600" spc="-1" strike="noStrike">
-                <a:solidFill>
-                  <a:srgbClr val="1c1c1c"/>
-                </a:solidFill>
-                <a:latin typeface="Latin Modern Sans"/>
-                <a:ea typeface="DejaVu Sans"/>
-              </a:rPr>
-              <a:t>e</a:t>
-            </a:r>
-            <a:r>
-              <a:rPr b="0" lang="pt-BR" sz="1600" spc="-1" strike="noStrike">
-                <a:solidFill>
-                  <a:srgbClr val="1c1c1c"/>
-                </a:solidFill>
-                <a:latin typeface="Latin Modern Sans"/>
-                <a:ea typeface="DejaVu Sans"/>
-              </a:rPr>
-              <a:t> </a:t>
-            </a:r>
-            <a:r>
-              <a:rPr b="0" lang="pt-BR" sz="1600" spc="-1" strike="noStrike">
-                <a:solidFill>
-                  <a:srgbClr val="1c1c1c"/>
-                </a:solidFill>
-                <a:latin typeface="Latin Modern Sans"/>
-                <a:ea typeface="DejaVu Sans"/>
-              </a:rPr>
-              <a:t>s</a:t>
-            </a:r>
-            <a:r>
-              <a:rPr b="0" lang="pt-BR" sz="1600" spc="-1" strike="noStrike">
-                <a:solidFill>
-                  <a:srgbClr val="1c1c1c"/>
-                </a:solidFill>
-                <a:latin typeface="Latin Modern Sans"/>
-                <a:ea typeface="DejaVu Sans"/>
-              </a:rPr>
-              <a:t>e</a:t>
-            </a:r>
-            <a:r>
-              <a:rPr b="0" lang="pt-BR" sz="1600" spc="-1" strike="noStrike">
-                <a:solidFill>
-                  <a:srgbClr val="1c1c1c"/>
-                </a:solidFill>
-                <a:latin typeface="Latin Modern Sans"/>
-                <a:ea typeface="DejaVu Sans"/>
-              </a:rPr>
-              <a:t>r</a:t>
-            </a:r>
-            <a:r>
-              <a:rPr b="0" lang="pt-BR" sz="1600" spc="-1" strike="noStrike">
-                <a:solidFill>
-                  <a:srgbClr val="1c1c1c"/>
-                </a:solidFill>
-                <a:latin typeface="Latin Modern Sans"/>
-                <a:ea typeface="DejaVu Sans"/>
-              </a:rPr>
-              <a:t> </a:t>
-            </a:r>
-            <a:r>
-              <a:rPr b="0" lang="pt-BR" sz="1600" spc="-1" strike="noStrike">
-                <a:solidFill>
-                  <a:srgbClr val="1c1c1c"/>
-                </a:solidFill>
-                <a:latin typeface="Latin Modern Sans"/>
-                <a:ea typeface="DejaVu Sans"/>
-              </a:rPr>
-              <a:t>m</a:t>
-            </a:r>
-            <a:r>
-              <a:rPr b="0" lang="pt-BR" sz="1600" spc="-1" strike="noStrike">
-                <a:solidFill>
-                  <a:srgbClr val="1c1c1c"/>
-                </a:solidFill>
-                <a:latin typeface="Latin Modern Sans"/>
-                <a:ea typeface="DejaVu Sans"/>
-              </a:rPr>
-              <a:t>a</a:t>
-            </a:r>
-            <a:r>
-              <a:rPr b="0" lang="pt-BR" sz="1600" spc="-1" strike="noStrike">
-                <a:solidFill>
-                  <a:srgbClr val="1c1c1c"/>
-                </a:solidFill>
-                <a:latin typeface="Latin Modern Sans"/>
-                <a:ea typeface="DejaVu Sans"/>
-              </a:rPr>
-              <a:t>i</a:t>
-            </a:r>
-            <a:r>
-              <a:rPr b="0" lang="pt-BR" sz="1600" spc="-1" strike="noStrike">
-                <a:solidFill>
-                  <a:srgbClr val="1c1c1c"/>
-                </a:solidFill>
-                <a:latin typeface="Latin Modern Sans"/>
-                <a:ea typeface="DejaVu Sans"/>
-              </a:rPr>
-              <a:t>s</a:t>
-            </a:r>
-            <a:r>
-              <a:rPr b="0" lang="pt-BR" sz="1600" spc="-1" strike="noStrike">
-                <a:solidFill>
-                  <a:srgbClr val="1c1c1c"/>
-                </a:solidFill>
-                <a:latin typeface="Latin Modern Sans"/>
-                <a:ea typeface="DejaVu Sans"/>
-              </a:rPr>
-              <a:t> </a:t>
-            </a:r>
-            <a:r>
-              <a:rPr b="0" lang="pt-BR" sz="1600" spc="-1" strike="noStrike">
-                <a:solidFill>
-                  <a:srgbClr val="1c1c1c"/>
-                </a:solidFill>
-                <a:latin typeface="Latin Modern Sans"/>
-                <a:ea typeface="DejaVu Sans"/>
-              </a:rPr>
-              <a:t>e</a:t>
-            </a:r>
-            <a:r>
-              <a:rPr b="0" lang="pt-BR" sz="1600" spc="-1" strike="noStrike">
-                <a:solidFill>
-                  <a:srgbClr val="1c1c1c"/>
-                </a:solidFill>
-                <a:latin typeface="Latin Modern Sans"/>
-                <a:ea typeface="DejaVu Sans"/>
-              </a:rPr>
-              <a:t>f</a:t>
-            </a:r>
-            <a:r>
-              <a:rPr b="0" lang="pt-BR" sz="1600" spc="-1" strike="noStrike">
-                <a:solidFill>
-                  <a:srgbClr val="1c1c1c"/>
-                </a:solidFill>
-                <a:latin typeface="Latin Modern Sans"/>
-                <a:ea typeface="DejaVu Sans"/>
-              </a:rPr>
-              <a:t>i</a:t>
-            </a:r>
-            <a:r>
-              <a:rPr b="0" lang="pt-BR" sz="1600" spc="-1" strike="noStrike">
-                <a:solidFill>
-                  <a:srgbClr val="1c1c1c"/>
-                </a:solidFill>
-                <a:latin typeface="Latin Modern Sans"/>
-                <a:ea typeface="DejaVu Sans"/>
-              </a:rPr>
-              <a:t>c</a:t>
-            </a:r>
-            <a:r>
-              <a:rPr b="0" lang="pt-BR" sz="1600" spc="-1" strike="noStrike">
-                <a:solidFill>
-                  <a:srgbClr val="1c1c1c"/>
-                </a:solidFill>
-                <a:latin typeface="Latin Modern Sans"/>
-                <a:ea typeface="DejaVu Sans"/>
-              </a:rPr>
-              <a:t>a</a:t>
-            </a:r>
-            <a:r>
-              <a:rPr b="0" lang="pt-BR" sz="1600" spc="-1" strike="noStrike">
-                <a:solidFill>
-                  <a:srgbClr val="1c1c1c"/>
-                </a:solidFill>
-                <a:latin typeface="Latin Modern Sans"/>
-                <a:ea typeface="DejaVu Sans"/>
-              </a:rPr>
-              <a:t>z</a:t>
-            </a:r>
-            <a:endParaRPr b="0" lang="pt-BR" sz="1600" spc="-1" strike="noStrike">
-              <a:latin typeface="Arial"/>
-            </a:endParaRPr>
-          </a:p>
-          <a:p>
-            <a:pPr marL="216000" indent="-212400">
-              <a:lnSpc>
-                <a:spcPct val="100000"/>
-              </a:lnSpc>
-              <a:spcAft>
-                <a:spcPts val="1140"/>
-              </a:spcAft>
-              <a:buClr>
-                <a:srgbClr val="000000"/>
-              </a:buClr>
-              <a:buSzPct val="45000"/>
-              <a:buFont typeface="Wingdings" charset="2"/>
-              <a:buChar char=""/>
-            </a:pPr>
-            <a:endParaRPr b="0" lang="pt-BR" sz="1600" spc="-1" strike="noStrike">
-              <a:latin typeface="Arial"/>
-            </a:endParaRPr>
-          </a:p>
-          <a:p>
-            <a:pPr lvl="1" marL="432000" indent="-216000">
-              <a:lnSpc>
-                <a:spcPct val="100000"/>
-              </a:lnSpc>
-              <a:spcAft>
-                <a:spcPts val="1140"/>
-              </a:spcAft>
-              <a:buClr>
-                <a:srgbClr val="000000"/>
-              </a:buClr>
-              <a:buSzPct val="45000"/>
-              <a:buFont typeface="Wingdings" charset="2"/>
-              <a:buChar char=""/>
-            </a:pPr>
-            <a:endParaRPr b="0" lang="pt-BR" sz="1600" spc="-1" strike="noStrike">
-              <a:latin typeface="Arial"/>
-            </a:endParaRPr>
-          </a:p>
-          <a:p>
-            <a:pPr lvl="1" marL="432000" indent="-216000">
-              <a:lnSpc>
-                <a:spcPct val="100000"/>
-              </a:lnSpc>
-              <a:spcAft>
-                <a:spcPts val="1140"/>
-              </a:spcAft>
-              <a:buClr>
-                <a:srgbClr val="000000"/>
-              </a:buClr>
-              <a:buSzPct val="45000"/>
-              <a:buFont typeface="Wingdings" charset="2"/>
-              <a:buChar char=""/>
-            </a:pPr>
-            <a:endParaRPr b="0" lang="pt-BR" sz="1600" spc="-1" strike="noStrike">
-              <a:latin typeface="Arial"/>
-            </a:endParaRPr>
-          </a:p>
-          <a:p>
-            <a:pPr lvl="1" marL="432000" indent="-216000">
-              <a:lnSpc>
-                <a:spcPct val="100000"/>
-              </a:lnSpc>
-              <a:spcAft>
-                <a:spcPts val="1140"/>
-              </a:spcAft>
-              <a:buClr>
-                <a:srgbClr val="000000"/>
-              </a:buClr>
-              <a:buSzPct val="45000"/>
-              <a:buFont typeface="Wingdings" charset="2"/>
-              <a:buChar char=""/>
-            </a:pPr>
-            <a:endParaRPr b="0" lang="pt-BR" sz="1600" spc="-1" strike="noStrike">
-              <a:latin typeface="Arial"/>
-            </a:endParaRPr>
-          </a:p>
-          <a:p>
-            <a:pPr lvl="1" marL="432000" indent="-216000">
-              <a:lnSpc>
-                <a:spcPct val="100000"/>
-              </a:lnSpc>
-              <a:spcAft>
-                <a:spcPts val="1140"/>
-              </a:spcAft>
-              <a:buClr>
-                <a:srgbClr val="000000"/>
-              </a:buClr>
-              <a:buSzPct val="45000"/>
-              <a:buFont typeface="Wingdings" charset="2"/>
-              <a:buChar char=""/>
-            </a:pPr>
             <a:endParaRPr b="0" lang="pt-BR" sz="1600" spc="-1" strike="noStrike">
               <a:latin typeface="Arial"/>
             </a:endParaRPr>
@@ -22207,6 +17762,76 @@
               </a:spcAft>
               <a:buNone/>
             </a:pPr>
+            <a:endParaRPr b="0" lang="pt-BR" sz="1600" spc="-1" strike="noStrike">
+              <a:latin typeface="Arial"/>
+            </a:endParaRPr>
+          </a:p>
+          <a:p>
+            <a:pPr>
+              <a:lnSpc>
+                <a:spcPct val="100000"/>
+              </a:lnSpc>
+              <a:spcAft>
+                <a:spcPts val="1140"/>
+              </a:spcAft>
+              <a:buNone/>
+            </a:pPr>
+            <a:endParaRPr b="0" lang="pt-BR" sz="1600" spc="-1" strike="noStrike">
+              <a:latin typeface="Arial"/>
+            </a:endParaRPr>
+          </a:p>
+          <a:p>
+            <a:pPr>
+              <a:lnSpc>
+                <a:spcPct val="100000"/>
+              </a:lnSpc>
+              <a:spcAft>
+                <a:spcPts val="1140"/>
+              </a:spcAft>
+              <a:buNone/>
+            </a:pPr>
+            <a:endParaRPr b="0" lang="pt-BR" sz="1600" spc="-1" strike="noStrike">
+              <a:latin typeface="Arial"/>
+            </a:endParaRPr>
+          </a:p>
+          <a:p>
+            <a:pPr>
+              <a:lnSpc>
+                <a:spcPct val="100000"/>
+              </a:lnSpc>
+              <a:spcAft>
+                <a:spcPts val="1140"/>
+              </a:spcAft>
+              <a:buNone/>
+            </a:pPr>
+            <a:endParaRPr b="0" lang="pt-BR" sz="1600" spc="-1" strike="noStrike">
+              <a:latin typeface="Arial"/>
+            </a:endParaRPr>
+          </a:p>
+          <a:p>
+            <a:pPr>
+              <a:lnSpc>
+                <a:spcPct val="100000"/>
+              </a:lnSpc>
+              <a:spcAft>
+                <a:spcPts val="1140"/>
+              </a:spcAft>
+              <a:buNone/>
+            </a:pPr>
+            <a:endParaRPr b="0" lang="pt-BR" sz="1600" spc="-1" strike="noStrike">
+              <a:latin typeface="Arial"/>
+            </a:endParaRPr>
+          </a:p>
+          <a:p>
+            <a:pPr>
+              <a:lnSpc>
+                <a:spcPct val="100000"/>
+              </a:lnSpc>
+              <a:spcAft>
+                <a:spcPts val="1140"/>
+              </a:spcAft>
+              <a:buNone/>
+            </a:pPr>
             <a:endParaRPr b="0" lang="pt-BR" sz="2000" spc="-1" strike="noStrike">
               <a:latin typeface="Arial"/>
             </a:endParaRPr>
@@ -22222,7 +17847,7 @@
         <p:spPr>
           <a:xfrm>
             <a:off x="7608600" y="6814080"/>
-            <a:ext cx="2278440" cy="565200"/>
+            <a:ext cx="2278080" cy="564840"/>
           </a:xfrm>
           <a:prstGeom prst="rect">
             <a:avLst/>
@@ -22300,7 +17925,7 @@
         <p:spPr>
           <a:xfrm>
             <a:off x="7560000" y="439560"/>
-            <a:ext cx="2015640" cy="1540440"/>
+            <a:ext cx="2015280" cy="1540080"/>
           </a:xfrm>
           <a:prstGeom prst="rect">
             <a:avLst/>
@@ -22323,7 +17948,7 @@
         <p:spPr>
           <a:xfrm>
             <a:off x="2880000" y="2700000"/>
-            <a:ext cx="4320000" cy="4320000"/>
+            <a:ext cx="4319640" cy="4319640"/>
           </a:xfrm>
           <a:prstGeom prst="rect">
             <a:avLst/>
